--- a/SD_FinalProject.pptx
+++ b/SD_FinalProject.pptx
@@ -6,10 +6,10 @@
     <p:sldMasterId id="2147483667" r:id="rId2"/>
   </p:sldMasterIdLst>
   <p:notesMasterIdLst>
-    <p:notesMasterId r:id="rId16"/>
+    <p:notesMasterId r:id="rId15"/>
   </p:notesMasterIdLst>
   <p:handoutMasterIdLst>
-    <p:handoutMasterId r:id="rId17"/>
+    <p:handoutMasterId r:id="rId16"/>
   </p:handoutMasterIdLst>
   <p:sldIdLst>
     <p:sldId id="257" r:id="rId3"/>
@@ -20,11 +20,10 @@
     <p:sldId id="275" r:id="rId8"/>
     <p:sldId id="273" r:id="rId9"/>
     <p:sldId id="263" r:id="rId10"/>
-    <p:sldId id="281" r:id="rId11"/>
-    <p:sldId id="277" r:id="rId12"/>
-    <p:sldId id="278" r:id="rId13"/>
-    <p:sldId id="279" r:id="rId14"/>
-    <p:sldId id="280" r:id="rId15"/>
+    <p:sldId id="277" r:id="rId11"/>
+    <p:sldId id="278" r:id="rId12"/>
+    <p:sldId id="279" r:id="rId13"/>
+    <p:sldId id="280" r:id="rId14"/>
   </p:sldIdLst>
   <p:sldSz cx="12192000" cy="6858000"/>
   <p:notesSz cx="6858000" cy="9144000"/>
@@ -187,7 +186,7 @@
           <p:cNvPr id="2" name="頁首版面配置區 1">
             <a:extLst>
               <a:ext uri="{FF2B5EF4-FFF2-40B4-BE49-F238E27FC236}">
-                <a16:creationId xmlns:a16="http://schemas.microsoft.com/office/drawing/2014/main" xmlns="" id="{227DDB95-3DD0-448F-B837-E83EC1656C71}"/>
+                <a16:creationId xmlns="" xmlns:a16="http://schemas.microsoft.com/office/drawing/2014/main" id="{227DDB95-3DD0-448F-B837-E83EC1656C71}"/>
               </a:ext>
             </a:extLst>
           </p:cNvPr>
@@ -224,7 +223,7 @@
           <p:cNvPr id="3" name="日期版面配置區 2">
             <a:extLst>
               <a:ext uri="{FF2B5EF4-FFF2-40B4-BE49-F238E27FC236}">
-                <a16:creationId xmlns:a16="http://schemas.microsoft.com/office/drawing/2014/main" xmlns="" id="{90EC11CE-D014-49BF-BE36-87566E06067B}"/>
+                <a16:creationId xmlns="" xmlns:a16="http://schemas.microsoft.com/office/drawing/2014/main" id="{90EC11CE-D014-49BF-BE36-87566E06067B}"/>
               </a:ext>
             </a:extLst>
           </p:cNvPr>
@@ -254,7 +253,7 @@
           <a:p>
             <a:fld id="{36756BF5-9824-42F5-B908-A6F2AB696476}" type="datetimeFigureOut">
               <a:rPr lang="zh-TW" altLang="en-US" smtClean="0"/>
-              <a:t>2020/12/27</a:t>
+              <a:t>2020/12/28</a:t>
             </a:fld>
             <a:endParaRPr lang="zh-TW" altLang="en-US"/>
           </a:p>
@@ -265,7 +264,7 @@
           <p:cNvPr id="4" name="頁尾版面配置區 3">
             <a:extLst>
               <a:ext uri="{FF2B5EF4-FFF2-40B4-BE49-F238E27FC236}">
-                <a16:creationId xmlns:a16="http://schemas.microsoft.com/office/drawing/2014/main" xmlns="" id="{CCC2B554-4E12-4E3B-9EA9-62BDF80407D3}"/>
+                <a16:creationId xmlns="" xmlns:a16="http://schemas.microsoft.com/office/drawing/2014/main" id="{CCC2B554-4E12-4E3B-9EA9-62BDF80407D3}"/>
               </a:ext>
             </a:extLst>
           </p:cNvPr>
@@ -302,7 +301,7 @@
           <p:cNvPr id="5" name="投影片編號版面配置區 4">
             <a:extLst>
               <a:ext uri="{FF2B5EF4-FFF2-40B4-BE49-F238E27FC236}">
-                <a16:creationId xmlns:a16="http://schemas.microsoft.com/office/drawing/2014/main" xmlns="" id="{57B56CF4-2101-41D1-8BE3-EA8245AF9B7D}"/>
+                <a16:creationId xmlns="" xmlns:a16="http://schemas.microsoft.com/office/drawing/2014/main" id="{57B56CF4-2101-41D1-8BE3-EA8245AF9B7D}"/>
               </a:ext>
             </a:extLst>
           </p:cNvPr>
@@ -432,7 +431,7 @@
           <a:p>
             <a:fld id="{4CDC12C5-0070-4964-A6FC-1D5D74B27C7B}" type="datetimeFigureOut">
               <a:rPr lang="zh-TW" altLang="en-US" smtClean="0"/>
-              <a:t>2020/12/27</a:t>
+              <a:t>2020/12/28</a:t>
             </a:fld>
             <a:endParaRPr lang="zh-TW" altLang="en-US"/>
           </a:p>
@@ -828,7 +827,7 @@
           <p:cNvPr id="9" name="投影片編號版面配置區 8">
             <a:extLst>
               <a:ext uri="{FF2B5EF4-FFF2-40B4-BE49-F238E27FC236}">
-                <a16:creationId xmlns:a16="http://schemas.microsoft.com/office/drawing/2014/main" xmlns="" id="{D728E7B3-9887-47A6-8F34-ABC22397C67C}"/>
+                <a16:creationId xmlns="" xmlns:a16="http://schemas.microsoft.com/office/drawing/2014/main" id="{D728E7B3-9887-47A6-8F34-ABC22397C67C}"/>
               </a:ext>
             </a:extLst>
           </p:cNvPr>
@@ -862,7 +861,7 @@
           <p:cNvPr id="10" name="標題 1">
             <a:extLst>
               <a:ext uri="{FF2B5EF4-FFF2-40B4-BE49-F238E27FC236}">
-                <a16:creationId xmlns:a16="http://schemas.microsoft.com/office/drawing/2014/main" xmlns="" id="{6D2622D2-9A6A-4C6F-9A65-7F51FA28FCBA}"/>
+                <a16:creationId xmlns="" xmlns:a16="http://schemas.microsoft.com/office/drawing/2014/main" id="{6D2622D2-9A6A-4C6F-9A65-7F51FA28FCBA}"/>
               </a:ext>
             </a:extLst>
           </p:cNvPr>
@@ -901,7 +900,7 @@
           <p:cNvPr id="11" name="副標題 2">
             <a:extLst>
               <a:ext uri="{FF2B5EF4-FFF2-40B4-BE49-F238E27FC236}">
-                <a16:creationId xmlns:a16="http://schemas.microsoft.com/office/drawing/2014/main" xmlns="" id="{DF3F33E9-2E0F-41E0-8822-FAF8753709D2}"/>
+                <a16:creationId xmlns="" xmlns:a16="http://schemas.microsoft.com/office/drawing/2014/main" id="{DF3F33E9-2E0F-41E0-8822-FAF8753709D2}"/>
               </a:ext>
             </a:extLst>
           </p:cNvPr>
@@ -1003,7 +1002,7 @@
           <p:cNvPr id="3" name="內容版面配置區 2">
             <a:extLst>
               <a:ext uri="{FF2B5EF4-FFF2-40B4-BE49-F238E27FC236}">
-                <a16:creationId xmlns:a16="http://schemas.microsoft.com/office/drawing/2014/main" xmlns="" id="{AC58BEE2-E5BD-456C-861E-BB5B56175774}"/>
+                <a16:creationId xmlns="" xmlns:a16="http://schemas.microsoft.com/office/drawing/2014/main" id="{AC58BEE2-E5BD-456C-861E-BB5B56175774}"/>
               </a:ext>
             </a:extLst>
           </p:cNvPr>
@@ -1131,7 +1130,7 @@
           <p:cNvPr id="4" name="日期版面配置區 3">
             <a:extLst>
               <a:ext uri="{FF2B5EF4-FFF2-40B4-BE49-F238E27FC236}">
-                <a16:creationId xmlns:a16="http://schemas.microsoft.com/office/drawing/2014/main" xmlns="" id="{8DB3D0EC-91AD-4377-B51B-A33A5CE7B61C}"/>
+                <a16:creationId xmlns="" xmlns:a16="http://schemas.microsoft.com/office/drawing/2014/main" id="{8DB3D0EC-91AD-4377-B51B-A33A5CE7B61C}"/>
               </a:ext>
             </a:extLst>
           </p:cNvPr>
@@ -1157,7 +1156,7 @@
           <a:p>
             <a:fld id="{9FC3791E-32D1-46A7-BA0A-F63BCC6A10E6}" type="datetime1">
               <a:rPr lang="zh-TW" altLang="en-US" smtClean="0"/>
-              <a:t>2020/12/27</a:t>
+              <a:t>2020/12/28</a:t>
             </a:fld>
             <a:endParaRPr lang="zh-TW" altLang="en-US" dirty="0"/>
           </a:p>
@@ -1168,7 +1167,7 @@
           <p:cNvPr id="5" name="頁尾版面配置區 4">
             <a:extLst>
               <a:ext uri="{FF2B5EF4-FFF2-40B4-BE49-F238E27FC236}">
-                <a16:creationId xmlns:a16="http://schemas.microsoft.com/office/drawing/2014/main" xmlns="" id="{CD9AB5A7-BA78-456E-90F6-F11747BF69C5}"/>
+                <a16:creationId xmlns="" xmlns:a16="http://schemas.microsoft.com/office/drawing/2014/main" id="{CD9AB5A7-BA78-456E-90F6-F11747BF69C5}"/>
               </a:ext>
             </a:extLst>
           </p:cNvPr>
@@ -1205,7 +1204,7 @@
           <p:cNvPr id="7" name="圖片 6">
             <a:extLst>
               <a:ext uri="{FF2B5EF4-FFF2-40B4-BE49-F238E27FC236}">
-                <a16:creationId xmlns:a16="http://schemas.microsoft.com/office/drawing/2014/main" xmlns="" id="{C7C22369-BBE8-4939-BA27-7E09515E6670}"/>
+                <a16:creationId xmlns="" xmlns:a16="http://schemas.microsoft.com/office/drawing/2014/main" id="{C7C22369-BBE8-4939-BA27-7E09515E6670}"/>
               </a:ext>
             </a:extLst>
           </p:cNvPr>
@@ -1247,7 +1246,7 @@
           <p:cNvPr id="8" name="投影片編號版面配置區 5">
             <a:extLst>
               <a:ext uri="{FF2B5EF4-FFF2-40B4-BE49-F238E27FC236}">
-                <a16:creationId xmlns:a16="http://schemas.microsoft.com/office/drawing/2014/main" xmlns="" id="{C3D22C8B-72B2-451F-8B85-DFD26928D61E}"/>
+                <a16:creationId xmlns="" xmlns:a16="http://schemas.microsoft.com/office/drawing/2014/main" id="{C3D22C8B-72B2-451F-8B85-DFD26928D61E}"/>
               </a:ext>
             </a:extLst>
           </p:cNvPr>
@@ -1284,7 +1283,7 @@
           <p:cNvPr id="6" name="文字方塊 5">
             <a:extLst>
               <a:ext uri="{FF2B5EF4-FFF2-40B4-BE49-F238E27FC236}">
-                <a16:creationId xmlns:a16="http://schemas.microsoft.com/office/drawing/2014/main" xmlns="" id="{28DB2EBB-86D6-4461-B0DA-5C241293298B}"/>
+                <a16:creationId xmlns="" xmlns:a16="http://schemas.microsoft.com/office/drawing/2014/main" id="{28DB2EBB-86D6-4461-B0DA-5C241293298B}"/>
               </a:ext>
             </a:extLst>
           </p:cNvPr>
@@ -1369,7 +1368,7 @@
           <p:cNvPr id="2" name="標題 1">
             <a:extLst>
               <a:ext uri="{FF2B5EF4-FFF2-40B4-BE49-F238E27FC236}">
-                <a16:creationId xmlns:a16="http://schemas.microsoft.com/office/drawing/2014/main" xmlns="" id="{58AF282D-766B-4BF0-9C47-40691705E835}"/>
+                <a16:creationId xmlns="" xmlns:a16="http://schemas.microsoft.com/office/drawing/2014/main" id="{58AF282D-766B-4BF0-9C47-40691705E835}"/>
               </a:ext>
             </a:extLst>
           </p:cNvPr>
@@ -1405,7 +1404,7 @@
           <p:cNvPr id="3" name="直排文字版面配置區 2">
             <a:extLst>
               <a:ext uri="{FF2B5EF4-FFF2-40B4-BE49-F238E27FC236}">
-                <a16:creationId xmlns:a16="http://schemas.microsoft.com/office/drawing/2014/main" xmlns="" id="{C5701B26-1AF9-43BA-950E-1E281DB6BD3E}"/>
+                <a16:creationId xmlns="" xmlns:a16="http://schemas.microsoft.com/office/drawing/2014/main" id="{C5701B26-1AF9-43BA-950E-1E281DB6BD3E}"/>
               </a:ext>
             </a:extLst>
           </p:cNvPr>
@@ -1470,7 +1469,7 @@
           <p:cNvPr id="4" name="日期版面配置區 3">
             <a:extLst>
               <a:ext uri="{FF2B5EF4-FFF2-40B4-BE49-F238E27FC236}">
-                <a16:creationId xmlns:a16="http://schemas.microsoft.com/office/drawing/2014/main" xmlns="" id="{9206F136-392A-448F-B73E-E462F447BF27}"/>
+                <a16:creationId xmlns="" xmlns:a16="http://schemas.microsoft.com/office/drawing/2014/main" id="{9206F136-392A-448F-B73E-E462F447BF27}"/>
               </a:ext>
             </a:extLst>
           </p:cNvPr>
@@ -1496,7 +1495,7 @@
           <a:p>
             <a:fld id="{A13B3A8E-4A26-4E87-893A-33EB3CB48DE5}" type="datetime1">
               <a:rPr lang="zh-TW" altLang="en-US" smtClean="0"/>
-              <a:t>2020/12/27</a:t>
+              <a:t>2020/12/28</a:t>
             </a:fld>
             <a:endParaRPr lang="zh-TW" altLang="en-US"/>
           </a:p>
@@ -1507,7 +1506,7 @@
           <p:cNvPr id="5" name="頁尾版面配置區 4">
             <a:extLst>
               <a:ext uri="{FF2B5EF4-FFF2-40B4-BE49-F238E27FC236}">
-                <a16:creationId xmlns:a16="http://schemas.microsoft.com/office/drawing/2014/main" xmlns="" id="{1ADF6465-A2A8-4BCD-83C4-D55BBFC6A0A0}"/>
+                <a16:creationId xmlns="" xmlns:a16="http://schemas.microsoft.com/office/drawing/2014/main" id="{1ADF6465-A2A8-4BCD-83C4-D55BBFC6A0A0}"/>
               </a:ext>
             </a:extLst>
           </p:cNvPr>
@@ -1544,7 +1543,7 @@
           <p:cNvPr id="6" name="投影片編號版面配置區 5">
             <a:extLst>
               <a:ext uri="{FF2B5EF4-FFF2-40B4-BE49-F238E27FC236}">
-                <a16:creationId xmlns:a16="http://schemas.microsoft.com/office/drawing/2014/main" xmlns="" id="{EE22ADA3-FC15-4D5C-9E88-CA2E354BA3D2}"/>
+                <a16:creationId xmlns="" xmlns:a16="http://schemas.microsoft.com/office/drawing/2014/main" id="{EE22ADA3-FC15-4D5C-9E88-CA2E354BA3D2}"/>
               </a:ext>
             </a:extLst>
           </p:cNvPr>
@@ -1611,7 +1610,7 @@
           <p:cNvPr id="2" name="直排標題 1">
             <a:extLst>
               <a:ext uri="{FF2B5EF4-FFF2-40B4-BE49-F238E27FC236}">
-                <a16:creationId xmlns:a16="http://schemas.microsoft.com/office/drawing/2014/main" xmlns="" id="{0186CFF9-5208-4EB9-B9AB-FB39BB38EE6D}"/>
+                <a16:creationId xmlns="" xmlns:a16="http://schemas.microsoft.com/office/drawing/2014/main" id="{0186CFF9-5208-4EB9-B9AB-FB39BB38EE6D}"/>
               </a:ext>
             </a:extLst>
           </p:cNvPr>
@@ -1647,7 +1646,7 @@
           <p:cNvPr id="3" name="直排文字版面配置區 2">
             <a:extLst>
               <a:ext uri="{FF2B5EF4-FFF2-40B4-BE49-F238E27FC236}">
-                <a16:creationId xmlns:a16="http://schemas.microsoft.com/office/drawing/2014/main" xmlns="" id="{1EFB146E-150A-4AF2-A6D3-232A4DEB05CD}"/>
+                <a16:creationId xmlns="" xmlns:a16="http://schemas.microsoft.com/office/drawing/2014/main" id="{1EFB146E-150A-4AF2-A6D3-232A4DEB05CD}"/>
               </a:ext>
             </a:extLst>
           </p:cNvPr>
@@ -1712,7 +1711,7 @@
           <p:cNvPr id="4" name="日期版面配置區 3">
             <a:extLst>
               <a:ext uri="{FF2B5EF4-FFF2-40B4-BE49-F238E27FC236}">
-                <a16:creationId xmlns:a16="http://schemas.microsoft.com/office/drawing/2014/main" xmlns="" id="{42B73CEE-6238-416A-8D35-704F41936F6F}"/>
+                <a16:creationId xmlns="" xmlns:a16="http://schemas.microsoft.com/office/drawing/2014/main" id="{42B73CEE-6238-416A-8D35-704F41936F6F}"/>
               </a:ext>
             </a:extLst>
           </p:cNvPr>
@@ -1738,7 +1737,7 @@
           <a:p>
             <a:fld id="{68B98749-1E1B-4CE6-BAB4-4331F880E99C}" type="datetime1">
               <a:rPr lang="zh-TW" altLang="en-US" smtClean="0"/>
-              <a:t>2020/12/27</a:t>
+              <a:t>2020/12/28</a:t>
             </a:fld>
             <a:endParaRPr lang="zh-TW" altLang="en-US"/>
           </a:p>
@@ -1749,7 +1748,7 @@
           <p:cNvPr id="5" name="頁尾版面配置區 4">
             <a:extLst>
               <a:ext uri="{FF2B5EF4-FFF2-40B4-BE49-F238E27FC236}">
-                <a16:creationId xmlns:a16="http://schemas.microsoft.com/office/drawing/2014/main" xmlns="" id="{58D16796-D14B-4E4E-B3DB-75742E51174C}"/>
+                <a16:creationId xmlns="" xmlns:a16="http://schemas.microsoft.com/office/drawing/2014/main" id="{58D16796-D14B-4E4E-B3DB-75742E51174C}"/>
               </a:ext>
             </a:extLst>
           </p:cNvPr>
@@ -1786,7 +1785,7 @@
           <p:cNvPr id="6" name="投影片編號版面配置區 5">
             <a:extLst>
               <a:ext uri="{FF2B5EF4-FFF2-40B4-BE49-F238E27FC236}">
-                <a16:creationId xmlns:a16="http://schemas.microsoft.com/office/drawing/2014/main" xmlns="" id="{C5079AB2-2BF0-4961-8FCF-0EEDDDFE4E92}"/>
+                <a16:creationId xmlns="" xmlns:a16="http://schemas.microsoft.com/office/drawing/2014/main" id="{C5079AB2-2BF0-4961-8FCF-0EEDDDFE4E92}"/>
               </a:ext>
             </a:extLst>
           </p:cNvPr>
@@ -1853,7 +1852,7 @@
           <p:cNvPr id="2" name="標題 1">
             <a:extLst>
               <a:ext uri="{FF2B5EF4-FFF2-40B4-BE49-F238E27FC236}">
-                <a16:creationId xmlns:a16="http://schemas.microsoft.com/office/drawing/2014/main" xmlns="" id="{B4D06CDE-0C6D-4884-BB24-3364EB796EC9}"/>
+                <a16:creationId xmlns="" xmlns:a16="http://schemas.microsoft.com/office/drawing/2014/main" id="{B4D06CDE-0C6D-4884-BB24-3364EB796EC9}"/>
               </a:ext>
             </a:extLst>
           </p:cNvPr>
@@ -1901,7 +1900,7 @@
           <p:cNvPr id="3" name="內容版面配置區 2">
             <a:extLst>
               <a:ext uri="{FF2B5EF4-FFF2-40B4-BE49-F238E27FC236}">
-                <a16:creationId xmlns:a16="http://schemas.microsoft.com/office/drawing/2014/main" xmlns="" id="{AC58BEE2-E5BD-456C-861E-BB5B56175774}"/>
+                <a16:creationId xmlns="" xmlns:a16="http://schemas.microsoft.com/office/drawing/2014/main" id="{AC58BEE2-E5BD-456C-861E-BB5B56175774}"/>
               </a:ext>
             </a:extLst>
           </p:cNvPr>
@@ -2015,7 +2014,7 @@
           <p:cNvPr id="4" name="日期版面配置區 3">
             <a:extLst>
               <a:ext uri="{FF2B5EF4-FFF2-40B4-BE49-F238E27FC236}">
-                <a16:creationId xmlns:a16="http://schemas.microsoft.com/office/drawing/2014/main" xmlns="" id="{8DB3D0EC-91AD-4377-B51B-A33A5CE7B61C}"/>
+                <a16:creationId xmlns="" xmlns:a16="http://schemas.microsoft.com/office/drawing/2014/main" id="{8DB3D0EC-91AD-4377-B51B-A33A5CE7B61C}"/>
               </a:ext>
             </a:extLst>
           </p:cNvPr>
@@ -2041,7 +2040,7 @@
           <a:p>
             <a:fld id="{9F0AAA16-6B06-4347-910C-1339841B8D2B}" type="datetime1">
               <a:rPr lang="zh-TW" altLang="en-US" smtClean="0"/>
-              <a:t>2020/12/27</a:t>
+              <a:t>2020/12/28</a:t>
             </a:fld>
             <a:endParaRPr lang="zh-TW" altLang="en-US" dirty="0"/>
           </a:p>
@@ -2052,7 +2051,7 @@
           <p:cNvPr id="5" name="頁尾版面配置區 4">
             <a:extLst>
               <a:ext uri="{FF2B5EF4-FFF2-40B4-BE49-F238E27FC236}">
-                <a16:creationId xmlns:a16="http://schemas.microsoft.com/office/drawing/2014/main" xmlns="" id="{CD9AB5A7-BA78-456E-90F6-F11747BF69C5}"/>
+                <a16:creationId xmlns="" xmlns:a16="http://schemas.microsoft.com/office/drawing/2014/main" id="{CD9AB5A7-BA78-456E-90F6-F11747BF69C5}"/>
               </a:ext>
             </a:extLst>
           </p:cNvPr>
@@ -2089,7 +2088,7 @@
           <p:cNvPr id="8" name="投影片編號版面配置區 5">
             <a:extLst>
               <a:ext uri="{FF2B5EF4-FFF2-40B4-BE49-F238E27FC236}">
-                <a16:creationId xmlns:a16="http://schemas.microsoft.com/office/drawing/2014/main" xmlns="" id="{C3D22C8B-72B2-451F-8B85-DFD26928D61E}"/>
+                <a16:creationId xmlns="" xmlns:a16="http://schemas.microsoft.com/office/drawing/2014/main" id="{C3D22C8B-72B2-451F-8B85-DFD26928D61E}"/>
               </a:ext>
             </a:extLst>
           </p:cNvPr>
@@ -2197,7 +2196,7 @@
           <p:cNvPr id="2" name="標題 1">
             <a:extLst>
               <a:ext uri="{FF2B5EF4-FFF2-40B4-BE49-F238E27FC236}">
-                <a16:creationId xmlns:a16="http://schemas.microsoft.com/office/drawing/2014/main" xmlns="" id="{03F91635-154E-470F-B363-A111FA2F1B4D}"/>
+                <a16:creationId xmlns="" xmlns:a16="http://schemas.microsoft.com/office/drawing/2014/main" id="{03F91635-154E-470F-B363-A111FA2F1B4D}"/>
               </a:ext>
             </a:extLst>
           </p:cNvPr>
@@ -2248,7 +2247,7 @@
           <p:cNvPr id="3" name="文字版面配置區 2">
             <a:extLst>
               <a:ext uri="{FF2B5EF4-FFF2-40B4-BE49-F238E27FC236}">
-                <a16:creationId xmlns:a16="http://schemas.microsoft.com/office/drawing/2014/main" xmlns="" id="{C229CB13-7E6E-4893-938F-02460D2F029B}"/>
+                <a16:creationId xmlns="" xmlns:a16="http://schemas.microsoft.com/office/drawing/2014/main" id="{C229CB13-7E6E-4893-938F-02460D2F029B}"/>
               </a:ext>
             </a:extLst>
           </p:cNvPr>
@@ -2333,7 +2332,7 @@
           <p:cNvPr id="4" name="內容版面配置區 3">
             <a:extLst>
               <a:ext uri="{FF2B5EF4-FFF2-40B4-BE49-F238E27FC236}">
-                <a16:creationId xmlns:a16="http://schemas.microsoft.com/office/drawing/2014/main" xmlns="" id="{D468FDA2-D373-43DA-838D-1AF337F951FD}"/>
+                <a16:creationId xmlns="" xmlns:a16="http://schemas.microsoft.com/office/drawing/2014/main" id="{D468FDA2-D373-43DA-838D-1AF337F951FD}"/>
               </a:ext>
             </a:extLst>
           </p:cNvPr>
@@ -2445,7 +2444,7 @@
           <p:cNvPr id="5" name="文字版面配置區 4">
             <a:extLst>
               <a:ext uri="{FF2B5EF4-FFF2-40B4-BE49-F238E27FC236}">
-                <a16:creationId xmlns:a16="http://schemas.microsoft.com/office/drawing/2014/main" xmlns="" id="{A5DCAF29-0798-4714-91CF-1B986B97B2F0}"/>
+                <a16:creationId xmlns="" xmlns:a16="http://schemas.microsoft.com/office/drawing/2014/main" id="{A5DCAF29-0798-4714-91CF-1B986B97B2F0}"/>
               </a:ext>
             </a:extLst>
           </p:cNvPr>
@@ -2539,7 +2538,7 @@
           <p:cNvPr id="6" name="內容版面配置區 5">
             <a:extLst>
               <a:ext uri="{FF2B5EF4-FFF2-40B4-BE49-F238E27FC236}">
-                <a16:creationId xmlns:a16="http://schemas.microsoft.com/office/drawing/2014/main" xmlns="" id="{093C2D5E-DC23-4935-8DE5-DA4796B5307F}"/>
+                <a16:creationId xmlns="" xmlns:a16="http://schemas.microsoft.com/office/drawing/2014/main" id="{093C2D5E-DC23-4935-8DE5-DA4796B5307F}"/>
               </a:ext>
             </a:extLst>
           </p:cNvPr>
@@ -2643,7 +2642,7 @@
           <p:cNvPr id="7" name="日期版面配置區 6">
             <a:extLst>
               <a:ext uri="{FF2B5EF4-FFF2-40B4-BE49-F238E27FC236}">
-                <a16:creationId xmlns:a16="http://schemas.microsoft.com/office/drawing/2014/main" xmlns="" id="{F3DDFAC8-DD49-49E9-B9F4-6D3FC6BBAAF3}"/>
+                <a16:creationId xmlns="" xmlns:a16="http://schemas.microsoft.com/office/drawing/2014/main" id="{F3DDFAC8-DD49-49E9-B9F4-6D3FC6BBAAF3}"/>
               </a:ext>
             </a:extLst>
           </p:cNvPr>
@@ -2669,7 +2668,7 @@
           <a:p>
             <a:fld id="{CEC064C4-2A03-4CE4-827C-1EBBD289A4F0}" type="datetime1">
               <a:rPr lang="zh-TW" altLang="en-US" smtClean="0"/>
-              <a:t>2020/12/27</a:t>
+              <a:t>2020/12/28</a:t>
             </a:fld>
             <a:endParaRPr lang="zh-TW" altLang="en-US"/>
           </a:p>
@@ -2680,7 +2679,7 @@
           <p:cNvPr id="8" name="頁尾版面配置區 7">
             <a:extLst>
               <a:ext uri="{FF2B5EF4-FFF2-40B4-BE49-F238E27FC236}">
-                <a16:creationId xmlns:a16="http://schemas.microsoft.com/office/drawing/2014/main" xmlns="" id="{A06AE587-3180-4262-BC43-D49A0160D38E}"/>
+                <a16:creationId xmlns="" xmlns:a16="http://schemas.microsoft.com/office/drawing/2014/main" id="{A06AE587-3180-4262-BC43-D49A0160D38E}"/>
               </a:ext>
             </a:extLst>
           </p:cNvPr>
@@ -2717,7 +2716,7 @@
           <p:cNvPr id="12" name="投影片編號版面配置區 5">
             <a:extLst>
               <a:ext uri="{FF2B5EF4-FFF2-40B4-BE49-F238E27FC236}">
-                <a16:creationId xmlns:a16="http://schemas.microsoft.com/office/drawing/2014/main" xmlns="" id="{917D8196-CADE-482E-AF0F-2DF886B412E8}"/>
+                <a16:creationId xmlns="" xmlns:a16="http://schemas.microsoft.com/office/drawing/2014/main" id="{917D8196-CADE-482E-AF0F-2DF886B412E8}"/>
               </a:ext>
             </a:extLst>
           </p:cNvPr>
@@ -2825,7 +2824,7 @@
           <p:cNvPr id="2" name="標題 1">
             <a:extLst>
               <a:ext uri="{FF2B5EF4-FFF2-40B4-BE49-F238E27FC236}">
-                <a16:creationId xmlns:a16="http://schemas.microsoft.com/office/drawing/2014/main" xmlns="" id="{B4D06CDE-0C6D-4884-BB24-3364EB796EC9}"/>
+                <a16:creationId xmlns="" xmlns:a16="http://schemas.microsoft.com/office/drawing/2014/main" id="{B4D06CDE-0C6D-4884-BB24-3364EB796EC9}"/>
               </a:ext>
             </a:extLst>
           </p:cNvPr>
@@ -2874,7 +2873,7 @@
           <p:cNvPr id="3" name="內容版面配置區 2">
             <a:extLst>
               <a:ext uri="{FF2B5EF4-FFF2-40B4-BE49-F238E27FC236}">
-                <a16:creationId xmlns:a16="http://schemas.microsoft.com/office/drawing/2014/main" xmlns="" id="{AC58BEE2-E5BD-456C-861E-BB5B56175774}"/>
+                <a16:creationId xmlns="" xmlns:a16="http://schemas.microsoft.com/office/drawing/2014/main" id="{AC58BEE2-E5BD-456C-861E-BB5B56175774}"/>
               </a:ext>
             </a:extLst>
           </p:cNvPr>
@@ -2987,7 +2986,7 @@
           <p:cNvPr id="4" name="日期版面配置區 3">
             <a:extLst>
               <a:ext uri="{FF2B5EF4-FFF2-40B4-BE49-F238E27FC236}">
-                <a16:creationId xmlns:a16="http://schemas.microsoft.com/office/drawing/2014/main" xmlns="" id="{8DB3D0EC-91AD-4377-B51B-A33A5CE7B61C}"/>
+                <a16:creationId xmlns="" xmlns:a16="http://schemas.microsoft.com/office/drawing/2014/main" id="{8DB3D0EC-91AD-4377-B51B-A33A5CE7B61C}"/>
               </a:ext>
             </a:extLst>
           </p:cNvPr>
@@ -3013,7 +3012,7 @@
           <a:p>
             <a:fld id="{9F0AAA16-6B06-4347-910C-1339841B8D2B}" type="datetime1">
               <a:rPr lang="zh-TW" altLang="en-US" smtClean="0"/>
-              <a:t>2020/12/27</a:t>
+              <a:t>2020/12/28</a:t>
             </a:fld>
             <a:endParaRPr lang="zh-TW" altLang="en-US" dirty="0"/>
           </a:p>
@@ -3024,7 +3023,7 @@
           <p:cNvPr id="5" name="頁尾版面配置區 4">
             <a:extLst>
               <a:ext uri="{FF2B5EF4-FFF2-40B4-BE49-F238E27FC236}">
-                <a16:creationId xmlns:a16="http://schemas.microsoft.com/office/drawing/2014/main" xmlns="" id="{CD9AB5A7-BA78-456E-90F6-F11747BF69C5}"/>
+                <a16:creationId xmlns="" xmlns:a16="http://schemas.microsoft.com/office/drawing/2014/main" id="{CD9AB5A7-BA78-456E-90F6-F11747BF69C5}"/>
               </a:ext>
             </a:extLst>
           </p:cNvPr>
@@ -3061,7 +3060,7 @@
           <p:cNvPr id="8" name="投影片編號版面配置區 5">
             <a:extLst>
               <a:ext uri="{FF2B5EF4-FFF2-40B4-BE49-F238E27FC236}">
-                <a16:creationId xmlns:a16="http://schemas.microsoft.com/office/drawing/2014/main" xmlns="" id="{C3D22C8B-72B2-451F-8B85-DFD26928D61E}"/>
+                <a16:creationId xmlns="" xmlns:a16="http://schemas.microsoft.com/office/drawing/2014/main" id="{C3D22C8B-72B2-451F-8B85-DFD26928D61E}"/>
               </a:ext>
             </a:extLst>
           </p:cNvPr>
@@ -3170,7 +3169,7 @@
           <p:cNvPr id="2" name="標題 1">
             <a:extLst>
               <a:ext uri="{FF2B5EF4-FFF2-40B4-BE49-F238E27FC236}">
-                <a16:creationId xmlns:a16="http://schemas.microsoft.com/office/drawing/2014/main" xmlns="" id="{2A90300C-5F3A-4C9F-9D0A-0434176D290B}"/>
+                <a16:creationId xmlns="" xmlns:a16="http://schemas.microsoft.com/office/drawing/2014/main" id="{2A90300C-5F3A-4C9F-9D0A-0434176D290B}"/>
               </a:ext>
             </a:extLst>
           </p:cNvPr>
@@ -3221,7 +3220,7 @@
           <p:cNvPr id="3" name="日期版面配置區 2">
             <a:extLst>
               <a:ext uri="{FF2B5EF4-FFF2-40B4-BE49-F238E27FC236}">
-                <a16:creationId xmlns:a16="http://schemas.microsoft.com/office/drawing/2014/main" xmlns="" id="{333075F0-1FB3-4F7D-BAEB-A22B33F74C6A}"/>
+                <a16:creationId xmlns="" xmlns:a16="http://schemas.microsoft.com/office/drawing/2014/main" id="{333075F0-1FB3-4F7D-BAEB-A22B33F74C6A}"/>
               </a:ext>
             </a:extLst>
           </p:cNvPr>
@@ -3247,7 +3246,7 @@
           <a:p>
             <a:fld id="{9A9B85DC-C595-4128-9DC7-341551D0B2BF}" type="datetime1">
               <a:rPr lang="zh-TW" altLang="en-US" smtClean="0"/>
-              <a:t>2020/12/27</a:t>
+              <a:t>2020/12/28</a:t>
             </a:fld>
             <a:endParaRPr lang="zh-TW" altLang="en-US"/>
           </a:p>
@@ -3258,7 +3257,7 @@
           <p:cNvPr id="4" name="頁尾版面配置區 3">
             <a:extLst>
               <a:ext uri="{FF2B5EF4-FFF2-40B4-BE49-F238E27FC236}">
-                <a16:creationId xmlns:a16="http://schemas.microsoft.com/office/drawing/2014/main" xmlns="" id="{0D972553-51D2-446B-A954-5041A5BDB619}"/>
+                <a16:creationId xmlns="" xmlns:a16="http://schemas.microsoft.com/office/drawing/2014/main" id="{0D972553-51D2-446B-A954-5041A5BDB619}"/>
               </a:ext>
             </a:extLst>
           </p:cNvPr>
@@ -3295,7 +3294,7 @@
           <p:cNvPr id="7" name="投影片編號版面配置區 5">
             <a:extLst>
               <a:ext uri="{FF2B5EF4-FFF2-40B4-BE49-F238E27FC236}">
-                <a16:creationId xmlns:a16="http://schemas.microsoft.com/office/drawing/2014/main" xmlns="" id="{034B5E20-7947-4842-84CB-3BFCD6A6365A}"/>
+                <a16:creationId xmlns="" xmlns:a16="http://schemas.microsoft.com/office/drawing/2014/main" id="{034B5E20-7947-4842-84CB-3BFCD6A6365A}"/>
               </a:ext>
             </a:extLst>
           </p:cNvPr>
@@ -3404,7 +3403,7 @@
           <p:cNvPr id="3" name="內容版面配置區 2">
             <a:extLst>
               <a:ext uri="{FF2B5EF4-FFF2-40B4-BE49-F238E27FC236}">
-                <a16:creationId xmlns:a16="http://schemas.microsoft.com/office/drawing/2014/main" xmlns="" id="{AC58BEE2-E5BD-456C-861E-BB5B56175774}"/>
+                <a16:creationId xmlns="" xmlns:a16="http://schemas.microsoft.com/office/drawing/2014/main" id="{AC58BEE2-E5BD-456C-861E-BB5B56175774}"/>
               </a:ext>
             </a:extLst>
           </p:cNvPr>
@@ -3517,7 +3516,7 @@
           <p:cNvPr id="4" name="日期版面配置區 3">
             <a:extLst>
               <a:ext uri="{FF2B5EF4-FFF2-40B4-BE49-F238E27FC236}">
-                <a16:creationId xmlns:a16="http://schemas.microsoft.com/office/drawing/2014/main" xmlns="" id="{8DB3D0EC-91AD-4377-B51B-A33A5CE7B61C}"/>
+                <a16:creationId xmlns="" xmlns:a16="http://schemas.microsoft.com/office/drawing/2014/main" id="{8DB3D0EC-91AD-4377-B51B-A33A5CE7B61C}"/>
               </a:ext>
             </a:extLst>
           </p:cNvPr>
@@ -3543,7 +3542,7 @@
           <a:p>
             <a:fld id="{8B618B05-B95A-43A7-8A35-970A93F68263}" type="datetime1">
               <a:rPr lang="zh-TW" altLang="en-US" smtClean="0"/>
-              <a:t>2020/12/27</a:t>
+              <a:t>2020/12/28</a:t>
             </a:fld>
             <a:endParaRPr lang="zh-TW" altLang="en-US" dirty="0"/>
           </a:p>
@@ -3554,7 +3553,7 @@
           <p:cNvPr id="5" name="頁尾版面配置區 4">
             <a:extLst>
               <a:ext uri="{FF2B5EF4-FFF2-40B4-BE49-F238E27FC236}">
-                <a16:creationId xmlns:a16="http://schemas.microsoft.com/office/drawing/2014/main" xmlns="" id="{CD9AB5A7-BA78-456E-90F6-F11747BF69C5}"/>
+                <a16:creationId xmlns="" xmlns:a16="http://schemas.microsoft.com/office/drawing/2014/main" id="{CD9AB5A7-BA78-456E-90F6-F11747BF69C5}"/>
               </a:ext>
             </a:extLst>
           </p:cNvPr>
@@ -3591,7 +3590,7 @@
           <p:cNvPr id="8" name="投影片編號版面配置區 5">
             <a:extLst>
               <a:ext uri="{FF2B5EF4-FFF2-40B4-BE49-F238E27FC236}">
-                <a16:creationId xmlns:a16="http://schemas.microsoft.com/office/drawing/2014/main" xmlns="" id="{C3D22C8B-72B2-451F-8B85-DFD26928D61E}"/>
+                <a16:creationId xmlns="" xmlns:a16="http://schemas.microsoft.com/office/drawing/2014/main" id="{C3D22C8B-72B2-451F-8B85-DFD26928D61E}"/>
               </a:ext>
             </a:extLst>
           </p:cNvPr>
@@ -3700,7 +3699,7 @@
           <p:cNvPr id="2" name="日期版面配置區 1">
             <a:extLst>
               <a:ext uri="{FF2B5EF4-FFF2-40B4-BE49-F238E27FC236}">
-                <a16:creationId xmlns:a16="http://schemas.microsoft.com/office/drawing/2014/main" xmlns="" id="{14E95929-56CC-4C10-8482-0FF391E0D766}"/>
+                <a16:creationId xmlns="" xmlns:a16="http://schemas.microsoft.com/office/drawing/2014/main" id="{14E95929-56CC-4C10-8482-0FF391E0D766}"/>
               </a:ext>
             </a:extLst>
           </p:cNvPr>
@@ -3726,7 +3725,7 @@
           <a:p>
             <a:fld id="{B3E002E2-6377-4E5F-A181-D7A8B53BB552}" type="datetime1">
               <a:rPr lang="zh-TW" altLang="en-US" smtClean="0"/>
-              <a:t>2020/12/27</a:t>
+              <a:t>2020/12/28</a:t>
             </a:fld>
             <a:endParaRPr lang="zh-TW" altLang="en-US"/>
           </a:p>
@@ -3737,7 +3736,7 @@
           <p:cNvPr id="3" name="頁尾版面配置區 2">
             <a:extLst>
               <a:ext uri="{FF2B5EF4-FFF2-40B4-BE49-F238E27FC236}">
-                <a16:creationId xmlns:a16="http://schemas.microsoft.com/office/drawing/2014/main" xmlns="" id="{3740B826-A381-46C6-B9D5-ED95B137DA4A}"/>
+                <a16:creationId xmlns="" xmlns:a16="http://schemas.microsoft.com/office/drawing/2014/main" id="{3740B826-A381-46C6-B9D5-ED95B137DA4A}"/>
               </a:ext>
             </a:extLst>
           </p:cNvPr>
@@ -3774,7 +3773,7 @@
           <p:cNvPr id="4" name="投影片編號版面配置區 3">
             <a:extLst>
               <a:ext uri="{FF2B5EF4-FFF2-40B4-BE49-F238E27FC236}">
-                <a16:creationId xmlns:a16="http://schemas.microsoft.com/office/drawing/2014/main" xmlns="" id="{43A4CC55-9136-46AE-BC18-5166CB0EA8B6}"/>
+                <a16:creationId xmlns="" xmlns:a16="http://schemas.microsoft.com/office/drawing/2014/main" id="{43A4CC55-9136-46AE-BC18-5166CB0EA8B6}"/>
               </a:ext>
             </a:extLst>
           </p:cNvPr>
@@ -3883,7 +3882,7 @@
           <p:cNvPr id="2" name="標題 1">
             <a:extLst>
               <a:ext uri="{FF2B5EF4-FFF2-40B4-BE49-F238E27FC236}">
-                <a16:creationId xmlns:a16="http://schemas.microsoft.com/office/drawing/2014/main" xmlns="" id="{C584394B-26EC-451A-859F-CDCF08A31C96}"/>
+                <a16:creationId xmlns="" xmlns:a16="http://schemas.microsoft.com/office/drawing/2014/main" id="{C584394B-26EC-451A-859F-CDCF08A31C96}"/>
               </a:ext>
             </a:extLst>
           </p:cNvPr>
@@ -3934,7 +3933,7 @@
           <p:cNvPr id="3" name="內容版面配置區 2">
             <a:extLst>
               <a:ext uri="{FF2B5EF4-FFF2-40B4-BE49-F238E27FC236}">
-                <a16:creationId xmlns:a16="http://schemas.microsoft.com/office/drawing/2014/main" xmlns="" id="{4396A3DB-F7DD-4E2F-9C18-E73456584373}"/>
+                <a16:creationId xmlns="" xmlns:a16="http://schemas.microsoft.com/office/drawing/2014/main" id="{4396A3DB-F7DD-4E2F-9C18-E73456584373}"/>
               </a:ext>
             </a:extLst>
           </p:cNvPr>
@@ -4046,7 +4045,7 @@
           <p:cNvPr id="4" name="內容版面配置區 3">
             <a:extLst>
               <a:ext uri="{FF2B5EF4-FFF2-40B4-BE49-F238E27FC236}">
-                <a16:creationId xmlns:a16="http://schemas.microsoft.com/office/drawing/2014/main" xmlns="" id="{55863BD1-F75D-45CF-AE0F-1492E7951DE0}"/>
+                <a16:creationId xmlns="" xmlns:a16="http://schemas.microsoft.com/office/drawing/2014/main" id="{55863BD1-F75D-45CF-AE0F-1492E7951DE0}"/>
               </a:ext>
             </a:extLst>
           </p:cNvPr>
@@ -4158,7 +4157,7 @@
           <p:cNvPr id="5" name="日期版面配置區 4">
             <a:extLst>
               <a:ext uri="{FF2B5EF4-FFF2-40B4-BE49-F238E27FC236}">
-                <a16:creationId xmlns:a16="http://schemas.microsoft.com/office/drawing/2014/main" xmlns="" id="{AFBD31B6-D788-4362-A0FC-194F8D60A00B}"/>
+                <a16:creationId xmlns="" xmlns:a16="http://schemas.microsoft.com/office/drawing/2014/main" id="{AFBD31B6-D788-4362-A0FC-194F8D60A00B}"/>
               </a:ext>
             </a:extLst>
           </p:cNvPr>
@@ -4184,7 +4183,7 @@
           <a:p>
             <a:fld id="{02329FD6-3FBA-4845-9A02-2D72ADC82924}" type="datetime1">
               <a:rPr lang="zh-TW" altLang="en-US" smtClean="0"/>
-              <a:t>2020/12/27</a:t>
+              <a:t>2020/12/28</a:t>
             </a:fld>
             <a:endParaRPr lang="zh-TW" altLang="en-US"/>
           </a:p>
@@ -4195,7 +4194,7 @@
           <p:cNvPr id="6" name="頁尾版面配置區 5">
             <a:extLst>
               <a:ext uri="{FF2B5EF4-FFF2-40B4-BE49-F238E27FC236}">
-                <a16:creationId xmlns:a16="http://schemas.microsoft.com/office/drawing/2014/main" xmlns="" id="{4EBFB71A-60CE-4907-90D6-018B7396C13A}"/>
+                <a16:creationId xmlns="" xmlns:a16="http://schemas.microsoft.com/office/drawing/2014/main" id="{4EBFB71A-60CE-4907-90D6-018B7396C13A}"/>
               </a:ext>
             </a:extLst>
           </p:cNvPr>
@@ -4232,7 +4231,7 @@
           <p:cNvPr id="9" name="投影片編號版面配置區 5">
             <a:extLst>
               <a:ext uri="{FF2B5EF4-FFF2-40B4-BE49-F238E27FC236}">
-                <a16:creationId xmlns:a16="http://schemas.microsoft.com/office/drawing/2014/main" xmlns="" id="{5BA7C736-D986-4C74-A020-448F619E4B46}"/>
+                <a16:creationId xmlns="" xmlns:a16="http://schemas.microsoft.com/office/drawing/2014/main" id="{5BA7C736-D986-4C74-A020-448F619E4B46}"/>
               </a:ext>
             </a:extLst>
           </p:cNvPr>
@@ -4340,7 +4339,7 @@
           <p:cNvPr id="2" name="標題 1">
             <a:extLst>
               <a:ext uri="{FF2B5EF4-FFF2-40B4-BE49-F238E27FC236}">
-                <a16:creationId xmlns:a16="http://schemas.microsoft.com/office/drawing/2014/main" xmlns="" id="{A8E9B543-F903-468C-82C1-708C0C897B72}"/>
+                <a16:creationId xmlns="" xmlns:a16="http://schemas.microsoft.com/office/drawing/2014/main" id="{A8E9B543-F903-468C-82C1-708C0C897B72}"/>
               </a:ext>
             </a:extLst>
           </p:cNvPr>
@@ -4390,7 +4389,7 @@
           <p:cNvPr id="3" name="文字版面配置區 2">
             <a:extLst>
               <a:ext uri="{FF2B5EF4-FFF2-40B4-BE49-F238E27FC236}">
-                <a16:creationId xmlns:a16="http://schemas.microsoft.com/office/drawing/2014/main" xmlns="" id="{9A7B12A3-606D-4C3A-9B38-8145D9692FFF}"/>
+                <a16:creationId xmlns="" xmlns:a16="http://schemas.microsoft.com/office/drawing/2014/main" id="{9A7B12A3-606D-4C3A-9B38-8145D9692FFF}"/>
               </a:ext>
             </a:extLst>
           </p:cNvPr>
@@ -4519,7 +4518,7 @@
           <p:cNvPr id="4" name="日期版面配置區 3">
             <a:extLst>
               <a:ext uri="{FF2B5EF4-FFF2-40B4-BE49-F238E27FC236}">
-                <a16:creationId xmlns:a16="http://schemas.microsoft.com/office/drawing/2014/main" xmlns="" id="{705E4BEF-B7B5-4609-8534-CC88F5F448C2}"/>
+                <a16:creationId xmlns="" xmlns:a16="http://schemas.microsoft.com/office/drawing/2014/main" id="{705E4BEF-B7B5-4609-8534-CC88F5F448C2}"/>
               </a:ext>
             </a:extLst>
           </p:cNvPr>
@@ -4545,7 +4544,7 @@
           <a:p>
             <a:fld id="{F3441E75-F304-4271-87BC-885408CBF0A8}" type="datetime1">
               <a:rPr lang="zh-TW" altLang="en-US" smtClean="0"/>
-              <a:t>2020/12/27</a:t>
+              <a:t>2020/12/28</a:t>
             </a:fld>
             <a:endParaRPr lang="zh-TW" altLang="en-US" dirty="0"/>
           </a:p>
@@ -4556,7 +4555,7 @@
           <p:cNvPr id="5" name="頁尾版面配置區 4">
             <a:extLst>
               <a:ext uri="{FF2B5EF4-FFF2-40B4-BE49-F238E27FC236}">
-                <a16:creationId xmlns:a16="http://schemas.microsoft.com/office/drawing/2014/main" xmlns="" id="{D7780458-09B6-4638-9EDA-D0437FF74F8E}"/>
+                <a16:creationId xmlns="" xmlns:a16="http://schemas.microsoft.com/office/drawing/2014/main" id="{D7780458-09B6-4638-9EDA-D0437FF74F8E}"/>
               </a:ext>
             </a:extLst>
           </p:cNvPr>
@@ -4593,7 +4592,7 @@
           <p:cNvPr id="8" name="投影片編號版面配置區 5">
             <a:extLst>
               <a:ext uri="{FF2B5EF4-FFF2-40B4-BE49-F238E27FC236}">
-                <a16:creationId xmlns:a16="http://schemas.microsoft.com/office/drawing/2014/main" xmlns="" id="{A68F4661-731D-4D19-B7A8-D91EB9E5A673}"/>
+                <a16:creationId xmlns="" xmlns:a16="http://schemas.microsoft.com/office/drawing/2014/main" id="{A68F4661-731D-4D19-B7A8-D91EB9E5A673}"/>
               </a:ext>
             </a:extLst>
           </p:cNvPr>
@@ -4808,7 +4807,7 @@
           <p:cNvPr id="2" name="標題 1">
             <a:extLst>
               <a:ext uri="{FF2B5EF4-FFF2-40B4-BE49-F238E27FC236}">
-                <a16:creationId xmlns:a16="http://schemas.microsoft.com/office/drawing/2014/main" xmlns="" id="{03F91635-154E-470F-B363-A111FA2F1B4D}"/>
+                <a16:creationId xmlns="" xmlns:a16="http://schemas.microsoft.com/office/drawing/2014/main" id="{03F91635-154E-470F-B363-A111FA2F1B4D}"/>
               </a:ext>
             </a:extLst>
           </p:cNvPr>
@@ -4859,7 +4858,7 @@
           <p:cNvPr id="3" name="文字版面配置區 2">
             <a:extLst>
               <a:ext uri="{FF2B5EF4-FFF2-40B4-BE49-F238E27FC236}">
-                <a16:creationId xmlns:a16="http://schemas.microsoft.com/office/drawing/2014/main" xmlns="" id="{C229CB13-7E6E-4893-938F-02460D2F029B}"/>
+                <a16:creationId xmlns="" xmlns:a16="http://schemas.microsoft.com/office/drawing/2014/main" id="{C229CB13-7E6E-4893-938F-02460D2F029B}"/>
               </a:ext>
             </a:extLst>
           </p:cNvPr>
@@ -4944,7 +4943,7 @@
           <p:cNvPr id="4" name="內容版面配置區 3">
             <a:extLst>
               <a:ext uri="{FF2B5EF4-FFF2-40B4-BE49-F238E27FC236}">
-                <a16:creationId xmlns:a16="http://schemas.microsoft.com/office/drawing/2014/main" xmlns="" id="{D468FDA2-D373-43DA-838D-1AF337F951FD}"/>
+                <a16:creationId xmlns="" xmlns:a16="http://schemas.microsoft.com/office/drawing/2014/main" id="{D468FDA2-D373-43DA-838D-1AF337F951FD}"/>
               </a:ext>
             </a:extLst>
           </p:cNvPr>
@@ -5062,7 +5061,7 @@
           <p:cNvPr id="5" name="文字版面配置區 4">
             <a:extLst>
               <a:ext uri="{FF2B5EF4-FFF2-40B4-BE49-F238E27FC236}">
-                <a16:creationId xmlns:a16="http://schemas.microsoft.com/office/drawing/2014/main" xmlns="" id="{A5DCAF29-0798-4714-91CF-1B986B97B2F0}"/>
+                <a16:creationId xmlns="" xmlns:a16="http://schemas.microsoft.com/office/drawing/2014/main" id="{A5DCAF29-0798-4714-91CF-1B986B97B2F0}"/>
               </a:ext>
             </a:extLst>
           </p:cNvPr>
@@ -5156,7 +5155,7 @@
           <p:cNvPr id="6" name="內容版面配置區 5">
             <a:extLst>
               <a:ext uri="{FF2B5EF4-FFF2-40B4-BE49-F238E27FC236}">
-                <a16:creationId xmlns:a16="http://schemas.microsoft.com/office/drawing/2014/main" xmlns="" id="{093C2D5E-DC23-4935-8DE5-DA4796B5307F}"/>
+                <a16:creationId xmlns="" xmlns:a16="http://schemas.microsoft.com/office/drawing/2014/main" id="{093C2D5E-DC23-4935-8DE5-DA4796B5307F}"/>
               </a:ext>
             </a:extLst>
           </p:cNvPr>
@@ -5268,7 +5267,7 @@
           <p:cNvPr id="7" name="日期版面配置區 6">
             <a:extLst>
               <a:ext uri="{FF2B5EF4-FFF2-40B4-BE49-F238E27FC236}">
-                <a16:creationId xmlns:a16="http://schemas.microsoft.com/office/drawing/2014/main" xmlns="" id="{F3DDFAC8-DD49-49E9-B9F4-6D3FC6BBAAF3}"/>
+                <a16:creationId xmlns="" xmlns:a16="http://schemas.microsoft.com/office/drawing/2014/main" id="{F3DDFAC8-DD49-49E9-B9F4-6D3FC6BBAAF3}"/>
               </a:ext>
             </a:extLst>
           </p:cNvPr>
@@ -5294,7 +5293,7 @@
           <a:p>
             <a:fld id="{CEC064C4-2A03-4CE4-827C-1EBBD289A4F0}" type="datetime1">
               <a:rPr lang="zh-TW" altLang="en-US" smtClean="0"/>
-              <a:t>2020/12/27</a:t>
+              <a:t>2020/12/28</a:t>
             </a:fld>
             <a:endParaRPr lang="zh-TW" altLang="en-US"/>
           </a:p>
@@ -5305,7 +5304,7 @@
           <p:cNvPr id="8" name="頁尾版面配置區 7">
             <a:extLst>
               <a:ext uri="{FF2B5EF4-FFF2-40B4-BE49-F238E27FC236}">
-                <a16:creationId xmlns:a16="http://schemas.microsoft.com/office/drawing/2014/main" xmlns="" id="{A06AE587-3180-4262-BC43-D49A0160D38E}"/>
+                <a16:creationId xmlns="" xmlns:a16="http://schemas.microsoft.com/office/drawing/2014/main" id="{A06AE587-3180-4262-BC43-D49A0160D38E}"/>
               </a:ext>
             </a:extLst>
           </p:cNvPr>
@@ -5342,7 +5341,7 @@
           <p:cNvPr id="12" name="投影片編號版面配置區 5">
             <a:extLst>
               <a:ext uri="{FF2B5EF4-FFF2-40B4-BE49-F238E27FC236}">
-                <a16:creationId xmlns:a16="http://schemas.microsoft.com/office/drawing/2014/main" xmlns="" id="{917D8196-CADE-482E-AF0F-2DF886B412E8}"/>
+                <a16:creationId xmlns="" xmlns:a16="http://schemas.microsoft.com/office/drawing/2014/main" id="{917D8196-CADE-482E-AF0F-2DF886B412E8}"/>
               </a:ext>
             </a:extLst>
           </p:cNvPr>
@@ -5450,7 +5449,7 @@
           <p:cNvPr id="3" name="內容版面配置區 2">
             <a:extLst>
               <a:ext uri="{FF2B5EF4-FFF2-40B4-BE49-F238E27FC236}">
-                <a16:creationId xmlns:a16="http://schemas.microsoft.com/office/drawing/2014/main" xmlns="" id="{AC58BEE2-E5BD-456C-861E-BB5B56175774}"/>
+                <a16:creationId xmlns="" xmlns:a16="http://schemas.microsoft.com/office/drawing/2014/main" id="{AC58BEE2-E5BD-456C-861E-BB5B56175774}"/>
               </a:ext>
             </a:extLst>
           </p:cNvPr>
@@ -5562,7 +5561,7 @@
           <p:cNvPr id="4" name="日期版面配置區 3">
             <a:extLst>
               <a:ext uri="{FF2B5EF4-FFF2-40B4-BE49-F238E27FC236}">
-                <a16:creationId xmlns:a16="http://schemas.microsoft.com/office/drawing/2014/main" xmlns="" id="{8DB3D0EC-91AD-4377-B51B-A33A5CE7B61C}"/>
+                <a16:creationId xmlns="" xmlns:a16="http://schemas.microsoft.com/office/drawing/2014/main" id="{8DB3D0EC-91AD-4377-B51B-A33A5CE7B61C}"/>
               </a:ext>
             </a:extLst>
           </p:cNvPr>
@@ -5588,7 +5587,7 @@
           <a:p>
             <a:fld id="{6B7C4A3B-4530-4277-9794-F9C05657A079}" type="datetime1">
               <a:rPr lang="zh-TW" altLang="en-US" smtClean="0"/>
-              <a:t>2020/12/27</a:t>
+              <a:t>2020/12/28</a:t>
             </a:fld>
             <a:endParaRPr lang="zh-TW" altLang="en-US" dirty="0"/>
           </a:p>
@@ -5599,7 +5598,7 @@
           <p:cNvPr id="5" name="頁尾版面配置區 4">
             <a:extLst>
               <a:ext uri="{FF2B5EF4-FFF2-40B4-BE49-F238E27FC236}">
-                <a16:creationId xmlns:a16="http://schemas.microsoft.com/office/drawing/2014/main" xmlns="" id="{CD9AB5A7-BA78-456E-90F6-F11747BF69C5}"/>
+                <a16:creationId xmlns="" xmlns:a16="http://schemas.microsoft.com/office/drawing/2014/main" id="{CD9AB5A7-BA78-456E-90F6-F11747BF69C5}"/>
               </a:ext>
             </a:extLst>
           </p:cNvPr>
@@ -5636,7 +5635,7 @@
           <p:cNvPr id="8" name="投影片編號版面配置區 5">
             <a:extLst>
               <a:ext uri="{FF2B5EF4-FFF2-40B4-BE49-F238E27FC236}">
-                <a16:creationId xmlns:a16="http://schemas.microsoft.com/office/drawing/2014/main" xmlns="" id="{C3D22C8B-72B2-451F-8B85-DFD26928D61E}"/>
+                <a16:creationId xmlns="" xmlns:a16="http://schemas.microsoft.com/office/drawing/2014/main" id="{C3D22C8B-72B2-451F-8B85-DFD26928D61E}"/>
               </a:ext>
             </a:extLst>
           </p:cNvPr>
@@ -5673,7 +5672,7 @@
           <p:cNvPr id="6" name="文字方塊 5">
             <a:extLst>
               <a:ext uri="{FF2B5EF4-FFF2-40B4-BE49-F238E27FC236}">
-                <a16:creationId xmlns:a16="http://schemas.microsoft.com/office/drawing/2014/main" xmlns="" id="{28DB2EBB-86D6-4461-B0DA-5C241293298B}"/>
+                <a16:creationId xmlns="" xmlns:a16="http://schemas.microsoft.com/office/drawing/2014/main" id="{28DB2EBB-86D6-4461-B0DA-5C241293298B}"/>
               </a:ext>
             </a:extLst>
           </p:cNvPr>
@@ -5753,7 +5752,7 @@
           <p:cNvPr id="3" name="內容版面配置區 2">
             <a:extLst>
               <a:ext uri="{FF2B5EF4-FFF2-40B4-BE49-F238E27FC236}">
-                <a16:creationId xmlns:a16="http://schemas.microsoft.com/office/drawing/2014/main" xmlns="" id="{AC58BEE2-E5BD-456C-861E-BB5B56175774}"/>
+                <a16:creationId xmlns="" xmlns:a16="http://schemas.microsoft.com/office/drawing/2014/main" id="{AC58BEE2-E5BD-456C-861E-BB5B56175774}"/>
               </a:ext>
             </a:extLst>
           </p:cNvPr>
@@ -5899,7 +5898,7 @@
           <p:cNvPr id="4" name="日期版面配置區 3">
             <a:extLst>
               <a:ext uri="{FF2B5EF4-FFF2-40B4-BE49-F238E27FC236}">
-                <a16:creationId xmlns:a16="http://schemas.microsoft.com/office/drawing/2014/main" xmlns="" id="{8DB3D0EC-91AD-4377-B51B-A33A5CE7B61C}"/>
+                <a16:creationId xmlns="" xmlns:a16="http://schemas.microsoft.com/office/drawing/2014/main" id="{8DB3D0EC-91AD-4377-B51B-A33A5CE7B61C}"/>
               </a:ext>
             </a:extLst>
           </p:cNvPr>
@@ -5925,7 +5924,7 @@
           <a:p>
             <a:fld id="{3CC5C4BC-A2F9-40A7-A43A-839405E437DE}" type="datetime1">
               <a:rPr lang="zh-TW" altLang="en-US" smtClean="0"/>
-              <a:t>2020/12/27</a:t>
+              <a:t>2020/12/28</a:t>
             </a:fld>
             <a:endParaRPr lang="zh-TW" altLang="en-US" dirty="0"/>
           </a:p>
@@ -5936,7 +5935,7 @@
           <p:cNvPr id="5" name="頁尾版面配置區 4">
             <a:extLst>
               <a:ext uri="{FF2B5EF4-FFF2-40B4-BE49-F238E27FC236}">
-                <a16:creationId xmlns:a16="http://schemas.microsoft.com/office/drawing/2014/main" xmlns="" id="{CD9AB5A7-BA78-456E-90F6-F11747BF69C5}"/>
+                <a16:creationId xmlns="" xmlns:a16="http://schemas.microsoft.com/office/drawing/2014/main" id="{CD9AB5A7-BA78-456E-90F6-F11747BF69C5}"/>
               </a:ext>
             </a:extLst>
           </p:cNvPr>
@@ -5973,7 +5972,7 @@
           <p:cNvPr id="8" name="投影片編號版面配置區 5">
             <a:extLst>
               <a:ext uri="{FF2B5EF4-FFF2-40B4-BE49-F238E27FC236}">
-                <a16:creationId xmlns:a16="http://schemas.microsoft.com/office/drawing/2014/main" xmlns="" id="{C3D22C8B-72B2-451F-8B85-DFD26928D61E}"/>
+                <a16:creationId xmlns="" xmlns:a16="http://schemas.microsoft.com/office/drawing/2014/main" id="{C3D22C8B-72B2-451F-8B85-DFD26928D61E}"/>
               </a:ext>
             </a:extLst>
           </p:cNvPr>
@@ -6010,7 +6009,7 @@
           <p:cNvPr id="6" name="文字方塊 5">
             <a:extLst>
               <a:ext uri="{FF2B5EF4-FFF2-40B4-BE49-F238E27FC236}">
-                <a16:creationId xmlns:a16="http://schemas.microsoft.com/office/drawing/2014/main" xmlns="" id="{28DB2EBB-86D6-4461-B0DA-5C241293298B}"/>
+                <a16:creationId xmlns="" xmlns:a16="http://schemas.microsoft.com/office/drawing/2014/main" id="{28DB2EBB-86D6-4461-B0DA-5C241293298B}"/>
               </a:ext>
             </a:extLst>
           </p:cNvPr>
@@ -6091,7 +6090,7 @@
           <p:cNvPr id="4" name="文字版面配置區 3">
             <a:extLst>
               <a:ext uri="{FF2B5EF4-FFF2-40B4-BE49-F238E27FC236}">
-                <a16:creationId xmlns:a16="http://schemas.microsoft.com/office/drawing/2014/main" xmlns="" id="{173C93E0-0577-436A-8D7E-C7EFB792839D}"/>
+                <a16:creationId xmlns="" xmlns:a16="http://schemas.microsoft.com/office/drawing/2014/main" id="{173C93E0-0577-436A-8D7E-C7EFB792839D}"/>
               </a:ext>
             </a:extLst>
           </p:cNvPr>
@@ -6165,7 +6164,7 @@
           <p:cNvPr id="5" name="日期版面配置區 4">
             <a:extLst>
               <a:ext uri="{FF2B5EF4-FFF2-40B4-BE49-F238E27FC236}">
-                <a16:creationId xmlns:a16="http://schemas.microsoft.com/office/drawing/2014/main" xmlns="" id="{3706D4B8-5C21-4FAA-8459-EB4CB1D254F6}"/>
+                <a16:creationId xmlns="" xmlns:a16="http://schemas.microsoft.com/office/drawing/2014/main" id="{3706D4B8-5C21-4FAA-8459-EB4CB1D254F6}"/>
               </a:ext>
             </a:extLst>
           </p:cNvPr>
@@ -6191,7 +6190,7 @@
           <a:p>
             <a:fld id="{B57D4A04-2B41-4FBA-9A6C-51D25D0446A1}" type="datetime1">
               <a:rPr lang="zh-TW" altLang="en-US" smtClean="0"/>
-              <a:t>2020/12/27</a:t>
+              <a:t>2020/12/28</a:t>
             </a:fld>
             <a:endParaRPr lang="zh-TW" altLang="en-US"/>
           </a:p>
@@ -6202,7 +6201,7 @@
           <p:cNvPr id="6" name="頁尾版面配置區 5">
             <a:extLst>
               <a:ext uri="{FF2B5EF4-FFF2-40B4-BE49-F238E27FC236}">
-                <a16:creationId xmlns:a16="http://schemas.microsoft.com/office/drawing/2014/main" xmlns="" id="{1591A93D-23C1-4796-AD32-96A90D8787C3}"/>
+                <a16:creationId xmlns="" xmlns:a16="http://schemas.microsoft.com/office/drawing/2014/main" id="{1591A93D-23C1-4796-AD32-96A90D8787C3}"/>
               </a:ext>
             </a:extLst>
           </p:cNvPr>
@@ -6239,7 +6238,7 @@
           <p:cNvPr id="7" name="投影片編號版面配置區 6">
             <a:extLst>
               <a:ext uri="{FF2B5EF4-FFF2-40B4-BE49-F238E27FC236}">
-                <a16:creationId xmlns:a16="http://schemas.microsoft.com/office/drawing/2014/main" xmlns="" id="{288A2046-020F-476F-874B-AFB83FD5E9C8}"/>
+                <a16:creationId xmlns="" xmlns:a16="http://schemas.microsoft.com/office/drawing/2014/main" id="{288A2046-020F-476F-874B-AFB83FD5E9C8}"/>
               </a:ext>
             </a:extLst>
           </p:cNvPr>
@@ -6276,7 +6275,7 @@
           <p:cNvPr id="8" name="圖片 7">
             <a:extLst>
               <a:ext uri="{FF2B5EF4-FFF2-40B4-BE49-F238E27FC236}">
-                <a16:creationId xmlns:a16="http://schemas.microsoft.com/office/drawing/2014/main" xmlns="" id="{4400BF0E-3853-4C10-9560-CA2EC535AF9F}"/>
+                <a16:creationId xmlns="" xmlns:a16="http://schemas.microsoft.com/office/drawing/2014/main" id="{4400BF0E-3853-4C10-9560-CA2EC535AF9F}"/>
               </a:ext>
             </a:extLst>
           </p:cNvPr>
@@ -6318,7 +6317,7 @@
           <p:cNvPr id="13" name="文字方塊 12">
             <a:extLst>
               <a:ext uri="{FF2B5EF4-FFF2-40B4-BE49-F238E27FC236}">
-                <a16:creationId xmlns:a16="http://schemas.microsoft.com/office/drawing/2014/main" xmlns="" id="{B874F37D-9EAD-4D61-AB40-FF1D77000FAE}"/>
+                <a16:creationId xmlns="" xmlns:a16="http://schemas.microsoft.com/office/drawing/2014/main" id="{B874F37D-9EAD-4D61-AB40-FF1D77000FAE}"/>
               </a:ext>
             </a:extLst>
           </p:cNvPr>
@@ -6374,7 +6373,7 @@
           <p:cNvPr id="10" name="內容版面配置區 2">
             <a:extLst>
               <a:ext uri="{FF2B5EF4-FFF2-40B4-BE49-F238E27FC236}">
-                <a16:creationId xmlns:a16="http://schemas.microsoft.com/office/drawing/2014/main" xmlns="" id="{2E4A7B6B-6FFF-42F3-8DEE-49DEF2F48091}"/>
+                <a16:creationId xmlns="" xmlns:a16="http://schemas.microsoft.com/office/drawing/2014/main" id="{2E4A7B6B-6FFF-42F3-8DEE-49DEF2F48091}"/>
               </a:ext>
             </a:extLst>
           </p:cNvPr>
@@ -6539,7 +6538,7 @@
           <p:cNvPr id="3" name="內容版面配置區 2">
             <a:extLst>
               <a:ext uri="{FF2B5EF4-FFF2-40B4-BE49-F238E27FC236}">
-                <a16:creationId xmlns:a16="http://schemas.microsoft.com/office/drawing/2014/main" xmlns="" id="{F30085FC-8044-4B00-A5EF-839207164159}"/>
+                <a16:creationId xmlns="" xmlns:a16="http://schemas.microsoft.com/office/drawing/2014/main" id="{F30085FC-8044-4B00-A5EF-839207164159}"/>
               </a:ext>
             </a:extLst>
           </p:cNvPr>
@@ -6674,7 +6673,7 @@
           <p:cNvPr id="4" name="文字版面配置區 3">
             <a:extLst>
               <a:ext uri="{FF2B5EF4-FFF2-40B4-BE49-F238E27FC236}">
-                <a16:creationId xmlns:a16="http://schemas.microsoft.com/office/drawing/2014/main" xmlns="" id="{173C93E0-0577-436A-8D7E-C7EFB792839D}"/>
+                <a16:creationId xmlns="" xmlns:a16="http://schemas.microsoft.com/office/drawing/2014/main" id="{173C93E0-0577-436A-8D7E-C7EFB792839D}"/>
               </a:ext>
             </a:extLst>
           </p:cNvPr>
@@ -6748,7 +6747,7 @@
           <p:cNvPr id="5" name="日期版面配置區 4">
             <a:extLst>
               <a:ext uri="{FF2B5EF4-FFF2-40B4-BE49-F238E27FC236}">
-                <a16:creationId xmlns:a16="http://schemas.microsoft.com/office/drawing/2014/main" xmlns="" id="{3706D4B8-5C21-4FAA-8459-EB4CB1D254F6}"/>
+                <a16:creationId xmlns="" xmlns:a16="http://schemas.microsoft.com/office/drawing/2014/main" id="{3706D4B8-5C21-4FAA-8459-EB4CB1D254F6}"/>
               </a:ext>
             </a:extLst>
           </p:cNvPr>
@@ -6774,7 +6773,7 @@
           <a:p>
             <a:fld id="{C5EBAF78-5FCE-4B66-8F4F-781883C904B9}" type="datetime1">
               <a:rPr lang="zh-TW" altLang="en-US" smtClean="0"/>
-              <a:t>2020/12/27</a:t>
+              <a:t>2020/12/28</a:t>
             </a:fld>
             <a:endParaRPr lang="zh-TW" altLang="en-US"/>
           </a:p>
@@ -6785,7 +6784,7 @@
           <p:cNvPr id="6" name="頁尾版面配置區 5">
             <a:extLst>
               <a:ext uri="{FF2B5EF4-FFF2-40B4-BE49-F238E27FC236}">
-                <a16:creationId xmlns:a16="http://schemas.microsoft.com/office/drawing/2014/main" xmlns="" id="{1591A93D-23C1-4796-AD32-96A90D8787C3}"/>
+                <a16:creationId xmlns="" xmlns:a16="http://schemas.microsoft.com/office/drawing/2014/main" id="{1591A93D-23C1-4796-AD32-96A90D8787C3}"/>
               </a:ext>
             </a:extLst>
           </p:cNvPr>
@@ -6822,7 +6821,7 @@
           <p:cNvPr id="7" name="投影片編號版面配置區 6">
             <a:extLst>
               <a:ext uri="{FF2B5EF4-FFF2-40B4-BE49-F238E27FC236}">
-                <a16:creationId xmlns:a16="http://schemas.microsoft.com/office/drawing/2014/main" xmlns="" id="{288A2046-020F-476F-874B-AFB83FD5E9C8}"/>
+                <a16:creationId xmlns="" xmlns:a16="http://schemas.microsoft.com/office/drawing/2014/main" id="{288A2046-020F-476F-874B-AFB83FD5E9C8}"/>
               </a:ext>
             </a:extLst>
           </p:cNvPr>
@@ -6859,7 +6858,7 @@
           <p:cNvPr id="8" name="圖片 7">
             <a:extLst>
               <a:ext uri="{FF2B5EF4-FFF2-40B4-BE49-F238E27FC236}">
-                <a16:creationId xmlns:a16="http://schemas.microsoft.com/office/drawing/2014/main" xmlns="" id="{4400BF0E-3853-4C10-9560-CA2EC535AF9F}"/>
+                <a16:creationId xmlns="" xmlns:a16="http://schemas.microsoft.com/office/drawing/2014/main" id="{4400BF0E-3853-4C10-9560-CA2EC535AF9F}"/>
               </a:ext>
             </a:extLst>
           </p:cNvPr>
@@ -6901,7 +6900,7 @@
           <p:cNvPr id="13" name="文字方塊 12">
             <a:extLst>
               <a:ext uri="{FF2B5EF4-FFF2-40B4-BE49-F238E27FC236}">
-                <a16:creationId xmlns:a16="http://schemas.microsoft.com/office/drawing/2014/main" xmlns="" id="{B874F37D-9EAD-4D61-AB40-FF1D77000FAE}"/>
+                <a16:creationId xmlns="" xmlns:a16="http://schemas.microsoft.com/office/drawing/2014/main" id="{B874F37D-9EAD-4D61-AB40-FF1D77000FAE}"/>
               </a:ext>
             </a:extLst>
           </p:cNvPr>
@@ -6956,7 +6955,7 @@
           <p:cNvPr id="12" name="文字方塊 11">
             <a:extLst>
               <a:ext uri="{FF2B5EF4-FFF2-40B4-BE49-F238E27FC236}">
-                <a16:creationId xmlns:a16="http://schemas.microsoft.com/office/drawing/2014/main" xmlns="" id="{B874F37D-9EAD-4D61-AB40-FF1D77000FAE}"/>
+                <a16:creationId xmlns="" xmlns:a16="http://schemas.microsoft.com/office/drawing/2014/main" id="{B874F37D-9EAD-4D61-AB40-FF1D77000FAE}"/>
               </a:ext>
             </a:extLst>
           </p:cNvPr>
@@ -7042,7 +7041,7 @@
           <p:cNvPr id="4" name="文字版面配置區 3">
             <a:extLst>
               <a:ext uri="{FF2B5EF4-FFF2-40B4-BE49-F238E27FC236}">
-                <a16:creationId xmlns:a16="http://schemas.microsoft.com/office/drawing/2014/main" xmlns="" id="{173C93E0-0577-436A-8D7E-C7EFB792839D}"/>
+                <a16:creationId xmlns="" xmlns:a16="http://schemas.microsoft.com/office/drawing/2014/main" id="{173C93E0-0577-436A-8D7E-C7EFB792839D}"/>
               </a:ext>
             </a:extLst>
           </p:cNvPr>
@@ -7116,7 +7115,7 @@
           <p:cNvPr id="5" name="日期版面配置區 4">
             <a:extLst>
               <a:ext uri="{FF2B5EF4-FFF2-40B4-BE49-F238E27FC236}">
-                <a16:creationId xmlns:a16="http://schemas.microsoft.com/office/drawing/2014/main" xmlns="" id="{3706D4B8-5C21-4FAA-8459-EB4CB1D254F6}"/>
+                <a16:creationId xmlns="" xmlns:a16="http://schemas.microsoft.com/office/drawing/2014/main" id="{3706D4B8-5C21-4FAA-8459-EB4CB1D254F6}"/>
               </a:ext>
             </a:extLst>
           </p:cNvPr>
@@ -7142,7 +7141,7 @@
           <a:p>
             <a:fld id="{E5959DB6-97E3-4A8F-B161-9A8B372F6EC9}" type="datetime1">
               <a:rPr lang="zh-TW" altLang="en-US" smtClean="0"/>
-              <a:t>2020/12/27</a:t>
+              <a:t>2020/12/28</a:t>
             </a:fld>
             <a:endParaRPr lang="zh-TW" altLang="en-US"/>
           </a:p>
@@ -7153,7 +7152,7 @@
           <p:cNvPr id="6" name="頁尾版面配置區 5">
             <a:extLst>
               <a:ext uri="{FF2B5EF4-FFF2-40B4-BE49-F238E27FC236}">
-                <a16:creationId xmlns:a16="http://schemas.microsoft.com/office/drawing/2014/main" xmlns="" id="{1591A93D-23C1-4796-AD32-96A90D8787C3}"/>
+                <a16:creationId xmlns="" xmlns:a16="http://schemas.microsoft.com/office/drawing/2014/main" id="{1591A93D-23C1-4796-AD32-96A90D8787C3}"/>
               </a:ext>
             </a:extLst>
           </p:cNvPr>
@@ -7190,7 +7189,7 @@
           <p:cNvPr id="7" name="投影片編號版面配置區 6">
             <a:extLst>
               <a:ext uri="{FF2B5EF4-FFF2-40B4-BE49-F238E27FC236}">
-                <a16:creationId xmlns:a16="http://schemas.microsoft.com/office/drawing/2014/main" xmlns="" id="{288A2046-020F-476F-874B-AFB83FD5E9C8}"/>
+                <a16:creationId xmlns="" xmlns:a16="http://schemas.microsoft.com/office/drawing/2014/main" id="{288A2046-020F-476F-874B-AFB83FD5E9C8}"/>
               </a:ext>
             </a:extLst>
           </p:cNvPr>
@@ -7227,7 +7226,7 @@
           <p:cNvPr id="8" name="圖片 7">
             <a:extLst>
               <a:ext uri="{FF2B5EF4-FFF2-40B4-BE49-F238E27FC236}">
-                <a16:creationId xmlns:a16="http://schemas.microsoft.com/office/drawing/2014/main" xmlns="" id="{4400BF0E-3853-4C10-9560-CA2EC535AF9F}"/>
+                <a16:creationId xmlns="" xmlns:a16="http://schemas.microsoft.com/office/drawing/2014/main" id="{4400BF0E-3853-4C10-9560-CA2EC535AF9F}"/>
               </a:ext>
             </a:extLst>
           </p:cNvPr>
@@ -7269,7 +7268,7 @@
           <p:cNvPr id="13" name="文字方塊 12">
             <a:extLst>
               <a:ext uri="{FF2B5EF4-FFF2-40B4-BE49-F238E27FC236}">
-                <a16:creationId xmlns:a16="http://schemas.microsoft.com/office/drawing/2014/main" xmlns="" id="{B874F37D-9EAD-4D61-AB40-FF1D77000FAE}"/>
+                <a16:creationId xmlns="" xmlns:a16="http://schemas.microsoft.com/office/drawing/2014/main" id="{B874F37D-9EAD-4D61-AB40-FF1D77000FAE}"/>
               </a:ext>
             </a:extLst>
           </p:cNvPr>
@@ -7324,7 +7323,7 @@
           <p:cNvPr id="10" name="內容版面配置區 2">
             <a:extLst>
               <a:ext uri="{FF2B5EF4-FFF2-40B4-BE49-F238E27FC236}">
-                <a16:creationId xmlns:a16="http://schemas.microsoft.com/office/drawing/2014/main" xmlns="" id="{E8DA6908-C856-40A6-A602-064F10A836F4}"/>
+                <a16:creationId xmlns="" xmlns:a16="http://schemas.microsoft.com/office/drawing/2014/main" id="{E8DA6908-C856-40A6-A602-064F10A836F4}"/>
               </a:ext>
             </a:extLst>
           </p:cNvPr>
@@ -7459,7 +7458,7 @@
           <p:cNvPr id="12" name="文字方塊 11">
             <a:extLst>
               <a:ext uri="{FF2B5EF4-FFF2-40B4-BE49-F238E27FC236}">
-                <a16:creationId xmlns:a16="http://schemas.microsoft.com/office/drawing/2014/main" xmlns="" id="{B874F37D-9EAD-4D61-AB40-FF1D77000FAE}"/>
+                <a16:creationId xmlns="" xmlns:a16="http://schemas.microsoft.com/office/drawing/2014/main" id="{B874F37D-9EAD-4D61-AB40-FF1D77000FAE}"/>
               </a:ext>
             </a:extLst>
           </p:cNvPr>
@@ -7545,7 +7544,7 @@
           <p:cNvPr id="4" name="文字版面配置區 3">
             <a:extLst>
               <a:ext uri="{FF2B5EF4-FFF2-40B4-BE49-F238E27FC236}">
-                <a16:creationId xmlns:a16="http://schemas.microsoft.com/office/drawing/2014/main" xmlns="" id="{173C93E0-0577-436A-8D7E-C7EFB792839D}"/>
+                <a16:creationId xmlns="" xmlns:a16="http://schemas.microsoft.com/office/drawing/2014/main" id="{173C93E0-0577-436A-8D7E-C7EFB792839D}"/>
               </a:ext>
             </a:extLst>
           </p:cNvPr>
@@ -7619,7 +7618,7 @@
           <p:cNvPr id="5" name="日期版面配置區 4">
             <a:extLst>
               <a:ext uri="{FF2B5EF4-FFF2-40B4-BE49-F238E27FC236}">
-                <a16:creationId xmlns:a16="http://schemas.microsoft.com/office/drawing/2014/main" xmlns="" id="{3706D4B8-5C21-4FAA-8459-EB4CB1D254F6}"/>
+                <a16:creationId xmlns="" xmlns:a16="http://schemas.microsoft.com/office/drawing/2014/main" id="{3706D4B8-5C21-4FAA-8459-EB4CB1D254F6}"/>
               </a:ext>
             </a:extLst>
           </p:cNvPr>
@@ -7645,7 +7644,7 @@
           <a:p>
             <a:fld id="{212A7B65-D3DF-44C2-A9DE-D8DFDAF5F311}" type="datetime1">
               <a:rPr lang="zh-TW" altLang="en-US" smtClean="0"/>
-              <a:t>2020/12/27</a:t>
+              <a:t>2020/12/28</a:t>
             </a:fld>
             <a:endParaRPr lang="zh-TW" altLang="en-US"/>
           </a:p>
@@ -7656,7 +7655,7 @@
           <p:cNvPr id="6" name="頁尾版面配置區 5">
             <a:extLst>
               <a:ext uri="{FF2B5EF4-FFF2-40B4-BE49-F238E27FC236}">
-                <a16:creationId xmlns:a16="http://schemas.microsoft.com/office/drawing/2014/main" xmlns="" id="{1591A93D-23C1-4796-AD32-96A90D8787C3}"/>
+                <a16:creationId xmlns="" xmlns:a16="http://schemas.microsoft.com/office/drawing/2014/main" id="{1591A93D-23C1-4796-AD32-96A90D8787C3}"/>
               </a:ext>
             </a:extLst>
           </p:cNvPr>
@@ -7693,7 +7692,7 @@
           <p:cNvPr id="7" name="投影片編號版面配置區 6">
             <a:extLst>
               <a:ext uri="{FF2B5EF4-FFF2-40B4-BE49-F238E27FC236}">
-                <a16:creationId xmlns:a16="http://schemas.microsoft.com/office/drawing/2014/main" xmlns="" id="{288A2046-020F-476F-874B-AFB83FD5E9C8}"/>
+                <a16:creationId xmlns="" xmlns:a16="http://schemas.microsoft.com/office/drawing/2014/main" id="{288A2046-020F-476F-874B-AFB83FD5E9C8}"/>
               </a:ext>
             </a:extLst>
           </p:cNvPr>
@@ -7730,7 +7729,7 @@
           <p:cNvPr id="8" name="圖片 7">
             <a:extLst>
               <a:ext uri="{FF2B5EF4-FFF2-40B4-BE49-F238E27FC236}">
-                <a16:creationId xmlns:a16="http://schemas.microsoft.com/office/drawing/2014/main" xmlns="" id="{4400BF0E-3853-4C10-9560-CA2EC535AF9F}"/>
+                <a16:creationId xmlns="" xmlns:a16="http://schemas.microsoft.com/office/drawing/2014/main" id="{4400BF0E-3853-4C10-9560-CA2EC535AF9F}"/>
               </a:ext>
             </a:extLst>
           </p:cNvPr>
@@ -7772,7 +7771,7 @@
           <p:cNvPr id="13" name="文字方塊 12">
             <a:extLst>
               <a:ext uri="{FF2B5EF4-FFF2-40B4-BE49-F238E27FC236}">
-                <a16:creationId xmlns:a16="http://schemas.microsoft.com/office/drawing/2014/main" xmlns="" id="{B874F37D-9EAD-4D61-AB40-FF1D77000FAE}"/>
+                <a16:creationId xmlns="" xmlns:a16="http://schemas.microsoft.com/office/drawing/2014/main" id="{B874F37D-9EAD-4D61-AB40-FF1D77000FAE}"/>
               </a:ext>
             </a:extLst>
           </p:cNvPr>
@@ -7827,7 +7826,7 @@
           <p:cNvPr id="10" name="內容版面配置區 2">
             <a:extLst>
               <a:ext uri="{FF2B5EF4-FFF2-40B4-BE49-F238E27FC236}">
-                <a16:creationId xmlns:a16="http://schemas.microsoft.com/office/drawing/2014/main" xmlns="" id="{E772FD59-A906-4C9C-BF2E-39CA697231E3}"/>
+                <a16:creationId xmlns="" xmlns:a16="http://schemas.microsoft.com/office/drawing/2014/main" id="{E772FD59-A906-4C9C-BF2E-39CA697231E3}"/>
               </a:ext>
             </a:extLst>
           </p:cNvPr>
@@ -7962,7 +7961,7 @@
           <p:cNvPr id="16" name="文字方塊 15">
             <a:extLst>
               <a:ext uri="{FF2B5EF4-FFF2-40B4-BE49-F238E27FC236}">
-                <a16:creationId xmlns:a16="http://schemas.microsoft.com/office/drawing/2014/main" xmlns="" id="{B874F37D-9EAD-4D61-AB40-FF1D77000FAE}"/>
+                <a16:creationId xmlns="" xmlns:a16="http://schemas.microsoft.com/office/drawing/2014/main" id="{B874F37D-9EAD-4D61-AB40-FF1D77000FAE}"/>
               </a:ext>
             </a:extLst>
           </p:cNvPr>
@@ -8048,7 +8047,7 @@
           <p:cNvPr id="3" name="內容版面配置區 2">
             <a:extLst>
               <a:ext uri="{FF2B5EF4-FFF2-40B4-BE49-F238E27FC236}">
-                <a16:creationId xmlns:a16="http://schemas.microsoft.com/office/drawing/2014/main" xmlns="" id="{AC58BEE2-E5BD-456C-861E-BB5B56175774}"/>
+                <a16:creationId xmlns="" xmlns:a16="http://schemas.microsoft.com/office/drawing/2014/main" id="{AC58BEE2-E5BD-456C-861E-BB5B56175774}"/>
               </a:ext>
             </a:extLst>
           </p:cNvPr>
@@ -8176,7 +8175,7 @@
           <p:cNvPr id="4" name="日期版面配置區 3">
             <a:extLst>
               <a:ext uri="{FF2B5EF4-FFF2-40B4-BE49-F238E27FC236}">
-                <a16:creationId xmlns:a16="http://schemas.microsoft.com/office/drawing/2014/main" xmlns="" id="{8DB3D0EC-91AD-4377-B51B-A33A5CE7B61C}"/>
+                <a16:creationId xmlns="" xmlns:a16="http://schemas.microsoft.com/office/drawing/2014/main" id="{8DB3D0EC-91AD-4377-B51B-A33A5CE7B61C}"/>
               </a:ext>
             </a:extLst>
           </p:cNvPr>
@@ -8202,7 +8201,7 @@
           <a:p>
             <a:fld id="{A8815023-05A4-4E61-BA8B-FAEDAE66BC01}" type="datetime1">
               <a:rPr lang="zh-TW" altLang="en-US" smtClean="0"/>
-              <a:t>2020/12/27</a:t>
+              <a:t>2020/12/28</a:t>
             </a:fld>
             <a:endParaRPr lang="zh-TW" altLang="en-US" dirty="0"/>
           </a:p>
@@ -8213,7 +8212,7 @@
           <p:cNvPr id="5" name="頁尾版面配置區 4">
             <a:extLst>
               <a:ext uri="{FF2B5EF4-FFF2-40B4-BE49-F238E27FC236}">
-                <a16:creationId xmlns:a16="http://schemas.microsoft.com/office/drawing/2014/main" xmlns="" id="{CD9AB5A7-BA78-456E-90F6-F11747BF69C5}"/>
+                <a16:creationId xmlns="" xmlns:a16="http://schemas.microsoft.com/office/drawing/2014/main" id="{CD9AB5A7-BA78-456E-90F6-F11747BF69C5}"/>
               </a:ext>
             </a:extLst>
           </p:cNvPr>
@@ -8250,7 +8249,7 @@
           <p:cNvPr id="7" name="圖片 6">
             <a:extLst>
               <a:ext uri="{FF2B5EF4-FFF2-40B4-BE49-F238E27FC236}">
-                <a16:creationId xmlns:a16="http://schemas.microsoft.com/office/drawing/2014/main" xmlns="" id="{C7C22369-BBE8-4939-BA27-7E09515E6670}"/>
+                <a16:creationId xmlns="" xmlns:a16="http://schemas.microsoft.com/office/drawing/2014/main" id="{C7C22369-BBE8-4939-BA27-7E09515E6670}"/>
               </a:ext>
             </a:extLst>
           </p:cNvPr>
@@ -8292,7 +8291,7 @@
           <p:cNvPr id="8" name="投影片編號版面配置區 5">
             <a:extLst>
               <a:ext uri="{FF2B5EF4-FFF2-40B4-BE49-F238E27FC236}">
-                <a16:creationId xmlns:a16="http://schemas.microsoft.com/office/drawing/2014/main" xmlns="" id="{C3D22C8B-72B2-451F-8B85-DFD26928D61E}"/>
+                <a16:creationId xmlns="" xmlns:a16="http://schemas.microsoft.com/office/drawing/2014/main" id="{C3D22C8B-72B2-451F-8B85-DFD26928D61E}"/>
               </a:ext>
             </a:extLst>
           </p:cNvPr>
@@ -8329,7 +8328,7 @@
           <p:cNvPr id="6" name="文字方塊 5">
             <a:extLst>
               <a:ext uri="{FF2B5EF4-FFF2-40B4-BE49-F238E27FC236}">
-                <a16:creationId xmlns:a16="http://schemas.microsoft.com/office/drawing/2014/main" xmlns="" id="{28DB2EBB-86D6-4461-B0DA-5C241293298B}"/>
+                <a16:creationId xmlns="" xmlns:a16="http://schemas.microsoft.com/office/drawing/2014/main" id="{28DB2EBB-86D6-4461-B0DA-5C241293298B}"/>
               </a:ext>
             </a:extLst>
           </p:cNvPr>
@@ -8419,7 +8418,7 @@
           <p:cNvPr id="11" name="文字版面配置區 10">
             <a:extLst>
               <a:ext uri="{FF2B5EF4-FFF2-40B4-BE49-F238E27FC236}">
-                <a16:creationId xmlns:a16="http://schemas.microsoft.com/office/drawing/2014/main" xmlns="" id="{7427AD19-ED3C-47BF-82EA-70102D155092}"/>
+                <a16:creationId xmlns="" xmlns:a16="http://schemas.microsoft.com/office/drawing/2014/main" id="{7427AD19-ED3C-47BF-82EA-70102D155092}"/>
               </a:ext>
             </a:extLst>
           </p:cNvPr>
@@ -8486,7 +8485,7 @@
           <p:cNvPr id="12" name="標題版面配置區 11">
             <a:extLst>
               <a:ext uri="{FF2B5EF4-FFF2-40B4-BE49-F238E27FC236}">
-                <a16:creationId xmlns:a16="http://schemas.microsoft.com/office/drawing/2014/main" xmlns="" id="{F1B1CDAC-475B-43D8-BC34-E5428BB21955}"/>
+                <a16:creationId xmlns="" xmlns:a16="http://schemas.microsoft.com/office/drawing/2014/main" id="{F1B1CDAC-475B-43D8-BC34-E5428BB21955}"/>
               </a:ext>
             </a:extLst>
           </p:cNvPr>
@@ -8524,7 +8523,7 @@
           <p:cNvPr id="13" name="投影片編號版面配置區 12">
             <a:extLst>
               <a:ext uri="{FF2B5EF4-FFF2-40B4-BE49-F238E27FC236}">
-                <a16:creationId xmlns:a16="http://schemas.microsoft.com/office/drawing/2014/main" xmlns="" id="{47AF0D5C-C5C0-405B-9A7C-3A9E046D7105}"/>
+                <a16:creationId xmlns="" xmlns:a16="http://schemas.microsoft.com/office/drawing/2014/main" id="{47AF0D5C-C5C0-405B-9A7C-3A9E046D7105}"/>
               </a:ext>
             </a:extLst>
           </p:cNvPr>
@@ -9024,7 +9023,7 @@
           <a:p>
             <a:fld id="{6CB4AB55-1279-4105-9434-15DDE42991E0}" type="datetime1">
               <a:rPr lang="zh-TW" altLang="en-US" smtClean="0"/>
-              <a:t>2020/12/27</a:t>
+              <a:t>2020/12/28</a:t>
             </a:fld>
             <a:endParaRPr lang="zh-TW" altLang="en-US"/>
           </a:p>
@@ -9117,7 +9116,7 @@
           <p:cNvPr id="7" name="TextBox 8">
             <a:extLst>
               <a:ext uri="{FF2B5EF4-FFF2-40B4-BE49-F238E27FC236}">
-                <a16:creationId xmlns:a16="http://schemas.microsoft.com/office/drawing/2014/main" xmlns="" id="{5A9A043F-64E5-4357-B2F1-80E12A0B0830}"/>
+                <a16:creationId xmlns="" xmlns:a16="http://schemas.microsoft.com/office/drawing/2014/main" id="{5A9A043F-64E5-4357-B2F1-80E12A0B0830}"/>
               </a:ext>
             </a:extLst>
           </p:cNvPr>
@@ -9521,7 +9520,7 @@
           <p:cNvPr id="5" name="投影片編號版面配置區 4">
             <a:extLst>
               <a:ext uri="{FF2B5EF4-FFF2-40B4-BE49-F238E27FC236}">
-                <a16:creationId xmlns:a16="http://schemas.microsoft.com/office/drawing/2014/main" xmlns="" id="{A07FC369-12CA-4DC3-87BB-50F448EC4CDC}"/>
+                <a16:creationId xmlns="" xmlns:a16="http://schemas.microsoft.com/office/drawing/2014/main" id="{A07FC369-12CA-4DC3-87BB-50F448EC4CDC}"/>
               </a:ext>
             </a:extLst>
           </p:cNvPr>
@@ -9550,7 +9549,7 @@
           <p:cNvPr id="2" name="標題 1">
             <a:extLst>
               <a:ext uri="{FF2B5EF4-FFF2-40B4-BE49-F238E27FC236}">
-                <a16:creationId xmlns:a16="http://schemas.microsoft.com/office/drawing/2014/main" xmlns="" id="{3F9ACECE-8796-4812-B6D8-3E5DBD747A8C}"/>
+                <a16:creationId xmlns="" xmlns:a16="http://schemas.microsoft.com/office/drawing/2014/main" id="{3F9ACECE-8796-4812-B6D8-3E5DBD747A8C}"/>
               </a:ext>
             </a:extLst>
           </p:cNvPr>
@@ -9616,7 +9615,7 @@
           <p:cNvPr id="3" name="副標題 2">
             <a:extLst>
               <a:ext uri="{FF2B5EF4-FFF2-40B4-BE49-F238E27FC236}">
-                <a16:creationId xmlns:a16="http://schemas.microsoft.com/office/drawing/2014/main" xmlns="" id="{CB1A1D25-FE48-43C5-B960-C6B794A4323E}"/>
+                <a16:creationId xmlns="" xmlns:a16="http://schemas.microsoft.com/office/drawing/2014/main" id="{CB1A1D25-FE48-43C5-B960-C6B794A4323E}"/>
               </a:ext>
             </a:extLst>
           </p:cNvPr>
@@ -9669,7 +9668,7 @@
           <p:cNvPr id="4" name="文字方塊 3">
             <a:extLst>
               <a:ext uri="{FF2B5EF4-FFF2-40B4-BE49-F238E27FC236}">
-                <a16:creationId xmlns:a16="http://schemas.microsoft.com/office/drawing/2014/main" xmlns="" id="{8D0CE036-5DB7-4F67-8538-D2FC9CEB937E}"/>
+                <a16:creationId xmlns="" xmlns:a16="http://schemas.microsoft.com/office/drawing/2014/main" id="{8D0CE036-5DB7-4F67-8538-D2FC9CEB937E}"/>
               </a:ext>
             </a:extLst>
           </p:cNvPr>
@@ -9766,7 +9765,7 @@
           <p:cNvPr id="2" name="標題 1">
             <a:extLst>
               <a:ext uri="{FF2B5EF4-FFF2-40B4-BE49-F238E27FC236}">
-                <a16:creationId xmlns:a16="http://schemas.microsoft.com/office/drawing/2014/main" xmlns="" id="{9F8C9F65-C4E2-46C4-BCF7-A94ED1FEB60C}"/>
+                <a16:creationId xmlns="" xmlns:a16="http://schemas.microsoft.com/office/drawing/2014/main" id="{9F8C9F65-C4E2-46C4-BCF7-A94ED1FEB60C}"/>
               </a:ext>
             </a:extLst>
           </p:cNvPr>
@@ -9783,12 +9782,12 @@
           <a:lstStyle/>
           <a:p>
             <a:r>
+              <a:rPr lang="en-US" altLang="zh-TW" dirty="0"/>
+              <a:t>Class Diagram </a:t>
+            </a:r>
+            <a:r>
               <a:rPr lang="en-US" altLang="zh-TW" dirty="0" smtClean="0"/>
-              <a:t>Class Diagra</a:t>
-            </a:r>
-            <a:r>
-              <a:rPr lang="en-US" altLang="zh-TW" dirty="0" smtClean="0"/>
-              <a:t>m (Before)</a:t>
+              <a:t>(After)</a:t>
             </a:r>
             <a:endParaRPr lang="zh-TW" altLang="en-US" dirty="0"/>
           </a:p>
@@ -9799,7 +9798,7 @@
           <p:cNvPr id="3" name="投影片編號版面配置區 2">
             <a:extLst>
               <a:ext uri="{FF2B5EF4-FFF2-40B4-BE49-F238E27FC236}">
-                <a16:creationId xmlns:a16="http://schemas.microsoft.com/office/drawing/2014/main" xmlns="" id="{2E6C1CB4-4587-4293-98FA-0C5F7A405DC7}"/>
+                <a16:creationId xmlns="" xmlns:a16="http://schemas.microsoft.com/office/drawing/2014/main" id="{2E6C1CB4-4587-4293-98FA-0C5F7A405DC7}"/>
               </a:ext>
             </a:extLst>
           </p:cNvPr>
@@ -9828,7 +9827,1870 @@
           <p:cNvPr id="4" name="文字版面配置區 3">
             <a:extLst>
               <a:ext uri="{FF2B5EF4-FFF2-40B4-BE49-F238E27FC236}">
-                <a16:creationId xmlns:a16="http://schemas.microsoft.com/office/drawing/2014/main" xmlns="" id="{C11D78B0-AEE6-44B7-AA09-A6E17092CF2E}"/>
+                <a16:creationId xmlns="" xmlns:a16="http://schemas.microsoft.com/office/drawing/2014/main" id="{C11D78B0-AEE6-44B7-AA09-A6E17092CF2E}"/>
+              </a:ext>
+            </a:extLst>
+          </p:cNvPr>
+          <p:cNvSpPr>
+            <a:spLocks noGrp="1"/>
+          </p:cNvSpPr>
+          <p:nvPr>
+            <p:ph type="body" sz="quarter" idx="13"/>
+          </p:nvPr>
+        </p:nvSpPr>
+        <p:spPr/>
+        <p:txBody>
+          <a:bodyPr/>
+          <a:lstStyle/>
+          <a:p>
+            <a:r>
+              <a:rPr lang="en-US" altLang="zh-TW" dirty="0"/>
+              <a:t>Class Diagram / Refactoring</a:t>
+            </a:r>
+          </a:p>
+        </p:txBody>
+      </p:sp>
+    </p:spTree>
+    <p:extLst>
+      <p:ext uri="{BB962C8B-B14F-4D97-AF65-F5344CB8AC3E}">
+        <p14:creationId xmlns:p14="http://schemas.microsoft.com/office/powerpoint/2010/main" val="2129635084"/>
+      </p:ext>
+    </p:extLst>
+  </p:cSld>
+  <p:clrMapOvr>
+    <a:masterClrMapping/>
+  </p:clrMapOvr>
+  <p:timing>
+    <p:tnLst>
+      <p:par>
+        <p:cTn id="1" dur="indefinite" restart="never" nodeType="tmRoot"/>
+      </p:par>
+    </p:tnLst>
+  </p:timing>
+</p:sld>
+</file>
+
+<file path=ppt/slides/slide11.xml><?xml version="1.0" encoding="utf-8"?>
+<p:sld xmlns:a="http://schemas.openxmlformats.org/drawingml/2006/main" xmlns:r="http://schemas.openxmlformats.org/officeDocument/2006/relationships" xmlns:p="http://schemas.openxmlformats.org/presentationml/2006/main">
+  <p:cSld>
+    <p:spTree>
+      <p:nvGrpSpPr>
+        <p:cNvPr id="1" name=""/>
+        <p:cNvGrpSpPr/>
+        <p:nvPr/>
+      </p:nvGrpSpPr>
+      <p:grpSpPr>
+        <a:xfrm>
+          <a:off x="0" y="0"/>
+          <a:ext cx="0" cy="0"/>
+          <a:chOff x="0" y="0"/>
+          <a:chExt cx="0" cy="0"/>
+        </a:xfrm>
+      </p:grpSpPr>
+      <p:sp>
+        <p:nvSpPr>
+          <p:cNvPr id="2" name="標題 1">
+            <a:extLst>
+              <a:ext uri="{FF2B5EF4-FFF2-40B4-BE49-F238E27FC236}">
+                <a16:creationId xmlns="" xmlns:a16="http://schemas.microsoft.com/office/drawing/2014/main" id="{9F8C9F65-C4E2-46C4-BCF7-A94ED1FEB60C}"/>
+              </a:ext>
+            </a:extLst>
+          </p:cNvPr>
+          <p:cNvSpPr>
+            <a:spLocks noGrp="1"/>
+          </p:cNvSpPr>
+          <p:nvPr>
+            <p:ph type="title"/>
+          </p:nvPr>
+        </p:nvSpPr>
+        <p:spPr/>
+        <p:txBody>
+          <a:bodyPr>
+            <a:normAutofit/>
+          </a:bodyPr>
+          <a:lstStyle/>
+          <a:p>
+            <a:r>
+              <a:rPr lang="en-US" altLang="zh-TW" dirty="0" err="1"/>
+              <a:t>Git</a:t>
+            </a:r>
+            <a:r>
+              <a:rPr lang="en-US" altLang="zh-TW" dirty="0"/>
+              <a:t> Screenshot</a:t>
+            </a:r>
+          </a:p>
+        </p:txBody>
+      </p:sp>
+      <p:sp>
+        <p:nvSpPr>
+          <p:cNvPr id="3" name="投影片編號版面配置區 2">
+            <a:extLst>
+              <a:ext uri="{FF2B5EF4-FFF2-40B4-BE49-F238E27FC236}">
+                <a16:creationId xmlns="" xmlns:a16="http://schemas.microsoft.com/office/drawing/2014/main" id="{2E6C1CB4-4587-4293-98FA-0C5F7A405DC7}"/>
+              </a:ext>
+            </a:extLst>
+          </p:cNvPr>
+          <p:cNvSpPr>
+            <a:spLocks noGrp="1"/>
+          </p:cNvSpPr>
+          <p:nvPr>
+            <p:ph type="sldNum" sz="quarter" idx="12"/>
+          </p:nvPr>
+        </p:nvSpPr>
+        <p:spPr/>
+        <p:txBody>
+          <a:bodyPr/>
+          <a:lstStyle/>
+          <a:p>
+            <a:fld id="{8EABE232-0F07-4D20-8124-36AAEDF61BD7}" type="slidenum">
+              <a:rPr lang="zh-TW" altLang="en-US" smtClean="0"/>
+              <a:t>11</a:t>
+            </a:fld>
+            <a:endParaRPr lang="zh-TW" altLang="en-US"/>
+          </a:p>
+        </p:txBody>
+      </p:sp>
+      <p:sp>
+        <p:nvSpPr>
+          <p:cNvPr id="4" name="文字版面配置區 3">
+            <a:extLst>
+              <a:ext uri="{FF2B5EF4-FFF2-40B4-BE49-F238E27FC236}">
+                <a16:creationId xmlns="" xmlns:a16="http://schemas.microsoft.com/office/drawing/2014/main" id="{C11D78B0-AEE6-44B7-AA09-A6E17092CF2E}"/>
+              </a:ext>
+            </a:extLst>
+          </p:cNvPr>
+          <p:cNvSpPr>
+            <a:spLocks noGrp="1"/>
+          </p:cNvSpPr>
+          <p:nvPr>
+            <p:ph type="body" sz="quarter" idx="13"/>
+          </p:nvPr>
+        </p:nvSpPr>
+        <p:spPr/>
+        <p:txBody>
+          <a:bodyPr/>
+          <a:lstStyle/>
+          <a:p>
+            <a:endParaRPr lang="en-US" altLang="zh-TW" dirty="0"/>
+          </a:p>
+        </p:txBody>
+      </p:sp>
+    </p:spTree>
+    <p:extLst>
+      <p:ext uri="{BB962C8B-B14F-4D97-AF65-F5344CB8AC3E}">
+        <p14:creationId xmlns:p14="http://schemas.microsoft.com/office/powerpoint/2010/main" val="507626283"/>
+      </p:ext>
+    </p:extLst>
+  </p:cSld>
+  <p:clrMapOvr>
+    <a:masterClrMapping/>
+  </p:clrMapOvr>
+  <p:timing>
+    <p:tnLst>
+      <p:par>
+        <p:cTn id="1" dur="indefinite" restart="never" nodeType="tmRoot"/>
+      </p:par>
+    </p:tnLst>
+  </p:timing>
+</p:sld>
+</file>
+
+<file path=ppt/slides/slide12.xml><?xml version="1.0" encoding="utf-8"?>
+<p:sld xmlns:a="http://schemas.openxmlformats.org/drawingml/2006/main" xmlns:r="http://schemas.openxmlformats.org/officeDocument/2006/relationships" xmlns:p="http://schemas.openxmlformats.org/presentationml/2006/main">
+  <p:cSld>
+    <p:spTree>
+      <p:nvGrpSpPr>
+        <p:cNvPr id="1" name=""/>
+        <p:cNvGrpSpPr/>
+        <p:nvPr/>
+      </p:nvGrpSpPr>
+      <p:grpSpPr>
+        <a:xfrm>
+          <a:off x="0" y="0"/>
+          <a:ext cx="0" cy="0"/>
+          <a:chOff x="0" y="0"/>
+          <a:chExt cx="0" cy="0"/>
+        </a:xfrm>
+      </p:grpSpPr>
+      <p:sp>
+        <p:nvSpPr>
+          <p:cNvPr id="2" name="標題 1">
+            <a:extLst>
+              <a:ext uri="{FF2B5EF4-FFF2-40B4-BE49-F238E27FC236}">
+                <a16:creationId xmlns="" xmlns:a16="http://schemas.microsoft.com/office/drawing/2014/main" id="{9F8C9F65-C4E2-46C4-BCF7-A94ED1FEB60C}"/>
+              </a:ext>
+            </a:extLst>
+          </p:cNvPr>
+          <p:cNvSpPr>
+            <a:spLocks noGrp="1"/>
+          </p:cNvSpPr>
+          <p:nvPr>
+            <p:ph type="title"/>
+          </p:nvPr>
+        </p:nvSpPr>
+        <p:spPr/>
+        <p:txBody>
+          <a:bodyPr/>
+          <a:lstStyle/>
+          <a:p>
+            <a:r>
+              <a:rPr lang="en-US" altLang="zh-TW" dirty="0" smtClean="0"/>
+              <a:t>Conclusion</a:t>
+            </a:r>
+            <a:endParaRPr lang="zh-TW" altLang="en-US" dirty="0"/>
+          </a:p>
+        </p:txBody>
+      </p:sp>
+      <p:sp>
+        <p:nvSpPr>
+          <p:cNvPr id="3" name="投影片編號版面配置區 2">
+            <a:extLst>
+              <a:ext uri="{FF2B5EF4-FFF2-40B4-BE49-F238E27FC236}">
+                <a16:creationId xmlns="" xmlns:a16="http://schemas.microsoft.com/office/drawing/2014/main" id="{2E6C1CB4-4587-4293-98FA-0C5F7A405DC7}"/>
+              </a:ext>
+            </a:extLst>
+          </p:cNvPr>
+          <p:cNvSpPr>
+            <a:spLocks noGrp="1"/>
+          </p:cNvSpPr>
+          <p:nvPr>
+            <p:ph type="sldNum" sz="quarter" idx="12"/>
+          </p:nvPr>
+        </p:nvSpPr>
+        <p:spPr/>
+        <p:txBody>
+          <a:bodyPr/>
+          <a:lstStyle/>
+          <a:p>
+            <a:fld id="{8EABE232-0F07-4D20-8124-36AAEDF61BD7}" type="slidenum">
+              <a:rPr lang="zh-TW" altLang="en-US" smtClean="0"/>
+              <a:t>12</a:t>
+            </a:fld>
+            <a:endParaRPr lang="zh-TW" altLang="en-US"/>
+          </a:p>
+        </p:txBody>
+      </p:sp>
+      <p:sp>
+        <p:nvSpPr>
+          <p:cNvPr id="5" name="文字版面配置區 4"/>
+          <p:cNvSpPr>
+            <a:spLocks noGrp="1"/>
+          </p:cNvSpPr>
+          <p:nvPr>
+            <p:ph type="body" sz="quarter" idx="13"/>
+          </p:nvPr>
+        </p:nvSpPr>
+        <p:spPr/>
+        <p:txBody>
+          <a:bodyPr/>
+          <a:lstStyle/>
+          <a:p>
+            <a:endParaRPr lang="zh-TW" altLang="en-US" dirty="0"/>
+          </a:p>
+        </p:txBody>
+      </p:sp>
+    </p:spTree>
+    <p:extLst>
+      <p:ext uri="{BB962C8B-B14F-4D97-AF65-F5344CB8AC3E}">
+        <p14:creationId xmlns:p14="http://schemas.microsoft.com/office/powerpoint/2010/main" val="724009393"/>
+      </p:ext>
+    </p:extLst>
+  </p:cSld>
+  <p:clrMapOvr>
+    <a:masterClrMapping/>
+  </p:clrMapOvr>
+  <p:timing>
+    <p:tnLst>
+      <p:par>
+        <p:cTn id="1" dur="indefinite" restart="never" nodeType="tmRoot"/>
+      </p:par>
+    </p:tnLst>
+  </p:timing>
+</p:sld>
+</file>
+
+<file path=ppt/slides/slide2.xml><?xml version="1.0" encoding="utf-8"?>
+<p:sld xmlns:a="http://schemas.openxmlformats.org/drawingml/2006/main" xmlns:r="http://schemas.openxmlformats.org/officeDocument/2006/relationships" xmlns:p="http://schemas.openxmlformats.org/presentationml/2006/main">
+  <p:cSld>
+    <p:spTree>
+      <p:nvGrpSpPr>
+        <p:cNvPr id="1" name=""/>
+        <p:cNvGrpSpPr/>
+        <p:nvPr/>
+      </p:nvGrpSpPr>
+      <p:grpSpPr>
+        <a:xfrm>
+          <a:off x="0" y="0"/>
+          <a:ext cx="0" cy="0"/>
+          <a:chOff x="0" y="0"/>
+          <a:chExt cx="0" cy="0"/>
+        </a:xfrm>
+      </p:grpSpPr>
+      <p:sp>
+        <p:nvSpPr>
+          <p:cNvPr id="2" name="內容版面配置區 1">
+            <a:extLst>
+              <a:ext uri="{FF2B5EF4-FFF2-40B4-BE49-F238E27FC236}">
+                <a16:creationId xmlns="" xmlns:a16="http://schemas.microsoft.com/office/drawing/2014/main" id="{8222A7BA-065F-4B29-88B8-ECB9FC7284E1}"/>
+              </a:ext>
+            </a:extLst>
+          </p:cNvPr>
+          <p:cNvSpPr>
+            <a:spLocks noGrp="1"/>
+          </p:cNvSpPr>
+          <p:nvPr>
+            <p:ph idx="1"/>
+          </p:nvPr>
+        </p:nvSpPr>
+        <p:spPr/>
+        <p:txBody>
+          <a:bodyPr>
+            <a:normAutofit/>
+          </a:bodyPr>
+          <a:lstStyle/>
+          <a:p>
+            <a:pPr marL="457200" indent="-457200"/>
+            <a:r>
+              <a:rPr lang="en-US" altLang="zh-TW" dirty="0" smtClean="0">
+                <a:solidFill>
+                  <a:schemeClr val="tx1"/>
+                </a:solidFill>
+              </a:rPr>
+              <a:t>Introduction</a:t>
+            </a:r>
+          </a:p>
+          <a:p>
+            <a:pPr marL="457200" indent="-457200"/>
+            <a:r>
+              <a:rPr lang="en-US" altLang="zh-TW" dirty="0" smtClean="0">
+                <a:solidFill>
+                  <a:schemeClr val="tx1"/>
+                </a:solidFill>
+              </a:rPr>
+              <a:t>Class Diagram / Refactoring</a:t>
+            </a:r>
+            <a:endParaRPr lang="en-US" altLang="zh-TW" dirty="0">
+              <a:solidFill>
+                <a:schemeClr val="tx1"/>
+              </a:solidFill>
+            </a:endParaRPr>
+          </a:p>
+          <a:p>
+            <a:pPr marL="457200" indent="-457200"/>
+            <a:r>
+              <a:rPr lang="en-US" altLang="zh-TW" dirty="0" err="1" smtClean="0">
+                <a:solidFill>
+                  <a:schemeClr val="tx1"/>
+                </a:solidFill>
+              </a:rPr>
+              <a:t>Git</a:t>
+            </a:r>
+            <a:r>
+              <a:rPr lang="en-US" altLang="zh-TW" dirty="0" smtClean="0">
+                <a:solidFill>
+                  <a:schemeClr val="tx1"/>
+                </a:solidFill>
+              </a:rPr>
+              <a:t> Screenshot</a:t>
+            </a:r>
+          </a:p>
+          <a:p>
+            <a:pPr marL="457200" indent="-457200"/>
+            <a:r>
+              <a:rPr lang="en-US" altLang="zh-TW" dirty="0" smtClean="0">
+                <a:solidFill>
+                  <a:schemeClr val="tx1"/>
+                </a:solidFill>
+              </a:rPr>
+              <a:t>Conclusion</a:t>
+            </a:r>
+          </a:p>
+        </p:txBody>
+      </p:sp>
+      <p:sp>
+        <p:nvSpPr>
+          <p:cNvPr id="3" name="投影片編號版面配置區 2">
+            <a:extLst>
+              <a:ext uri="{FF2B5EF4-FFF2-40B4-BE49-F238E27FC236}">
+                <a16:creationId xmlns="" xmlns:a16="http://schemas.microsoft.com/office/drawing/2014/main" id="{A240FA82-BD60-402B-B530-F1F9066C0F0C}"/>
+              </a:ext>
+            </a:extLst>
+          </p:cNvPr>
+          <p:cNvSpPr>
+            <a:spLocks noGrp="1"/>
+          </p:cNvSpPr>
+          <p:nvPr>
+            <p:ph type="sldNum" sz="quarter" idx="12"/>
+          </p:nvPr>
+        </p:nvSpPr>
+        <p:spPr/>
+        <p:txBody>
+          <a:bodyPr/>
+          <a:lstStyle/>
+          <a:p>
+            <a:fld id="{8EABE232-0F07-4D20-8124-36AAEDF61BD7}" type="slidenum">
+              <a:rPr lang="zh-TW" altLang="en-US" smtClean="0"/>
+              <a:t>2</a:t>
+            </a:fld>
+            <a:endParaRPr lang="zh-TW" altLang="en-US" dirty="0"/>
+          </a:p>
+        </p:txBody>
+      </p:sp>
+    </p:spTree>
+    <p:extLst>
+      <p:ext uri="{BB962C8B-B14F-4D97-AF65-F5344CB8AC3E}">
+        <p14:creationId xmlns:p14="http://schemas.microsoft.com/office/powerpoint/2010/main" val="697907432"/>
+      </p:ext>
+    </p:extLst>
+  </p:cSld>
+  <p:clrMapOvr>
+    <a:masterClrMapping/>
+  </p:clrMapOvr>
+  <p:timing>
+    <p:tnLst>
+      <p:par>
+        <p:cTn id="1" dur="indefinite" restart="never" nodeType="tmRoot"/>
+      </p:par>
+    </p:tnLst>
+  </p:timing>
+</p:sld>
+</file>
+
+<file path=ppt/slides/slide3.xml><?xml version="1.0" encoding="utf-8"?>
+<p:sld xmlns:a="http://schemas.openxmlformats.org/drawingml/2006/main" xmlns:r="http://schemas.openxmlformats.org/officeDocument/2006/relationships" xmlns:p="http://schemas.openxmlformats.org/presentationml/2006/main">
+  <p:cSld>
+    <p:spTree>
+      <p:nvGrpSpPr>
+        <p:cNvPr id="1" name=""/>
+        <p:cNvGrpSpPr/>
+        <p:nvPr/>
+      </p:nvGrpSpPr>
+      <p:grpSpPr>
+        <a:xfrm>
+          <a:off x="0" y="0"/>
+          <a:ext cx="0" cy="0"/>
+          <a:chOff x="0" y="0"/>
+          <a:chExt cx="0" cy="0"/>
+        </a:xfrm>
+      </p:grpSpPr>
+      <p:sp>
+        <p:nvSpPr>
+          <p:cNvPr id="2" name="標題 1">
+            <a:extLst>
+              <a:ext uri="{FF2B5EF4-FFF2-40B4-BE49-F238E27FC236}">
+                <a16:creationId xmlns="" xmlns:a16="http://schemas.microsoft.com/office/drawing/2014/main" id="{131DDC57-05D8-4A6C-BB8C-1BB0983451C6}"/>
+              </a:ext>
+            </a:extLst>
+          </p:cNvPr>
+          <p:cNvSpPr>
+            <a:spLocks noGrp="1"/>
+          </p:cNvSpPr>
+          <p:nvPr>
+            <p:ph type="title"/>
+          </p:nvPr>
+        </p:nvSpPr>
+        <p:spPr/>
+        <p:txBody>
+          <a:bodyPr>
+            <a:normAutofit/>
+          </a:bodyPr>
+          <a:lstStyle/>
+          <a:p>
+            <a:r>
+              <a:rPr lang="en-US" altLang="zh-TW" dirty="0" smtClean="0"/>
+              <a:t>ER Diagram</a:t>
+            </a:r>
+            <a:endParaRPr lang="zh-TW" altLang="en-US" dirty="0"/>
+          </a:p>
+        </p:txBody>
+      </p:sp>
+      <p:sp>
+        <p:nvSpPr>
+          <p:cNvPr id="4" name="投影片編號版面配置區 3">
+            <a:extLst>
+              <a:ext uri="{FF2B5EF4-FFF2-40B4-BE49-F238E27FC236}">
+                <a16:creationId xmlns="" xmlns:a16="http://schemas.microsoft.com/office/drawing/2014/main" id="{B4C0996B-F2B4-410F-82F8-2B45C7794E21}"/>
+              </a:ext>
+            </a:extLst>
+          </p:cNvPr>
+          <p:cNvSpPr>
+            <a:spLocks noGrp="1"/>
+          </p:cNvSpPr>
+          <p:nvPr>
+            <p:ph type="sldNum" sz="quarter" idx="12"/>
+          </p:nvPr>
+        </p:nvSpPr>
+        <p:spPr/>
+        <p:txBody>
+          <a:bodyPr/>
+          <a:lstStyle/>
+          <a:p>
+            <a:fld id="{8EABE232-0F07-4D20-8124-36AAEDF61BD7}" type="slidenum">
+              <a:rPr lang="zh-TW" altLang="en-US" smtClean="0"/>
+              <a:t>3</a:t>
+            </a:fld>
+            <a:endParaRPr lang="zh-TW" altLang="en-US"/>
+          </a:p>
+        </p:txBody>
+      </p:sp>
+      <p:sp>
+        <p:nvSpPr>
+          <p:cNvPr id="6" name="文字版面配置區 5">
+            <a:extLst>
+              <a:ext uri="{FF2B5EF4-FFF2-40B4-BE49-F238E27FC236}">
+                <a16:creationId xmlns="" xmlns:a16="http://schemas.microsoft.com/office/drawing/2014/main" id="{9143C092-D645-4A12-9884-7D9F916B71A7}"/>
+              </a:ext>
+            </a:extLst>
+          </p:cNvPr>
+          <p:cNvSpPr>
+            <a:spLocks noGrp="1"/>
+          </p:cNvSpPr>
+          <p:nvPr>
+            <p:ph type="body" sz="quarter" idx="13"/>
+          </p:nvPr>
+        </p:nvSpPr>
+        <p:spPr/>
+        <p:txBody>
+          <a:bodyPr/>
+          <a:lstStyle/>
+          <a:p>
+            <a:r>
+              <a:rPr lang="en-US" altLang="zh-TW" dirty="0" smtClean="0"/>
+              <a:t>Introduction</a:t>
+            </a:r>
+            <a:endParaRPr lang="zh-TW" altLang="en-US" dirty="0"/>
+          </a:p>
+        </p:txBody>
+      </p:sp>
+      <p:pic>
+        <p:nvPicPr>
+          <p:cNvPr id="7" name="圖片 6"/>
+          <p:cNvPicPr/>
+          <p:nvPr/>
+        </p:nvPicPr>
+        <p:blipFill>
+          <a:blip r:embed="rId2">
+            <a:extLst>
+              <a:ext uri="{28A0092B-C50C-407E-A947-70E740481C1C}">
+                <a14:useLocalDpi xmlns:a14="http://schemas.microsoft.com/office/drawing/2010/main" val="0"/>
+              </a:ext>
+            </a:extLst>
+          </a:blip>
+          <a:stretch>
+            <a:fillRect/>
+          </a:stretch>
+        </p:blipFill>
+        <p:spPr>
+          <a:xfrm>
+            <a:off x="4123372" y="898649"/>
+            <a:ext cx="6534468" cy="5457701"/>
+          </a:xfrm>
+          <a:prstGeom prst="rect">
+            <a:avLst/>
+          </a:prstGeom>
+        </p:spPr>
+      </p:pic>
+    </p:spTree>
+    <p:extLst>
+      <p:ext uri="{BB962C8B-B14F-4D97-AF65-F5344CB8AC3E}">
+        <p14:creationId xmlns:p14="http://schemas.microsoft.com/office/powerpoint/2010/main" val="1541309019"/>
+      </p:ext>
+    </p:extLst>
+  </p:cSld>
+  <p:clrMapOvr>
+    <a:masterClrMapping/>
+  </p:clrMapOvr>
+  <p:timing>
+    <p:tnLst>
+      <p:par>
+        <p:cTn id="1" dur="indefinite" restart="never" nodeType="tmRoot"/>
+      </p:par>
+    </p:tnLst>
+  </p:timing>
+</p:sld>
+</file>
+
+<file path=ppt/slides/slide4.xml><?xml version="1.0" encoding="utf-8"?>
+<p:sld xmlns:a="http://schemas.openxmlformats.org/drawingml/2006/main" xmlns:r="http://schemas.openxmlformats.org/officeDocument/2006/relationships" xmlns:p="http://schemas.openxmlformats.org/presentationml/2006/main">
+  <p:cSld>
+    <p:spTree>
+      <p:nvGrpSpPr>
+        <p:cNvPr id="1" name=""/>
+        <p:cNvGrpSpPr/>
+        <p:nvPr/>
+      </p:nvGrpSpPr>
+      <p:grpSpPr>
+        <a:xfrm>
+          <a:off x="0" y="0"/>
+          <a:ext cx="0" cy="0"/>
+          <a:chOff x="0" y="0"/>
+          <a:chExt cx="0" cy="0"/>
+        </a:xfrm>
+      </p:grpSpPr>
+      <p:sp>
+        <p:nvSpPr>
+          <p:cNvPr id="2" name="標題 1">
+            <a:extLst>
+              <a:ext uri="{FF2B5EF4-FFF2-40B4-BE49-F238E27FC236}">
+                <a16:creationId xmlns="" xmlns:a16="http://schemas.microsoft.com/office/drawing/2014/main" id="{131DDC57-05D8-4A6C-BB8C-1BB0983451C6}"/>
+              </a:ext>
+            </a:extLst>
+          </p:cNvPr>
+          <p:cNvSpPr>
+            <a:spLocks noGrp="1"/>
+          </p:cNvSpPr>
+          <p:nvPr>
+            <p:ph type="title"/>
+          </p:nvPr>
+        </p:nvSpPr>
+        <p:spPr/>
+        <p:txBody>
+          <a:bodyPr>
+            <a:normAutofit/>
+          </a:bodyPr>
+          <a:lstStyle/>
+          <a:p>
+            <a:r>
+              <a:rPr lang="en-US" altLang="zh-TW" dirty="0" smtClean="0"/>
+              <a:t>Screenshot</a:t>
+            </a:r>
+            <a:endParaRPr lang="zh-TW" altLang="en-US" dirty="0"/>
+          </a:p>
+        </p:txBody>
+      </p:sp>
+      <p:sp>
+        <p:nvSpPr>
+          <p:cNvPr id="4" name="投影片編號版面配置區 3">
+            <a:extLst>
+              <a:ext uri="{FF2B5EF4-FFF2-40B4-BE49-F238E27FC236}">
+                <a16:creationId xmlns="" xmlns:a16="http://schemas.microsoft.com/office/drawing/2014/main" id="{B4C0996B-F2B4-410F-82F8-2B45C7794E21}"/>
+              </a:ext>
+            </a:extLst>
+          </p:cNvPr>
+          <p:cNvSpPr>
+            <a:spLocks noGrp="1"/>
+          </p:cNvSpPr>
+          <p:nvPr>
+            <p:ph type="sldNum" sz="quarter" idx="12"/>
+          </p:nvPr>
+        </p:nvSpPr>
+        <p:spPr/>
+        <p:txBody>
+          <a:bodyPr/>
+          <a:lstStyle/>
+          <a:p>
+            <a:fld id="{8EABE232-0F07-4D20-8124-36AAEDF61BD7}" type="slidenum">
+              <a:rPr lang="zh-TW" altLang="en-US" smtClean="0"/>
+              <a:t>4</a:t>
+            </a:fld>
+            <a:endParaRPr lang="zh-TW" altLang="en-US"/>
+          </a:p>
+        </p:txBody>
+      </p:sp>
+      <p:sp>
+        <p:nvSpPr>
+          <p:cNvPr id="6" name="文字版面配置區 5">
+            <a:extLst>
+              <a:ext uri="{FF2B5EF4-FFF2-40B4-BE49-F238E27FC236}">
+                <a16:creationId xmlns="" xmlns:a16="http://schemas.microsoft.com/office/drawing/2014/main" id="{9143C092-D645-4A12-9884-7D9F916B71A7}"/>
+              </a:ext>
+            </a:extLst>
+          </p:cNvPr>
+          <p:cNvSpPr>
+            <a:spLocks noGrp="1"/>
+          </p:cNvSpPr>
+          <p:nvPr>
+            <p:ph type="body" sz="quarter" idx="13"/>
+          </p:nvPr>
+        </p:nvSpPr>
+        <p:spPr/>
+        <p:txBody>
+          <a:bodyPr/>
+          <a:lstStyle/>
+          <a:p>
+            <a:r>
+              <a:rPr lang="en-US" altLang="zh-TW" dirty="0"/>
+              <a:t>Introduction</a:t>
+            </a:r>
+            <a:endParaRPr lang="zh-TW" altLang="en-US" dirty="0"/>
+          </a:p>
+        </p:txBody>
+      </p:sp>
+      <p:pic>
+        <p:nvPicPr>
+          <p:cNvPr id="8" name="圖片 7"/>
+          <p:cNvPicPr/>
+          <p:nvPr/>
+        </p:nvPicPr>
+        <p:blipFill>
+          <a:blip r:embed="rId2"/>
+          <a:stretch>
+            <a:fillRect/>
+          </a:stretch>
+        </p:blipFill>
+        <p:spPr>
+          <a:xfrm>
+            <a:off x="1301446" y="2005648"/>
+            <a:ext cx="9589108" cy="2858135"/>
+          </a:xfrm>
+          <a:prstGeom prst="rect">
+            <a:avLst/>
+          </a:prstGeom>
+        </p:spPr>
+      </p:pic>
+    </p:spTree>
+    <p:extLst>
+      <p:ext uri="{BB962C8B-B14F-4D97-AF65-F5344CB8AC3E}">
+        <p14:creationId xmlns:p14="http://schemas.microsoft.com/office/powerpoint/2010/main" val="3938618825"/>
+      </p:ext>
+    </p:extLst>
+  </p:cSld>
+  <p:clrMapOvr>
+    <a:masterClrMapping/>
+  </p:clrMapOvr>
+  <p:timing>
+    <p:tnLst>
+      <p:par>
+        <p:cTn id="1" dur="indefinite" restart="never" nodeType="tmRoot"/>
+      </p:par>
+    </p:tnLst>
+  </p:timing>
+</p:sld>
+</file>
+
+<file path=ppt/slides/slide5.xml><?xml version="1.0" encoding="utf-8"?>
+<p:sld xmlns:a="http://schemas.openxmlformats.org/drawingml/2006/main" xmlns:r="http://schemas.openxmlformats.org/officeDocument/2006/relationships" xmlns:p="http://schemas.openxmlformats.org/presentationml/2006/main">
+  <p:cSld>
+    <p:spTree>
+      <p:nvGrpSpPr>
+        <p:cNvPr id="1" name=""/>
+        <p:cNvGrpSpPr/>
+        <p:nvPr/>
+      </p:nvGrpSpPr>
+      <p:grpSpPr>
+        <a:xfrm>
+          <a:off x="0" y="0"/>
+          <a:ext cx="0" cy="0"/>
+          <a:chOff x="0" y="0"/>
+          <a:chExt cx="0" cy="0"/>
+        </a:xfrm>
+      </p:grpSpPr>
+      <p:sp>
+        <p:nvSpPr>
+          <p:cNvPr id="2" name="標題 1">
+            <a:extLst>
+              <a:ext uri="{FF2B5EF4-FFF2-40B4-BE49-F238E27FC236}">
+                <a16:creationId xmlns="" xmlns:a16="http://schemas.microsoft.com/office/drawing/2014/main" id="{131DDC57-05D8-4A6C-BB8C-1BB0983451C6}"/>
+              </a:ext>
+            </a:extLst>
+          </p:cNvPr>
+          <p:cNvSpPr>
+            <a:spLocks noGrp="1"/>
+          </p:cNvSpPr>
+          <p:nvPr>
+            <p:ph type="title"/>
+          </p:nvPr>
+        </p:nvSpPr>
+        <p:spPr/>
+        <p:txBody>
+          <a:bodyPr>
+            <a:normAutofit/>
+          </a:bodyPr>
+          <a:lstStyle/>
+          <a:p>
+            <a:r>
+              <a:rPr lang="en-US" altLang="zh-TW" dirty="0" smtClean="0"/>
+              <a:t>Screenshot</a:t>
+            </a:r>
+            <a:endParaRPr lang="zh-TW" altLang="en-US" dirty="0"/>
+          </a:p>
+        </p:txBody>
+      </p:sp>
+      <p:sp>
+        <p:nvSpPr>
+          <p:cNvPr id="4" name="投影片編號版面配置區 3">
+            <a:extLst>
+              <a:ext uri="{FF2B5EF4-FFF2-40B4-BE49-F238E27FC236}">
+                <a16:creationId xmlns="" xmlns:a16="http://schemas.microsoft.com/office/drawing/2014/main" id="{B4C0996B-F2B4-410F-82F8-2B45C7794E21}"/>
+              </a:ext>
+            </a:extLst>
+          </p:cNvPr>
+          <p:cNvSpPr>
+            <a:spLocks noGrp="1"/>
+          </p:cNvSpPr>
+          <p:nvPr>
+            <p:ph type="sldNum" sz="quarter" idx="12"/>
+          </p:nvPr>
+        </p:nvSpPr>
+        <p:spPr/>
+        <p:txBody>
+          <a:bodyPr/>
+          <a:lstStyle/>
+          <a:p>
+            <a:fld id="{8EABE232-0F07-4D20-8124-36AAEDF61BD7}" type="slidenum">
+              <a:rPr lang="zh-TW" altLang="en-US" smtClean="0"/>
+              <a:t>5</a:t>
+            </a:fld>
+            <a:endParaRPr lang="zh-TW" altLang="en-US"/>
+          </a:p>
+        </p:txBody>
+      </p:sp>
+      <p:sp>
+        <p:nvSpPr>
+          <p:cNvPr id="6" name="文字版面配置區 5">
+            <a:extLst>
+              <a:ext uri="{FF2B5EF4-FFF2-40B4-BE49-F238E27FC236}">
+                <a16:creationId xmlns="" xmlns:a16="http://schemas.microsoft.com/office/drawing/2014/main" id="{9143C092-D645-4A12-9884-7D9F916B71A7}"/>
+              </a:ext>
+            </a:extLst>
+          </p:cNvPr>
+          <p:cNvSpPr>
+            <a:spLocks noGrp="1"/>
+          </p:cNvSpPr>
+          <p:nvPr>
+            <p:ph type="body" sz="quarter" idx="13"/>
+          </p:nvPr>
+        </p:nvSpPr>
+        <p:spPr/>
+        <p:txBody>
+          <a:bodyPr/>
+          <a:lstStyle/>
+          <a:p>
+            <a:r>
+              <a:rPr lang="en-US" altLang="zh-TW" dirty="0"/>
+              <a:t>Introduction</a:t>
+            </a:r>
+            <a:endParaRPr lang="zh-TW" altLang="en-US" dirty="0"/>
+          </a:p>
+        </p:txBody>
+      </p:sp>
+      <p:pic>
+        <p:nvPicPr>
+          <p:cNvPr id="8" name="圖片 7"/>
+          <p:cNvPicPr/>
+          <p:nvPr/>
+        </p:nvPicPr>
+        <p:blipFill>
+          <a:blip r:embed="rId2"/>
+          <a:stretch>
+            <a:fillRect/>
+          </a:stretch>
+        </p:blipFill>
+        <p:spPr>
+          <a:xfrm>
+            <a:off x="444155" y="2678215"/>
+            <a:ext cx="5082885" cy="1515008"/>
+          </a:xfrm>
+          <a:prstGeom prst="rect">
+            <a:avLst/>
+          </a:prstGeom>
+        </p:spPr>
+      </p:pic>
+      <p:sp>
+        <p:nvSpPr>
+          <p:cNvPr id="7" name="圓角矩形 6"/>
+          <p:cNvSpPr/>
+          <p:nvPr/>
+        </p:nvSpPr>
+        <p:spPr>
+          <a:xfrm>
+            <a:off x="1861312" y="3339729"/>
+            <a:ext cx="1024128" cy="568960"/>
+          </a:xfrm>
+          <a:prstGeom prst="roundRect">
+            <a:avLst/>
+          </a:prstGeom>
+          <a:solidFill>
+            <a:srgbClr val="C00000">
+              <a:alpha val="39000"/>
+            </a:srgbClr>
+          </a:solidFill>
+          <a:ln>
+            <a:solidFill>
+              <a:schemeClr val="tx1"/>
+            </a:solidFill>
+          </a:ln>
+        </p:spPr>
+        <p:style>
+          <a:lnRef idx="2">
+            <a:schemeClr val="accent1">
+              <a:shade val="50000"/>
+            </a:schemeClr>
+          </a:lnRef>
+          <a:fillRef idx="1">
+            <a:schemeClr val="accent1"/>
+          </a:fillRef>
+          <a:effectRef idx="0">
+            <a:schemeClr val="accent1"/>
+          </a:effectRef>
+          <a:fontRef idx="minor">
+            <a:schemeClr val="lt1"/>
+          </a:fontRef>
+        </p:style>
+        <p:txBody>
+          <a:bodyPr rtlCol="0" anchor="ctr"/>
+          <a:lstStyle/>
+          <a:p>
+            <a:pPr algn="ctr"/>
+            <a:r>
+              <a:rPr lang="en-US" altLang="zh-TW" sz="2400" dirty="0" smtClean="0">
+                <a:solidFill>
+                  <a:schemeClr val="tx1"/>
+                </a:solidFill>
+              </a:rPr>
+              <a:t>Press</a:t>
+            </a:r>
+            <a:endParaRPr lang="zh-TW" altLang="en-US" sz="2400" dirty="0">
+              <a:solidFill>
+                <a:schemeClr val="tx1"/>
+              </a:solidFill>
+            </a:endParaRPr>
+          </a:p>
+        </p:txBody>
+      </p:sp>
+      <p:pic>
+        <p:nvPicPr>
+          <p:cNvPr id="9" name="圖片 8"/>
+          <p:cNvPicPr/>
+          <p:nvPr/>
+        </p:nvPicPr>
+        <p:blipFill>
+          <a:blip r:embed="rId3"/>
+          <a:stretch>
+            <a:fillRect/>
+          </a:stretch>
+        </p:blipFill>
+        <p:spPr>
+          <a:xfrm>
+            <a:off x="6096000" y="1410476"/>
+            <a:ext cx="5572760" cy="4427466"/>
+          </a:xfrm>
+          <a:prstGeom prst="rect">
+            <a:avLst/>
+          </a:prstGeom>
+        </p:spPr>
+      </p:pic>
+    </p:spTree>
+    <p:extLst>
+      <p:ext uri="{BB962C8B-B14F-4D97-AF65-F5344CB8AC3E}">
+        <p14:creationId xmlns:p14="http://schemas.microsoft.com/office/powerpoint/2010/main" val="1422350908"/>
+      </p:ext>
+    </p:extLst>
+  </p:cSld>
+  <p:clrMapOvr>
+    <a:masterClrMapping/>
+  </p:clrMapOvr>
+  <p:timing>
+    <p:tnLst>
+      <p:par>
+        <p:cTn id="1" dur="indefinite" restart="never" nodeType="tmRoot"/>
+      </p:par>
+    </p:tnLst>
+  </p:timing>
+</p:sld>
+</file>
+
+<file path=ppt/slides/slide6.xml><?xml version="1.0" encoding="utf-8"?>
+<p:sld xmlns:a="http://schemas.openxmlformats.org/drawingml/2006/main" xmlns:r="http://schemas.openxmlformats.org/officeDocument/2006/relationships" xmlns:p="http://schemas.openxmlformats.org/presentationml/2006/main">
+  <p:cSld>
+    <p:spTree>
+      <p:nvGrpSpPr>
+        <p:cNvPr id="1" name=""/>
+        <p:cNvGrpSpPr/>
+        <p:nvPr/>
+      </p:nvGrpSpPr>
+      <p:grpSpPr>
+        <a:xfrm>
+          <a:off x="0" y="0"/>
+          <a:ext cx="0" cy="0"/>
+          <a:chOff x="0" y="0"/>
+          <a:chExt cx="0" cy="0"/>
+        </a:xfrm>
+      </p:grpSpPr>
+      <p:sp>
+        <p:nvSpPr>
+          <p:cNvPr id="2" name="標題 1">
+            <a:extLst>
+              <a:ext uri="{FF2B5EF4-FFF2-40B4-BE49-F238E27FC236}">
+                <a16:creationId xmlns="" xmlns:a16="http://schemas.microsoft.com/office/drawing/2014/main" id="{131DDC57-05D8-4A6C-BB8C-1BB0983451C6}"/>
+              </a:ext>
+            </a:extLst>
+          </p:cNvPr>
+          <p:cNvSpPr>
+            <a:spLocks noGrp="1"/>
+          </p:cNvSpPr>
+          <p:nvPr>
+            <p:ph type="title"/>
+          </p:nvPr>
+        </p:nvSpPr>
+        <p:spPr/>
+        <p:txBody>
+          <a:bodyPr>
+            <a:normAutofit/>
+          </a:bodyPr>
+          <a:lstStyle/>
+          <a:p>
+            <a:r>
+              <a:rPr lang="en-US" altLang="zh-TW" dirty="0" smtClean="0"/>
+              <a:t>Screenshot</a:t>
+            </a:r>
+            <a:endParaRPr lang="zh-TW" altLang="en-US" dirty="0"/>
+          </a:p>
+        </p:txBody>
+      </p:sp>
+      <p:sp>
+        <p:nvSpPr>
+          <p:cNvPr id="4" name="投影片編號版面配置區 3">
+            <a:extLst>
+              <a:ext uri="{FF2B5EF4-FFF2-40B4-BE49-F238E27FC236}">
+                <a16:creationId xmlns="" xmlns:a16="http://schemas.microsoft.com/office/drawing/2014/main" id="{B4C0996B-F2B4-410F-82F8-2B45C7794E21}"/>
+              </a:ext>
+            </a:extLst>
+          </p:cNvPr>
+          <p:cNvSpPr>
+            <a:spLocks noGrp="1"/>
+          </p:cNvSpPr>
+          <p:nvPr>
+            <p:ph type="sldNum" sz="quarter" idx="12"/>
+          </p:nvPr>
+        </p:nvSpPr>
+        <p:spPr/>
+        <p:txBody>
+          <a:bodyPr/>
+          <a:lstStyle/>
+          <a:p>
+            <a:fld id="{8EABE232-0F07-4D20-8124-36AAEDF61BD7}" type="slidenum">
+              <a:rPr lang="zh-TW" altLang="en-US" smtClean="0"/>
+              <a:t>6</a:t>
+            </a:fld>
+            <a:endParaRPr lang="zh-TW" altLang="en-US"/>
+          </a:p>
+        </p:txBody>
+      </p:sp>
+      <p:sp>
+        <p:nvSpPr>
+          <p:cNvPr id="6" name="文字版面配置區 5">
+            <a:extLst>
+              <a:ext uri="{FF2B5EF4-FFF2-40B4-BE49-F238E27FC236}">
+                <a16:creationId xmlns="" xmlns:a16="http://schemas.microsoft.com/office/drawing/2014/main" id="{9143C092-D645-4A12-9884-7D9F916B71A7}"/>
+              </a:ext>
+            </a:extLst>
+          </p:cNvPr>
+          <p:cNvSpPr>
+            <a:spLocks noGrp="1"/>
+          </p:cNvSpPr>
+          <p:nvPr>
+            <p:ph type="body" sz="quarter" idx="13"/>
+          </p:nvPr>
+        </p:nvSpPr>
+        <p:spPr/>
+        <p:txBody>
+          <a:bodyPr/>
+          <a:lstStyle/>
+          <a:p>
+            <a:r>
+              <a:rPr lang="en-US" altLang="zh-TW" dirty="0"/>
+              <a:t>Introduction</a:t>
+            </a:r>
+            <a:endParaRPr lang="zh-TW" altLang="en-US" dirty="0"/>
+          </a:p>
+        </p:txBody>
+      </p:sp>
+      <p:pic>
+        <p:nvPicPr>
+          <p:cNvPr id="8" name="圖片 7"/>
+          <p:cNvPicPr/>
+          <p:nvPr/>
+        </p:nvPicPr>
+        <p:blipFill>
+          <a:blip r:embed="rId2"/>
+          <a:stretch>
+            <a:fillRect/>
+          </a:stretch>
+        </p:blipFill>
+        <p:spPr>
+          <a:xfrm>
+            <a:off x="444155" y="2678215"/>
+            <a:ext cx="5082885" cy="1515008"/>
+          </a:xfrm>
+          <a:prstGeom prst="rect">
+            <a:avLst/>
+          </a:prstGeom>
+        </p:spPr>
+      </p:pic>
+      <p:sp>
+        <p:nvSpPr>
+          <p:cNvPr id="7" name="圓角矩形 6"/>
+          <p:cNvSpPr/>
+          <p:nvPr/>
+        </p:nvSpPr>
+        <p:spPr>
+          <a:xfrm>
+            <a:off x="2867152" y="3339729"/>
+            <a:ext cx="1024128" cy="568960"/>
+          </a:xfrm>
+          <a:prstGeom prst="roundRect">
+            <a:avLst/>
+          </a:prstGeom>
+          <a:solidFill>
+            <a:srgbClr val="C00000">
+              <a:alpha val="39000"/>
+            </a:srgbClr>
+          </a:solidFill>
+          <a:ln>
+            <a:solidFill>
+              <a:schemeClr val="tx1"/>
+            </a:solidFill>
+          </a:ln>
+        </p:spPr>
+        <p:style>
+          <a:lnRef idx="2">
+            <a:schemeClr val="accent1">
+              <a:shade val="50000"/>
+            </a:schemeClr>
+          </a:lnRef>
+          <a:fillRef idx="1">
+            <a:schemeClr val="accent1"/>
+          </a:fillRef>
+          <a:effectRef idx="0">
+            <a:schemeClr val="accent1"/>
+          </a:effectRef>
+          <a:fontRef idx="minor">
+            <a:schemeClr val="lt1"/>
+          </a:fontRef>
+        </p:style>
+        <p:txBody>
+          <a:bodyPr rtlCol="0" anchor="ctr"/>
+          <a:lstStyle/>
+          <a:p>
+            <a:pPr algn="ctr"/>
+            <a:r>
+              <a:rPr lang="en-US" altLang="zh-TW" sz="2400" dirty="0" smtClean="0">
+                <a:solidFill>
+                  <a:schemeClr val="tx1"/>
+                </a:solidFill>
+              </a:rPr>
+              <a:t>Press</a:t>
+            </a:r>
+            <a:endParaRPr lang="zh-TW" altLang="en-US" sz="2400" dirty="0">
+              <a:solidFill>
+                <a:schemeClr val="tx1"/>
+              </a:solidFill>
+            </a:endParaRPr>
+          </a:p>
+        </p:txBody>
+      </p:sp>
+      <p:pic>
+        <p:nvPicPr>
+          <p:cNvPr id="10" name="圖片 9"/>
+          <p:cNvPicPr/>
+          <p:nvPr/>
+        </p:nvPicPr>
+        <p:blipFill>
+          <a:blip r:embed="rId3"/>
+          <a:stretch>
+            <a:fillRect/>
+          </a:stretch>
+        </p:blipFill>
+        <p:spPr>
+          <a:xfrm>
+            <a:off x="6126480" y="1014010"/>
+            <a:ext cx="5459095" cy="5014998"/>
+          </a:xfrm>
+          <a:prstGeom prst="rect">
+            <a:avLst/>
+          </a:prstGeom>
+        </p:spPr>
+      </p:pic>
+    </p:spTree>
+    <p:extLst>
+      <p:ext uri="{BB962C8B-B14F-4D97-AF65-F5344CB8AC3E}">
+        <p14:creationId xmlns:p14="http://schemas.microsoft.com/office/powerpoint/2010/main" val="244909102"/>
+      </p:ext>
+    </p:extLst>
+  </p:cSld>
+  <p:clrMapOvr>
+    <a:masterClrMapping/>
+  </p:clrMapOvr>
+  <p:timing>
+    <p:tnLst>
+      <p:par>
+        <p:cTn id="1" dur="indefinite" restart="never" nodeType="tmRoot"/>
+      </p:par>
+    </p:tnLst>
+  </p:timing>
+</p:sld>
+</file>
+
+<file path=ppt/slides/slide7.xml><?xml version="1.0" encoding="utf-8"?>
+<p:sld xmlns:a="http://schemas.openxmlformats.org/drawingml/2006/main" xmlns:r="http://schemas.openxmlformats.org/officeDocument/2006/relationships" xmlns:p="http://schemas.openxmlformats.org/presentationml/2006/main">
+  <p:cSld>
+    <p:spTree>
+      <p:nvGrpSpPr>
+        <p:cNvPr id="1" name=""/>
+        <p:cNvGrpSpPr/>
+        <p:nvPr/>
+      </p:nvGrpSpPr>
+      <p:grpSpPr>
+        <a:xfrm>
+          <a:off x="0" y="0"/>
+          <a:ext cx="0" cy="0"/>
+          <a:chOff x="0" y="0"/>
+          <a:chExt cx="0" cy="0"/>
+        </a:xfrm>
+      </p:grpSpPr>
+      <p:sp>
+        <p:nvSpPr>
+          <p:cNvPr id="2" name="標題 1">
+            <a:extLst>
+              <a:ext uri="{FF2B5EF4-FFF2-40B4-BE49-F238E27FC236}">
+                <a16:creationId xmlns="" xmlns:a16="http://schemas.microsoft.com/office/drawing/2014/main" id="{131DDC57-05D8-4A6C-BB8C-1BB0983451C6}"/>
+              </a:ext>
+            </a:extLst>
+          </p:cNvPr>
+          <p:cNvSpPr>
+            <a:spLocks noGrp="1"/>
+          </p:cNvSpPr>
+          <p:nvPr>
+            <p:ph type="title"/>
+          </p:nvPr>
+        </p:nvSpPr>
+        <p:spPr/>
+        <p:txBody>
+          <a:bodyPr>
+            <a:normAutofit/>
+          </a:bodyPr>
+          <a:lstStyle/>
+          <a:p>
+            <a:r>
+              <a:rPr lang="en-US" altLang="zh-TW" dirty="0" smtClean="0"/>
+              <a:t>Screenshot</a:t>
+            </a:r>
+            <a:endParaRPr lang="zh-TW" altLang="en-US" dirty="0"/>
+          </a:p>
+        </p:txBody>
+      </p:sp>
+      <p:sp>
+        <p:nvSpPr>
+          <p:cNvPr id="4" name="投影片編號版面配置區 3">
+            <a:extLst>
+              <a:ext uri="{FF2B5EF4-FFF2-40B4-BE49-F238E27FC236}">
+                <a16:creationId xmlns="" xmlns:a16="http://schemas.microsoft.com/office/drawing/2014/main" id="{B4C0996B-F2B4-410F-82F8-2B45C7794E21}"/>
+              </a:ext>
+            </a:extLst>
+          </p:cNvPr>
+          <p:cNvSpPr>
+            <a:spLocks noGrp="1"/>
+          </p:cNvSpPr>
+          <p:nvPr>
+            <p:ph type="sldNum" sz="quarter" idx="12"/>
+          </p:nvPr>
+        </p:nvSpPr>
+        <p:spPr/>
+        <p:txBody>
+          <a:bodyPr/>
+          <a:lstStyle/>
+          <a:p>
+            <a:fld id="{8EABE232-0F07-4D20-8124-36AAEDF61BD7}" type="slidenum">
+              <a:rPr lang="zh-TW" altLang="en-US" smtClean="0"/>
+              <a:t>7</a:t>
+            </a:fld>
+            <a:endParaRPr lang="zh-TW" altLang="en-US"/>
+          </a:p>
+        </p:txBody>
+      </p:sp>
+      <p:sp>
+        <p:nvSpPr>
+          <p:cNvPr id="6" name="文字版面配置區 5">
+            <a:extLst>
+              <a:ext uri="{FF2B5EF4-FFF2-40B4-BE49-F238E27FC236}">
+                <a16:creationId xmlns="" xmlns:a16="http://schemas.microsoft.com/office/drawing/2014/main" id="{9143C092-D645-4A12-9884-7D9F916B71A7}"/>
+              </a:ext>
+            </a:extLst>
+          </p:cNvPr>
+          <p:cNvSpPr>
+            <a:spLocks noGrp="1"/>
+          </p:cNvSpPr>
+          <p:nvPr>
+            <p:ph type="body" sz="quarter" idx="13"/>
+          </p:nvPr>
+        </p:nvSpPr>
+        <p:spPr/>
+        <p:txBody>
+          <a:bodyPr/>
+          <a:lstStyle/>
+          <a:p>
+            <a:r>
+              <a:rPr lang="en-US" altLang="zh-TW" dirty="0"/>
+              <a:t>Introduction</a:t>
+            </a:r>
+            <a:endParaRPr lang="zh-TW" altLang="en-US" dirty="0"/>
+          </a:p>
+        </p:txBody>
+      </p:sp>
+      <p:pic>
+        <p:nvPicPr>
+          <p:cNvPr id="8" name="圖片 7"/>
+          <p:cNvPicPr/>
+          <p:nvPr/>
+        </p:nvPicPr>
+        <p:blipFill>
+          <a:blip r:embed="rId2"/>
+          <a:stretch>
+            <a:fillRect/>
+          </a:stretch>
+        </p:blipFill>
+        <p:spPr>
+          <a:xfrm>
+            <a:off x="6167120" y="2375836"/>
+            <a:ext cx="5090160" cy="2760359"/>
+          </a:xfrm>
+          <a:prstGeom prst="rect">
+            <a:avLst/>
+          </a:prstGeom>
+        </p:spPr>
+      </p:pic>
+      <p:pic>
+        <p:nvPicPr>
+          <p:cNvPr id="10" name="圖片 9"/>
+          <p:cNvPicPr/>
+          <p:nvPr/>
+        </p:nvPicPr>
+        <p:blipFill>
+          <a:blip r:embed="rId3"/>
+          <a:stretch>
+            <a:fillRect/>
+          </a:stretch>
+        </p:blipFill>
+        <p:spPr>
+          <a:xfrm>
+            <a:off x="949960" y="1690688"/>
+            <a:ext cx="4722495" cy="4338320"/>
+          </a:xfrm>
+          <a:prstGeom prst="rect">
+            <a:avLst/>
+          </a:prstGeom>
+        </p:spPr>
+      </p:pic>
+      <p:sp>
+        <p:nvSpPr>
+          <p:cNvPr id="3" name="圓角矩形 2"/>
+          <p:cNvSpPr/>
+          <p:nvPr/>
+        </p:nvSpPr>
+        <p:spPr>
+          <a:xfrm>
+            <a:off x="4187952" y="2900683"/>
+            <a:ext cx="1024128" cy="568960"/>
+          </a:xfrm>
+          <a:prstGeom prst="roundRect">
+            <a:avLst/>
+          </a:prstGeom>
+          <a:solidFill>
+            <a:srgbClr val="C00000">
+              <a:alpha val="39000"/>
+            </a:srgbClr>
+          </a:solidFill>
+          <a:ln>
+            <a:solidFill>
+              <a:schemeClr val="tx1"/>
+            </a:solidFill>
+          </a:ln>
+        </p:spPr>
+        <p:style>
+          <a:lnRef idx="2">
+            <a:schemeClr val="accent1">
+              <a:shade val="50000"/>
+            </a:schemeClr>
+          </a:lnRef>
+          <a:fillRef idx="1">
+            <a:schemeClr val="accent1"/>
+          </a:fillRef>
+          <a:effectRef idx="0">
+            <a:schemeClr val="accent1"/>
+          </a:effectRef>
+          <a:fontRef idx="minor">
+            <a:schemeClr val="lt1"/>
+          </a:fontRef>
+        </p:style>
+        <p:txBody>
+          <a:bodyPr rtlCol="0" anchor="ctr"/>
+          <a:lstStyle/>
+          <a:p>
+            <a:pPr algn="ctr"/>
+            <a:r>
+              <a:rPr lang="en-US" altLang="zh-TW" sz="2400" dirty="0" smtClean="0">
+                <a:solidFill>
+                  <a:schemeClr val="tx1"/>
+                </a:solidFill>
+              </a:rPr>
+              <a:t>Press</a:t>
+            </a:r>
+            <a:endParaRPr lang="zh-TW" altLang="en-US" sz="2400" dirty="0">
+              <a:solidFill>
+                <a:schemeClr val="tx1"/>
+              </a:solidFill>
+            </a:endParaRPr>
+          </a:p>
+        </p:txBody>
+      </p:sp>
+    </p:spTree>
+    <p:extLst>
+      <p:ext uri="{BB962C8B-B14F-4D97-AF65-F5344CB8AC3E}">
+        <p14:creationId xmlns:p14="http://schemas.microsoft.com/office/powerpoint/2010/main" val="2615103405"/>
+      </p:ext>
+    </p:extLst>
+  </p:cSld>
+  <p:clrMapOvr>
+    <a:masterClrMapping/>
+  </p:clrMapOvr>
+  <p:timing>
+    <p:tnLst>
+      <p:par>
+        <p:cTn id="1" dur="indefinite" restart="never" nodeType="tmRoot"/>
+      </p:par>
+    </p:tnLst>
+  </p:timing>
+</p:sld>
+</file>
+
+<file path=ppt/slides/slide8.xml><?xml version="1.0" encoding="utf-8"?>
+<p:sld xmlns:a="http://schemas.openxmlformats.org/drawingml/2006/main" xmlns:r="http://schemas.openxmlformats.org/officeDocument/2006/relationships" xmlns:p="http://schemas.openxmlformats.org/presentationml/2006/main">
+  <p:cSld>
+    <p:spTree>
+      <p:nvGrpSpPr>
+        <p:cNvPr id="1" name=""/>
+        <p:cNvGrpSpPr/>
+        <p:nvPr/>
+      </p:nvGrpSpPr>
+      <p:grpSpPr>
+        <a:xfrm>
+          <a:off x="0" y="0"/>
+          <a:ext cx="0" cy="0"/>
+          <a:chOff x="0" y="0"/>
+          <a:chExt cx="0" cy="0"/>
+        </a:xfrm>
+      </p:grpSpPr>
+      <p:sp>
+        <p:nvSpPr>
+          <p:cNvPr id="2" name="標題 1">
+            <a:extLst>
+              <a:ext uri="{FF2B5EF4-FFF2-40B4-BE49-F238E27FC236}">
+                <a16:creationId xmlns="" xmlns:a16="http://schemas.microsoft.com/office/drawing/2014/main" id="{9F8C9F65-C4E2-46C4-BCF7-A94ED1FEB60C}"/>
+              </a:ext>
+            </a:extLst>
+          </p:cNvPr>
+          <p:cNvSpPr>
+            <a:spLocks noGrp="1"/>
+          </p:cNvSpPr>
+          <p:nvPr>
+            <p:ph type="title"/>
+          </p:nvPr>
+        </p:nvSpPr>
+        <p:spPr/>
+        <p:txBody>
+          <a:bodyPr/>
+          <a:lstStyle/>
+          <a:p>
+            <a:r>
+              <a:rPr lang="en-US" altLang="zh-TW" dirty="0" smtClean="0"/>
+              <a:t>Problem</a:t>
+            </a:r>
+            <a:endParaRPr lang="zh-TW" altLang="en-US" dirty="0"/>
+          </a:p>
+        </p:txBody>
+      </p:sp>
+      <p:sp>
+        <p:nvSpPr>
+          <p:cNvPr id="3" name="投影片編號版面配置區 2">
+            <a:extLst>
+              <a:ext uri="{FF2B5EF4-FFF2-40B4-BE49-F238E27FC236}">
+                <a16:creationId xmlns="" xmlns:a16="http://schemas.microsoft.com/office/drawing/2014/main" id="{2E6C1CB4-4587-4293-98FA-0C5F7A405DC7}"/>
+              </a:ext>
+            </a:extLst>
+          </p:cNvPr>
+          <p:cNvSpPr>
+            <a:spLocks noGrp="1"/>
+          </p:cNvSpPr>
+          <p:nvPr>
+            <p:ph type="sldNum" sz="quarter" idx="12"/>
+          </p:nvPr>
+        </p:nvSpPr>
+        <p:spPr/>
+        <p:txBody>
+          <a:bodyPr/>
+          <a:lstStyle/>
+          <a:p>
+            <a:fld id="{8EABE232-0F07-4D20-8124-36AAEDF61BD7}" type="slidenum">
+              <a:rPr lang="zh-TW" altLang="en-US" smtClean="0"/>
+              <a:t>8</a:t>
+            </a:fld>
+            <a:endParaRPr lang="zh-TW" altLang="en-US"/>
+          </a:p>
+        </p:txBody>
+      </p:sp>
+      <p:sp>
+        <p:nvSpPr>
+          <p:cNvPr id="4" name="文字版面配置區 3">
+            <a:extLst>
+              <a:ext uri="{FF2B5EF4-FFF2-40B4-BE49-F238E27FC236}">
+                <a16:creationId xmlns="" xmlns:a16="http://schemas.microsoft.com/office/drawing/2014/main" id="{C11D78B0-AEE6-44B7-AA09-A6E17092CF2E}"/>
+              </a:ext>
+            </a:extLst>
+          </p:cNvPr>
+          <p:cNvSpPr>
+            <a:spLocks noGrp="1"/>
+          </p:cNvSpPr>
+          <p:nvPr>
+            <p:ph type="body" sz="quarter" idx="13"/>
+          </p:nvPr>
+        </p:nvSpPr>
+        <p:spPr/>
+        <p:txBody>
+          <a:bodyPr/>
+          <a:lstStyle/>
+          <a:p>
+            <a:r>
+              <a:rPr lang="en-US" altLang="zh-TW" dirty="0"/>
+              <a:t>Introduction</a:t>
+            </a:r>
+            <a:endParaRPr lang="zh-TW" altLang="en-US" dirty="0"/>
+          </a:p>
+        </p:txBody>
+      </p:sp>
+      <p:sp>
+        <p:nvSpPr>
+          <p:cNvPr id="5" name="內容版面配置區 2">
+            <a:extLst>
+              <a:ext uri="{FF2B5EF4-FFF2-40B4-BE49-F238E27FC236}">
+                <a16:creationId xmlns="" xmlns:a16="http://schemas.microsoft.com/office/drawing/2014/main" id="{A6ED73C9-1522-4749-998D-7E4666C2D418}"/>
+              </a:ext>
+            </a:extLst>
+          </p:cNvPr>
+          <p:cNvSpPr txBox="1">
+            <a:spLocks/>
+          </p:cNvSpPr>
+          <p:nvPr/>
+        </p:nvSpPr>
+        <p:spPr>
+          <a:xfrm>
+            <a:off x="838200" y="1825625"/>
+            <a:ext cx="10515600" cy="4351338"/>
+          </a:xfrm>
+          <a:prstGeom prst="rect">
+            <a:avLst/>
+          </a:prstGeom>
+        </p:spPr>
+        <p:txBody>
+          <a:bodyPr/>
+          <a:lstStyle>
+            <a:lvl1pPr marL="228600" indent="-228600" algn="l" defTabSz="914400" rtl="0" eaLnBrk="1" latinLnBrk="0" hangingPunct="1">
+              <a:lnSpc>
+                <a:spcPct val="90000"/>
+              </a:lnSpc>
+              <a:spcBef>
+                <a:spcPts val="1000"/>
+              </a:spcBef>
+              <a:buFont typeface="Arial" panose="020B0604020202020204" pitchFamily="34" charset="0"/>
+              <a:buChar char="•"/>
+              <a:defRPr sz="2800" kern="1200">
+                <a:solidFill>
+                  <a:schemeClr val="tx1"/>
+                </a:solidFill>
+                <a:latin typeface="+mn-lt"/>
+                <a:ea typeface="+mn-ea"/>
+                <a:cs typeface="+mn-cs"/>
+              </a:defRPr>
+            </a:lvl1pPr>
+            <a:lvl2pPr marL="685800" indent="-228600" algn="l" defTabSz="914400" rtl="0" eaLnBrk="1" latinLnBrk="0" hangingPunct="1">
+              <a:lnSpc>
+                <a:spcPct val="90000"/>
+              </a:lnSpc>
+              <a:spcBef>
+                <a:spcPts val="500"/>
+              </a:spcBef>
+              <a:buFont typeface="Arial" panose="020B0604020202020204" pitchFamily="34" charset="0"/>
+              <a:buChar char="•"/>
+              <a:defRPr sz="2400" kern="1200">
+                <a:solidFill>
+                  <a:schemeClr val="tx1"/>
+                </a:solidFill>
+                <a:latin typeface="+mn-lt"/>
+                <a:ea typeface="+mn-ea"/>
+                <a:cs typeface="+mn-cs"/>
+              </a:defRPr>
+            </a:lvl2pPr>
+            <a:lvl3pPr marL="1143000" indent="-228600" algn="l" defTabSz="914400" rtl="0" eaLnBrk="1" latinLnBrk="0" hangingPunct="1">
+              <a:lnSpc>
+                <a:spcPct val="90000"/>
+              </a:lnSpc>
+              <a:spcBef>
+                <a:spcPts val="500"/>
+              </a:spcBef>
+              <a:buFont typeface="Arial" panose="020B0604020202020204" pitchFamily="34" charset="0"/>
+              <a:buChar char="•"/>
+              <a:defRPr sz="2000" kern="1200">
+                <a:solidFill>
+                  <a:schemeClr val="tx1"/>
+                </a:solidFill>
+                <a:latin typeface="+mn-lt"/>
+                <a:ea typeface="+mn-ea"/>
+                <a:cs typeface="+mn-cs"/>
+              </a:defRPr>
+            </a:lvl3pPr>
+            <a:lvl4pPr marL="1600200" indent="-228600" algn="l" defTabSz="914400" rtl="0" eaLnBrk="1" latinLnBrk="0" hangingPunct="1">
+              <a:lnSpc>
+                <a:spcPct val="90000"/>
+              </a:lnSpc>
+              <a:spcBef>
+                <a:spcPts val="500"/>
+              </a:spcBef>
+              <a:buFont typeface="Arial" panose="020B0604020202020204" pitchFamily="34" charset="0"/>
+              <a:buChar char="•"/>
+              <a:defRPr sz="1800" kern="1200">
+                <a:solidFill>
+                  <a:schemeClr val="tx1"/>
+                </a:solidFill>
+                <a:latin typeface="+mn-lt"/>
+                <a:ea typeface="+mn-ea"/>
+                <a:cs typeface="+mn-cs"/>
+              </a:defRPr>
+            </a:lvl4pPr>
+            <a:lvl5pPr marL="2057400" indent="-228600" algn="l" defTabSz="914400" rtl="0" eaLnBrk="1" latinLnBrk="0" hangingPunct="1">
+              <a:lnSpc>
+                <a:spcPct val="90000"/>
+              </a:lnSpc>
+              <a:spcBef>
+                <a:spcPts val="500"/>
+              </a:spcBef>
+              <a:buFont typeface="Arial" panose="020B0604020202020204" pitchFamily="34" charset="0"/>
+              <a:buChar char="•"/>
+              <a:defRPr sz="1800" kern="1200">
+                <a:solidFill>
+                  <a:schemeClr val="tx1"/>
+                </a:solidFill>
+                <a:latin typeface="+mn-lt"/>
+                <a:ea typeface="+mn-ea"/>
+                <a:cs typeface="+mn-cs"/>
+              </a:defRPr>
+            </a:lvl5pPr>
+            <a:lvl6pPr marL="2514600" indent="-228600" algn="l" defTabSz="914400" rtl="0" eaLnBrk="1" latinLnBrk="0" hangingPunct="1">
+              <a:lnSpc>
+                <a:spcPct val="90000"/>
+              </a:lnSpc>
+              <a:spcBef>
+                <a:spcPts val="500"/>
+              </a:spcBef>
+              <a:buFont typeface="Arial" panose="020B0604020202020204" pitchFamily="34" charset="0"/>
+              <a:buChar char="•"/>
+              <a:defRPr sz="1800" kern="1200">
+                <a:solidFill>
+                  <a:schemeClr val="tx1"/>
+                </a:solidFill>
+                <a:latin typeface="+mn-lt"/>
+                <a:ea typeface="+mn-ea"/>
+                <a:cs typeface="+mn-cs"/>
+              </a:defRPr>
+            </a:lvl6pPr>
+            <a:lvl7pPr marL="2971800" indent="-228600" algn="l" defTabSz="914400" rtl="0" eaLnBrk="1" latinLnBrk="0" hangingPunct="1">
+              <a:lnSpc>
+                <a:spcPct val="90000"/>
+              </a:lnSpc>
+              <a:spcBef>
+                <a:spcPts val="500"/>
+              </a:spcBef>
+              <a:buFont typeface="Arial" panose="020B0604020202020204" pitchFamily="34" charset="0"/>
+              <a:buChar char="•"/>
+              <a:defRPr sz="1800" kern="1200">
+                <a:solidFill>
+                  <a:schemeClr val="tx1"/>
+                </a:solidFill>
+                <a:latin typeface="+mn-lt"/>
+                <a:ea typeface="+mn-ea"/>
+                <a:cs typeface="+mn-cs"/>
+              </a:defRPr>
+            </a:lvl7pPr>
+            <a:lvl8pPr marL="3429000" indent="-228600" algn="l" defTabSz="914400" rtl="0" eaLnBrk="1" latinLnBrk="0" hangingPunct="1">
+              <a:lnSpc>
+                <a:spcPct val="90000"/>
+              </a:lnSpc>
+              <a:spcBef>
+                <a:spcPts val="500"/>
+              </a:spcBef>
+              <a:buFont typeface="Arial" panose="020B0604020202020204" pitchFamily="34" charset="0"/>
+              <a:buChar char="•"/>
+              <a:defRPr sz="1800" kern="1200">
+                <a:solidFill>
+                  <a:schemeClr val="tx1"/>
+                </a:solidFill>
+                <a:latin typeface="+mn-lt"/>
+                <a:ea typeface="+mn-ea"/>
+                <a:cs typeface="+mn-cs"/>
+              </a:defRPr>
+            </a:lvl8pPr>
+            <a:lvl9pPr marL="3886200" indent="-228600" algn="l" defTabSz="914400" rtl="0" eaLnBrk="1" latinLnBrk="0" hangingPunct="1">
+              <a:lnSpc>
+                <a:spcPct val="90000"/>
+              </a:lnSpc>
+              <a:spcBef>
+                <a:spcPts val="500"/>
+              </a:spcBef>
+              <a:buFont typeface="Arial" panose="020B0604020202020204" pitchFamily="34" charset="0"/>
+              <a:buChar char="•"/>
+              <a:defRPr sz="1800" kern="1200">
+                <a:solidFill>
+                  <a:schemeClr val="tx1"/>
+                </a:solidFill>
+                <a:latin typeface="+mn-lt"/>
+                <a:ea typeface="+mn-ea"/>
+                <a:cs typeface="+mn-cs"/>
+              </a:defRPr>
+            </a:lvl9pPr>
+          </a:lstStyle>
+          <a:p>
+            <a:r>
+              <a:rPr lang="en-US" altLang="zh-TW" dirty="0">
+                <a:latin typeface="Abadi Extra Light" panose="020B0204020104020204" pitchFamily="34" charset="0"/>
+              </a:rPr>
+              <a:t>Inconsistent naming policy: PEP8 Coding Style</a:t>
+            </a:r>
+          </a:p>
+          <a:p>
+            <a:r>
+              <a:rPr lang="en-US" altLang="zh-TW" dirty="0">
+                <a:latin typeface="Abadi Extra Light" panose="020B0204020104020204" pitchFamily="34" charset="0"/>
+              </a:rPr>
+              <a:t>Ambiguous comments</a:t>
+            </a:r>
+          </a:p>
+          <a:p>
+            <a:r>
+              <a:rPr lang="en-US" altLang="zh-TW" dirty="0">
+                <a:latin typeface="Abadi Extra Light" panose="020B0204020104020204" pitchFamily="34" charset="0"/>
+              </a:rPr>
+              <a:t>Few large classes rather than many small classes</a:t>
+            </a:r>
+          </a:p>
+          <a:p>
+            <a:r>
+              <a:rPr lang="en-US" altLang="zh-TW">
+                <a:latin typeface="Abadi Extra Light" panose="020B0204020104020204" pitchFamily="34" charset="0"/>
+              </a:rPr>
+              <a:t>Duplicate </a:t>
+            </a:r>
+            <a:r>
+              <a:rPr lang="en-US" altLang="zh-TW" smtClean="0">
+                <a:latin typeface="Abadi Extra Light" panose="020B0204020104020204" pitchFamily="34" charset="0"/>
+              </a:rPr>
+              <a:t>code</a:t>
+            </a:r>
+            <a:endParaRPr lang="en-US" altLang="zh-TW" dirty="0">
+              <a:latin typeface="Abadi Extra Light" panose="020B0204020104020204" pitchFamily="34" charset="0"/>
+            </a:endParaRPr>
+          </a:p>
+        </p:txBody>
+      </p:sp>
+    </p:spTree>
+    <p:extLst>
+      <p:ext uri="{BB962C8B-B14F-4D97-AF65-F5344CB8AC3E}">
+        <p14:creationId xmlns:p14="http://schemas.microsoft.com/office/powerpoint/2010/main" val="1837907727"/>
+      </p:ext>
+    </p:extLst>
+  </p:cSld>
+  <p:clrMapOvr>
+    <a:masterClrMapping/>
+  </p:clrMapOvr>
+  <p:timing>
+    <p:tnLst>
+      <p:par>
+        <p:cTn id="1" dur="indefinite" restart="never" nodeType="tmRoot"/>
+      </p:par>
+    </p:tnLst>
+  </p:timing>
+</p:sld>
+</file>
+
+<file path=ppt/slides/slide9.xml><?xml version="1.0" encoding="utf-8"?>
+<p:sld xmlns:a="http://schemas.openxmlformats.org/drawingml/2006/main" xmlns:r="http://schemas.openxmlformats.org/officeDocument/2006/relationships" xmlns:p="http://schemas.openxmlformats.org/presentationml/2006/main">
+  <p:cSld>
+    <p:spTree>
+      <p:nvGrpSpPr>
+        <p:cNvPr id="1" name=""/>
+        <p:cNvGrpSpPr/>
+        <p:nvPr/>
+      </p:nvGrpSpPr>
+      <p:grpSpPr>
+        <a:xfrm>
+          <a:off x="0" y="0"/>
+          <a:ext cx="0" cy="0"/>
+          <a:chOff x="0" y="0"/>
+          <a:chExt cx="0" cy="0"/>
+        </a:xfrm>
+      </p:grpSpPr>
+      <p:sp>
+        <p:nvSpPr>
+          <p:cNvPr id="2" name="標題 1">
+            <a:extLst>
+              <a:ext uri="{FF2B5EF4-FFF2-40B4-BE49-F238E27FC236}">
+                <a16:creationId xmlns="" xmlns:a16="http://schemas.microsoft.com/office/drawing/2014/main" id="{9F8C9F65-C4E2-46C4-BCF7-A94ED1FEB60C}"/>
+              </a:ext>
+            </a:extLst>
+          </p:cNvPr>
+          <p:cNvSpPr>
+            <a:spLocks noGrp="1"/>
+          </p:cNvSpPr>
+          <p:nvPr>
+            <p:ph type="title"/>
+          </p:nvPr>
+        </p:nvSpPr>
+        <p:spPr/>
+        <p:txBody>
+          <a:bodyPr/>
+          <a:lstStyle/>
+          <a:p>
+            <a:r>
+              <a:rPr lang="en-US" altLang="zh-TW" dirty="0" smtClean="0"/>
+              <a:t>Class Diagram (Before)</a:t>
+            </a:r>
+            <a:endParaRPr lang="zh-TW" altLang="en-US" dirty="0"/>
+          </a:p>
+        </p:txBody>
+      </p:sp>
+      <p:sp>
+        <p:nvSpPr>
+          <p:cNvPr id="3" name="投影片編號版面配置區 2">
+            <a:extLst>
+              <a:ext uri="{FF2B5EF4-FFF2-40B4-BE49-F238E27FC236}">
+                <a16:creationId xmlns="" xmlns:a16="http://schemas.microsoft.com/office/drawing/2014/main" id="{2E6C1CB4-4587-4293-98FA-0C5F7A405DC7}"/>
+              </a:ext>
+            </a:extLst>
+          </p:cNvPr>
+          <p:cNvSpPr>
+            <a:spLocks noGrp="1"/>
+          </p:cNvSpPr>
+          <p:nvPr>
+            <p:ph type="sldNum" sz="quarter" idx="12"/>
+          </p:nvPr>
+        </p:nvSpPr>
+        <p:spPr/>
+        <p:txBody>
+          <a:bodyPr/>
+          <a:lstStyle/>
+          <a:p>
+            <a:fld id="{8EABE232-0F07-4D20-8124-36AAEDF61BD7}" type="slidenum">
+              <a:rPr lang="zh-TW" altLang="en-US" smtClean="0"/>
+              <a:t>9</a:t>
+            </a:fld>
+            <a:endParaRPr lang="zh-TW" altLang="en-US"/>
+          </a:p>
+        </p:txBody>
+      </p:sp>
+      <p:sp>
+        <p:nvSpPr>
+          <p:cNvPr id="4" name="文字版面配置區 3">
+            <a:extLst>
+              <a:ext uri="{FF2B5EF4-FFF2-40B4-BE49-F238E27FC236}">
+                <a16:creationId xmlns="" xmlns:a16="http://schemas.microsoft.com/office/drawing/2014/main" id="{C11D78B0-AEE6-44B7-AA09-A6E17092CF2E}"/>
               </a:ext>
             </a:extLst>
           </p:cNvPr>
@@ -10728,2245 +12590,6 @@
     <p:extLst>
       <p:ext uri="{BB962C8B-B14F-4D97-AF65-F5344CB8AC3E}">
         <p14:creationId xmlns:p14="http://schemas.microsoft.com/office/powerpoint/2010/main" val="3995140249"/>
-      </p:ext>
-    </p:extLst>
-  </p:cSld>
-  <p:clrMapOvr>
-    <a:masterClrMapping/>
-  </p:clrMapOvr>
-  <p:timing>
-    <p:tnLst>
-      <p:par>
-        <p:cTn id="1" dur="indefinite" restart="never" nodeType="tmRoot"/>
-      </p:par>
-    </p:tnLst>
-  </p:timing>
-</p:sld>
-</file>
-
-<file path=ppt/slides/slide11.xml><?xml version="1.0" encoding="utf-8"?>
-<p:sld xmlns:a="http://schemas.openxmlformats.org/drawingml/2006/main" xmlns:r="http://schemas.openxmlformats.org/officeDocument/2006/relationships" xmlns:p="http://schemas.openxmlformats.org/presentationml/2006/main">
-  <p:cSld>
-    <p:spTree>
-      <p:nvGrpSpPr>
-        <p:cNvPr id="1" name=""/>
-        <p:cNvGrpSpPr/>
-        <p:nvPr/>
-      </p:nvGrpSpPr>
-      <p:grpSpPr>
-        <a:xfrm>
-          <a:off x="0" y="0"/>
-          <a:ext cx="0" cy="0"/>
-          <a:chOff x="0" y="0"/>
-          <a:chExt cx="0" cy="0"/>
-        </a:xfrm>
-      </p:grpSpPr>
-      <p:sp>
-        <p:nvSpPr>
-          <p:cNvPr id="2" name="標題 1">
-            <a:extLst>
-              <a:ext uri="{FF2B5EF4-FFF2-40B4-BE49-F238E27FC236}">
-                <a16:creationId xmlns:a16="http://schemas.microsoft.com/office/drawing/2014/main" xmlns="" id="{9F8C9F65-C4E2-46C4-BCF7-A94ED1FEB60C}"/>
-              </a:ext>
-            </a:extLst>
-          </p:cNvPr>
-          <p:cNvSpPr>
-            <a:spLocks noGrp="1"/>
-          </p:cNvSpPr>
-          <p:nvPr>
-            <p:ph type="title"/>
-          </p:nvPr>
-        </p:nvSpPr>
-        <p:spPr/>
-        <p:txBody>
-          <a:bodyPr/>
-          <a:lstStyle/>
-          <a:p>
-            <a:r>
-              <a:rPr lang="en-US" altLang="zh-TW" dirty="0"/>
-              <a:t>Class Diagram </a:t>
-            </a:r>
-            <a:r>
-              <a:rPr lang="en-US" altLang="zh-TW" dirty="0" smtClean="0"/>
-              <a:t>(After)</a:t>
-            </a:r>
-            <a:endParaRPr lang="zh-TW" altLang="en-US" dirty="0"/>
-          </a:p>
-        </p:txBody>
-      </p:sp>
-      <p:sp>
-        <p:nvSpPr>
-          <p:cNvPr id="3" name="投影片編號版面配置區 2">
-            <a:extLst>
-              <a:ext uri="{FF2B5EF4-FFF2-40B4-BE49-F238E27FC236}">
-                <a16:creationId xmlns:a16="http://schemas.microsoft.com/office/drawing/2014/main" xmlns="" id="{2E6C1CB4-4587-4293-98FA-0C5F7A405DC7}"/>
-              </a:ext>
-            </a:extLst>
-          </p:cNvPr>
-          <p:cNvSpPr>
-            <a:spLocks noGrp="1"/>
-          </p:cNvSpPr>
-          <p:nvPr>
-            <p:ph type="sldNum" sz="quarter" idx="12"/>
-          </p:nvPr>
-        </p:nvSpPr>
-        <p:spPr/>
-        <p:txBody>
-          <a:bodyPr/>
-          <a:lstStyle/>
-          <a:p>
-            <a:fld id="{8EABE232-0F07-4D20-8124-36AAEDF61BD7}" type="slidenum">
-              <a:rPr lang="zh-TW" altLang="en-US" smtClean="0"/>
-              <a:t>11</a:t>
-            </a:fld>
-            <a:endParaRPr lang="zh-TW" altLang="en-US"/>
-          </a:p>
-        </p:txBody>
-      </p:sp>
-      <p:sp>
-        <p:nvSpPr>
-          <p:cNvPr id="4" name="文字版面配置區 3">
-            <a:extLst>
-              <a:ext uri="{FF2B5EF4-FFF2-40B4-BE49-F238E27FC236}">
-                <a16:creationId xmlns:a16="http://schemas.microsoft.com/office/drawing/2014/main" xmlns="" id="{C11D78B0-AEE6-44B7-AA09-A6E17092CF2E}"/>
-              </a:ext>
-            </a:extLst>
-          </p:cNvPr>
-          <p:cNvSpPr>
-            <a:spLocks noGrp="1"/>
-          </p:cNvSpPr>
-          <p:nvPr>
-            <p:ph type="body" sz="quarter" idx="13"/>
-          </p:nvPr>
-        </p:nvSpPr>
-        <p:spPr/>
-        <p:txBody>
-          <a:bodyPr/>
-          <a:lstStyle/>
-          <a:p>
-            <a:r>
-              <a:rPr lang="en-US" altLang="zh-TW" dirty="0"/>
-              <a:t>Class Diagram / Refactoring</a:t>
-            </a:r>
-            <a:endParaRPr lang="en-US" altLang="zh-TW" dirty="0"/>
-          </a:p>
-        </p:txBody>
-      </p:sp>
-    </p:spTree>
-    <p:extLst>
-      <p:ext uri="{BB962C8B-B14F-4D97-AF65-F5344CB8AC3E}">
-        <p14:creationId xmlns:p14="http://schemas.microsoft.com/office/powerpoint/2010/main" val="2129635084"/>
-      </p:ext>
-    </p:extLst>
-  </p:cSld>
-  <p:clrMapOvr>
-    <a:masterClrMapping/>
-  </p:clrMapOvr>
-  <p:timing>
-    <p:tnLst>
-      <p:par>
-        <p:cTn id="1" dur="indefinite" restart="never" nodeType="tmRoot"/>
-      </p:par>
-    </p:tnLst>
-  </p:timing>
-</p:sld>
-</file>
-
-<file path=ppt/slides/slide12.xml><?xml version="1.0" encoding="utf-8"?>
-<p:sld xmlns:a="http://schemas.openxmlformats.org/drawingml/2006/main" xmlns:r="http://schemas.openxmlformats.org/officeDocument/2006/relationships" xmlns:p="http://schemas.openxmlformats.org/presentationml/2006/main">
-  <p:cSld>
-    <p:spTree>
-      <p:nvGrpSpPr>
-        <p:cNvPr id="1" name=""/>
-        <p:cNvGrpSpPr/>
-        <p:nvPr/>
-      </p:nvGrpSpPr>
-      <p:grpSpPr>
-        <a:xfrm>
-          <a:off x="0" y="0"/>
-          <a:ext cx="0" cy="0"/>
-          <a:chOff x="0" y="0"/>
-          <a:chExt cx="0" cy="0"/>
-        </a:xfrm>
-      </p:grpSpPr>
-      <p:sp>
-        <p:nvSpPr>
-          <p:cNvPr id="2" name="標題 1">
-            <a:extLst>
-              <a:ext uri="{FF2B5EF4-FFF2-40B4-BE49-F238E27FC236}">
-                <a16:creationId xmlns:a16="http://schemas.microsoft.com/office/drawing/2014/main" xmlns="" id="{9F8C9F65-C4E2-46C4-BCF7-A94ED1FEB60C}"/>
-              </a:ext>
-            </a:extLst>
-          </p:cNvPr>
-          <p:cNvSpPr>
-            <a:spLocks noGrp="1"/>
-          </p:cNvSpPr>
-          <p:nvPr>
-            <p:ph type="title"/>
-          </p:nvPr>
-        </p:nvSpPr>
-        <p:spPr/>
-        <p:txBody>
-          <a:bodyPr>
-            <a:normAutofit/>
-          </a:bodyPr>
-          <a:lstStyle/>
-          <a:p>
-            <a:r>
-              <a:rPr lang="en-US" altLang="zh-TW" dirty="0" err="1"/>
-              <a:t>Git</a:t>
-            </a:r>
-            <a:r>
-              <a:rPr lang="en-US" altLang="zh-TW" dirty="0"/>
-              <a:t> Screenshot</a:t>
-            </a:r>
-            <a:endParaRPr lang="en-US" altLang="zh-TW" dirty="0"/>
-          </a:p>
-        </p:txBody>
-      </p:sp>
-      <p:sp>
-        <p:nvSpPr>
-          <p:cNvPr id="3" name="投影片編號版面配置區 2">
-            <a:extLst>
-              <a:ext uri="{FF2B5EF4-FFF2-40B4-BE49-F238E27FC236}">
-                <a16:creationId xmlns:a16="http://schemas.microsoft.com/office/drawing/2014/main" xmlns="" id="{2E6C1CB4-4587-4293-98FA-0C5F7A405DC7}"/>
-              </a:ext>
-            </a:extLst>
-          </p:cNvPr>
-          <p:cNvSpPr>
-            <a:spLocks noGrp="1"/>
-          </p:cNvSpPr>
-          <p:nvPr>
-            <p:ph type="sldNum" sz="quarter" idx="12"/>
-          </p:nvPr>
-        </p:nvSpPr>
-        <p:spPr/>
-        <p:txBody>
-          <a:bodyPr/>
-          <a:lstStyle/>
-          <a:p>
-            <a:fld id="{8EABE232-0F07-4D20-8124-36AAEDF61BD7}" type="slidenum">
-              <a:rPr lang="zh-TW" altLang="en-US" smtClean="0"/>
-              <a:t>12</a:t>
-            </a:fld>
-            <a:endParaRPr lang="zh-TW" altLang="en-US"/>
-          </a:p>
-        </p:txBody>
-      </p:sp>
-      <p:sp>
-        <p:nvSpPr>
-          <p:cNvPr id="4" name="文字版面配置區 3">
-            <a:extLst>
-              <a:ext uri="{FF2B5EF4-FFF2-40B4-BE49-F238E27FC236}">
-                <a16:creationId xmlns:a16="http://schemas.microsoft.com/office/drawing/2014/main" xmlns="" id="{C11D78B0-AEE6-44B7-AA09-A6E17092CF2E}"/>
-              </a:ext>
-            </a:extLst>
-          </p:cNvPr>
-          <p:cNvSpPr>
-            <a:spLocks noGrp="1"/>
-          </p:cNvSpPr>
-          <p:nvPr>
-            <p:ph type="body" sz="quarter" idx="13"/>
-          </p:nvPr>
-        </p:nvSpPr>
-        <p:spPr/>
-        <p:txBody>
-          <a:bodyPr/>
-          <a:lstStyle/>
-          <a:p>
-            <a:endParaRPr lang="en-US" altLang="zh-TW" dirty="0"/>
-          </a:p>
-        </p:txBody>
-      </p:sp>
-    </p:spTree>
-    <p:extLst>
-      <p:ext uri="{BB962C8B-B14F-4D97-AF65-F5344CB8AC3E}">
-        <p14:creationId xmlns:p14="http://schemas.microsoft.com/office/powerpoint/2010/main" val="507626283"/>
-      </p:ext>
-    </p:extLst>
-  </p:cSld>
-  <p:clrMapOvr>
-    <a:masterClrMapping/>
-  </p:clrMapOvr>
-  <p:timing>
-    <p:tnLst>
-      <p:par>
-        <p:cTn id="1" dur="indefinite" restart="never" nodeType="tmRoot"/>
-      </p:par>
-    </p:tnLst>
-  </p:timing>
-</p:sld>
-</file>
-
-<file path=ppt/slides/slide13.xml><?xml version="1.0" encoding="utf-8"?>
-<p:sld xmlns:a="http://schemas.openxmlformats.org/drawingml/2006/main" xmlns:r="http://schemas.openxmlformats.org/officeDocument/2006/relationships" xmlns:p="http://schemas.openxmlformats.org/presentationml/2006/main">
-  <p:cSld>
-    <p:spTree>
-      <p:nvGrpSpPr>
-        <p:cNvPr id="1" name=""/>
-        <p:cNvGrpSpPr/>
-        <p:nvPr/>
-      </p:nvGrpSpPr>
-      <p:grpSpPr>
-        <a:xfrm>
-          <a:off x="0" y="0"/>
-          <a:ext cx="0" cy="0"/>
-          <a:chOff x="0" y="0"/>
-          <a:chExt cx="0" cy="0"/>
-        </a:xfrm>
-      </p:grpSpPr>
-      <p:sp>
-        <p:nvSpPr>
-          <p:cNvPr id="2" name="標題 1">
-            <a:extLst>
-              <a:ext uri="{FF2B5EF4-FFF2-40B4-BE49-F238E27FC236}">
-                <a16:creationId xmlns:a16="http://schemas.microsoft.com/office/drawing/2014/main" xmlns="" id="{9F8C9F65-C4E2-46C4-BCF7-A94ED1FEB60C}"/>
-              </a:ext>
-            </a:extLst>
-          </p:cNvPr>
-          <p:cNvSpPr>
-            <a:spLocks noGrp="1"/>
-          </p:cNvSpPr>
-          <p:nvPr>
-            <p:ph type="title"/>
-          </p:nvPr>
-        </p:nvSpPr>
-        <p:spPr/>
-        <p:txBody>
-          <a:bodyPr/>
-          <a:lstStyle/>
-          <a:p>
-            <a:r>
-              <a:rPr lang="en-US" altLang="zh-TW" dirty="0" smtClean="0"/>
-              <a:t>Conclusion</a:t>
-            </a:r>
-            <a:endParaRPr lang="zh-TW" altLang="en-US" dirty="0"/>
-          </a:p>
-        </p:txBody>
-      </p:sp>
-      <p:sp>
-        <p:nvSpPr>
-          <p:cNvPr id="3" name="投影片編號版面配置區 2">
-            <a:extLst>
-              <a:ext uri="{FF2B5EF4-FFF2-40B4-BE49-F238E27FC236}">
-                <a16:creationId xmlns:a16="http://schemas.microsoft.com/office/drawing/2014/main" xmlns="" id="{2E6C1CB4-4587-4293-98FA-0C5F7A405DC7}"/>
-              </a:ext>
-            </a:extLst>
-          </p:cNvPr>
-          <p:cNvSpPr>
-            <a:spLocks noGrp="1"/>
-          </p:cNvSpPr>
-          <p:nvPr>
-            <p:ph type="sldNum" sz="quarter" idx="12"/>
-          </p:nvPr>
-        </p:nvSpPr>
-        <p:spPr/>
-        <p:txBody>
-          <a:bodyPr/>
-          <a:lstStyle/>
-          <a:p>
-            <a:fld id="{8EABE232-0F07-4D20-8124-36AAEDF61BD7}" type="slidenum">
-              <a:rPr lang="zh-TW" altLang="en-US" smtClean="0"/>
-              <a:t>13</a:t>
-            </a:fld>
-            <a:endParaRPr lang="zh-TW" altLang="en-US"/>
-          </a:p>
-        </p:txBody>
-      </p:sp>
-      <p:sp>
-        <p:nvSpPr>
-          <p:cNvPr id="5" name="文字版面配置區 4"/>
-          <p:cNvSpPr>
-            <a:spLocks noGrp="1"/>
-          </p:cNvSpPr>
-          <p:nvPr>
-            <p:ph type="body" sz="quarter" idx="13"/>
-          </p:nvPr>
-        </p:nvSpPr>
-        <p:spPr/>
-        <p:txBody>
-          <a:bodyPr/>
-          <a:lstStyle/>
-          <a:p>
-            <a:endParaRPr lang="zh-TW" altLang="en-US" dirty="0"/>
-          </a:p>
-        </p:txBody>
-      </p:sp>
-    </p:spTree>
-    <p:extLst>
-      <p:ext uri="{BB962C8B-B14F-4D97-AF65-F5344CB8AC3E}">
-        <p14:creationId xmlns:p14="http://schemas.microsoft.com/office/powerpoint/2010/main" val="724009393"/>
-      </p:ext>
-    </p:extLst>
-  </p:cSld>
-  <p:clrMapOvr>
-    <a:masterClrMapping/>
-  </p:clrMapOvr>
-  <p:timing>
-    <p:tnLst>
-      <p:par>
-        <p:cTn id="1" dur="indefinite" restart="never" nodeType="tmRoot"/>
-      </p:par>
-    </p:tnLst>
-  </p:timing>
-</p:sld>
-</file>
-
-<file path=ppt/slides/slide2.xml><?xml version="1.0" encoding="utf-8"?>
-<p:sld xmlns:a="http://schemas.openxmlformats.org/drawingml/2006/main" xmlns:r="http://schemas.openxmlformats.org/officeDocument/2006/relationships" xmlns:p="http://schemas.openxmlformats.org/presentationml/2006/main">
-  <p:cSld>
-    <p:spTree>
-      <p:nvGrpSpPr>
-        <p:cNvPr id="1" name=""/>
-        <p:cNvGrpSpPr/>
-        <p:nvPr/>
-      </p:nvGrpSpPr>
-      <p:grpSpPr>
-        <a:xfrm>
-          <a:off x="0" y="0"/>
-          <a:ext cx="0" cy="0"/>
-          <a:chOff x="0" y="0"/>
-          <a:chExt cx="0" cy="0"/>
-        </a:xfrm>
-      </p:grpSpPr>
-      <p:sp>
-        <p:nvSpPr>
-          <p:cNvPr id="2" name="內容版面配置區 1">
-            <a:extLst>
-              <a:ext uri="{FF2B5EF4-FFF2-40B4-BE49-F238E27FC236}">
-                <a16:creationId xmlns:a16="http://schemas.microsoft.com/office/drawing/2014/main" xmlns="" id="{8222A7BA-065F-4B29-88B8-ECB9FC7284E1}"/>
-              </a:ext>
-            </a:extLst>
-          </p:cNvPr>
-          <p:cNvSpPr>
-            <a:spLocks noGrp="1"/>
-          </p:cNvSpPr>
-          <p:nvPr>
-            <p:ph idx="1"/>
-          </p:nvPr>
-        </p:nvSpPr>
-        <p:spPr/>
-        <p:txBody>
-          <a:bodyPr>
-            <a:normAutofit/>
-          </a:bodyPr>
-          <a:lstStyle/>
-          <a:p>
-            <a:pPr marL="457200" indent="-457200"/>
-            <a:r>
-              <a:rPr lang="en-US" altLang="zh-TW" dirty="0" smtClean="0">
-                <a:solidFill>
-                  <a:schemeClr val="tx1"/>
-                </a:solidFill>
-              </a:rPr>
-              <a:t>Introduction</a:t>
-            </a:r>
-          </a:p>
-          <a:p>
-            <a:pPr marL="457200" indent="-457200"/>
-            <a:r>
-              <a:rPr lang="en-US" altLang="zh-TW" dirty="0" smtClean="0">
-                <a:solidFill>
-                  <a:schemeClr val="tx1"/>
-                </a:solidFill>
-              </a:rPr>
-              <a:t>Class Diagram / Refactoring</a:t>
-            </a:r>
-            <a:endParaRPr lang="en-US" altLang="zh-TW" dirty="0">
-              <a:solidFill>
-                <a:schemeClr val="tx1"/>
-              </a:solidFill>
-            </a:endParaRPr>
-          </a:p>
-          <a:p>
-            <a:pPr marL="457200" indent="-457200"/>
-            <a:r>
-              <a:rPr lang="en-US" altLang="zh-TW" dirty="0" err="1" smtClean="0">
-                <a:solidFill>
-                  <a:schemeClr val="tx1"/>
-                </a:solidFill>
-              </a:rPr>
-              <a:t>Git</a:t>
-            </a:r>
-            <a:r>
-              <a:rPr lang="en-US" altLang="zh-TW" dirty="0" smtClean="0">
-                <a:solidFill>
-                  <a:schemeClr val="tx1"/>
-                </a:solidFill>
-              </a:rPr>
-              <a:t> Screenshot</a:t>
-            </a:r>
-          </a:p>
-          <a:p>
-            <a:pPr marL="457200" indent="-457200"/>
-            <a:r>
-              <a:rPr lang="en-US" altLang="zh-TW" dirty="0" smtClean="0">
-                <a:solidFill>
-                  <a:schemeClr val="tx1"/>
-                </a:solidFill>
-              </a:rPr>
-              <a:t>Conclusion</a:t>
-            </a:r>
-          </a:p>
-        </p:txBody>
-      </p:sp>
-      <p:sp>
-        <p:nvSpPr>
-          <p:cNvPr id="3" name="投影片編號版面配置區 2">
-            <a:extLst>
-              <a:ext uri="{FF2B5EF4-FFF2-40B4-BE49-F238E27FC236}">
-                <a16:creationId xmlns:a16="http://schemas.microsoft.com/office/drawing/2014/main" xmlns="" id="{A240FA82-BD60-402B-B530-F1F9066C0F0C}"/>
-              </a:ext>
-            </a:extLst>
-          </p:cNvPr>
-          <p:cNvSpPr>
-            <a:spLocks noGrp="1"/>
-          </p:cNvSpPr>
-          <p:nvPr>
-            <p:ph type="sldNum" sz="quarter" idx="12"/>
-          </p:nvPr>
-        </p:nvSpPr>
-        <p:spPr/>
-        <p:txBody>
-          <a:bodyPr/>
-          <a:lstStyle/>
-          <a:p>
-            <a:fld id="{8EABE232-0F07-4D20-8124-36AAEDF61BD7}" type="slidenum">
-              <a:rPr lang="zh-TW" altLang="en-US" smtClean="0"/>
-              <a:t>2</a:t>
-            </a:fld>
-            <a:endParaRPr lang="zh-TW" altLang="en-US" dirty="0"/>
-          </a:p>
-        </p:txBody>
-      </p:sp>
-    </p:spTree>
-    <p:extLst>
-      <p:ext uri="{BB962C8B-B14F-4D97-AF65-F5344CB8AC3E}">
-        <p14:creationId xmlns:p14="http://schemas.microsoft.com/office/powerpoint/2010/main" val="697907432"/>
-      </p:ext>
-    </p:extLst>
-  </p:cSld>
-  <p:clrMapOvr>
-    <a:masterClrMapping/>
-  </p:clrMapOvr>
-  <p:timing>
-    <p:tnLst>
-      <p:par>
-        <p:cTn id="1" dur="indefinite" restart="never" nodeType="tmRoot"/>
-      </p:par>
-    </p:tnLst>
-  </p:timing>
-</p:sld>
-</file>
-
-<file path=ppt/slides/slide3.xml><?xml version="1.0" encoding="utf-8"?>
-<p:sld xmlns:a="http://schemas.openxmlformats.org/drawingml/2006/main" xmlns:r="http://schemas.openxmlformats.org/officeDocument/2006/relationships" xmlns:p="http://schemas.openxmlformats.org/presentationml/2006/main">
-  <p:cSld>
-    <p:spTree>
-      <p:nvGrpSpPr>
-        <p:cNvPr id="1" name=""/>
-        <p:cNvGrpSpPr/>
-        <p:nvPr/>
-      </p:nvGrpSpPr>
-      <p:grpSpPr>
-        <a:xfrm>
-          <a:off x="0" y="0"/>
-          <a:ext cx="0" cy="0"/>
-          <a:chOff x="0" y="0"/>
-          <a:chExt cx="0" cy="0"/>
-        </a:xfrm>
-      </p:grpSpPr>
-      <p:sp>
-        <p:nvSpPr>
-          <p:cNvPr id="2" name="標題 1">
-            <a:extLst>
-              <a:ext uri="{FF2B5EF4-FFF2-40B4-BE49-F238E27FC236}">
-                <a16:creationId xmlns:a16="http://schemas.microsoft.com/office/drawing/2014/main" xmlns="" id="{131DDC57-05D8-4A6C-BB8C-1BB0983451C6}"/>
-              </a:ext>
-            </a:extLst>
-          </p:cNvPr>
-          <p:cNvSpPr>
-            <a:spLocks noGrp="1"/>
-          </p:cNvSpPr>
-          <p:nvPr>
-            <p:ph type="title"/>
-          </p:nvPr>
-        </p:nvSpPr>
-        <p:spPr/>
-        <p:txBody>
-          <a:bodyPr>
-            <a:normAutofit/>
-          </a:bodyPr>
-          <a:lstStyle/>
-          <a:p>
-            <a:r>
-              <a:rPr lang="en-US" altLang="zh-TW" dirty="0" smtClean="0"/>
-              <a:t>ER Diagram</a:t>
-            </a:r>
-            <a:endParaRPr lang="zh-TW" altLang="en-US" dirty="0"/>
-          </a:p>
-        </p:txBody>
-      </p:sp>
-      <p:sp>
-        <p:nvSpPr>
-          <p:cNvPr id="4" name="投影片編號版面配置區 3">
-            <a:extLst>
-              <a:ext uri="{FF2B5EF4-FFF2-40B4-BE49-F238E27FC236}">
-                <a16:creationId xmlns:a16="http://schemas.microsoft.com/office/drawing/2014/main" xmlns="" id="{B4C0996B-F2B4-410F-82F8-2B45C7794E21}"/>
-              </a:ext>
-            </a:extLst>
-          </p:cNvPr>
-          <p:cNvSpPr>
-            <a:spLocks noGrp="1"/>
-          </p:cNvSpPr>
-          <p:nvPr>
-            <p:ph type="sldNum" sz="quarter" idx="12"/>
-          </p:nvPr>
-        </p:nvSpPr>
-        <p:spPr/>
-        <p:txBody>
-          <a:bodyPr/>
-          <a:lstStyle/>
-          <a:p>
-            <a:fld id="{8EABE232-0F07-4D20-8124-36AAEDF61BD7}" type="slidenum">
-              <a:rPr lang="zh-TW" altLang="en-US" smtClean="0"/>
-              <a:t>3</a:t>
-            </a:fld>
-            <a:endParaRPr lang="zh-TW" altLang="en-US"/>
-          </a:p>
-        </p:txBody>
-      </p:sp>
-      <p:sp>
-        <p:nvSpPr>
-          <p:cNvPr id="6" name="文字版面配置區 5">
-            <a:extLst>
-              <a:ext uri="{FF2B5EF4-FFF2-40B4-BE49-F238E27FC236}">
-                <a16:creationId xmlns:a16="http://schemas.microsoft.com/office/drawing/2014/main" xmlns="" id="{9143C092-D645-4A12-9884-7D9F916B71A7}"/>
-              </a:ext>
-            </a:extLst>
-          </p:cNvPr>
-          <p:cNvSpPr>
-            <a:spLocks noGrp="1"/>
-          </p:cNvSpPr>
-          <p:nvPr>
-            <p:ph type="body" sz="quarter" idx="13"/>
-          </p:nvPr>
-        </p:nvSpPr>
-        <p:spPr/>
-        <p:txBody>
-          <a:bodyPr/>
-          <a:lstStyle/>
-          <a:p>
-            <a:r>
-              <a:rPr lang="en-US" altLang="zh-TW" dirty="0" smtClean="0"/>
-              <a:t>Introduction</a:t>
-            </a:r>
-            <a:endParaRPr lang="zh-TW" altLang="en-US" dirty="0"/>
-          </a:p>
-        </p:txBody>
-      </p:sp>
-      <p:pic>
-        <p:nvPicPr>
-          <p:cNvPr id="7" name="圖片 6"/>
-          <p:cNvPicPr/>
-          <p:nvPr/>
-        </p:nvPicPr>
-        <p:blipFill>
-          <a:blip r:embed="rId2">
-            <a:extLst>
-              <a:ext uri="{28A0092B-C50C-407E-A947-70E740481C1C}">
-                <a14:useLocalDpi xmlns:a14="http://schemas.microsoft.com/office/drawing/2010/main" val="0"/>
-              </a:ext>
-            </a:extLst>
-          </a:blip>
-          <a:stretch>
-            <a:fillRect/>
-          </a:stretch>
-        </p:blipFill>
-        <p:spPr>
-          <a:xfrm>
-            <a:off x="4123372" y="898649"/>
-            <a:ext cx="6534468" cy="5457701"/>
-          </a:xfrm>
-          <a:prstGeom prst="rect">
-            <a:avLst/>
-          </a:prstGeom>
-        </p:spPr>
-      </p:pic>
-    </p:spTree>
-    <p:extLst>
-      <p:ext uri="{BB962C8B-B14F-4D97-AF65-F5344CB8AC3E}">
-        <p14:creationId xmlns:p14="http://schemas.microsoft.com/office/powerpoint/2010/main" val="1541309019"/>
-      </p:ext>
-    </p:extLst>
-  </p:cSld>
-  <p:clrMapOvr>
-    <a:masterClrMapping/>
-  </p:clrMapOvr>
-  <p:timing>
-    <p:tnLst>
-      <p:par>
-        <p:cTn id="1" dur="indefinite" restart="never" nodeType="tmRoot"/>
-      </p:par>
-    </p:tnLst>
-  </p:timing>
-</p:sld>
-</file>
-
-<file path=ppt/slides/slide4.xml><?xml version="1.0" encoding="utf-8"?>
-<p:sld xmlns:a="http://schemas.openxmlformats.org/drawingml/2006/main" xmlns:r="http://schemas.openxmlformats.org/officeDocument/2006/relationships" xmlns:p="http://schemas.openxmlformats.org/presentationml/2006/main">
-  <p:cSld>
-    <p:spTree>
-      <p:nvGrpSpPr>
-        <p:cNvPr id="1" name=""/>
-        <p:cNvGrpSpPr/>
-        <p:nvPr/>
-      </p:nvGrpSpPr>
-      <p:grpSpPr>
-        <a:xfrm>
-          <a:off x="0" y="0"/>
-          <a:ext cx="0" cy="0"/>
-          <a:chOff x="0" y="0"/>
-          <a:chExt cx="0" cy="0"/>
-        </a:xfrm>
-      </p:grpSpPr>
-      <p:sp>
-        <p:nvSpPr>
-          <p:cNvPr id="2" name="標題 1">
-            <a:extLst>
-              <a:ext uri="{FF2B5EF4-FFF2-40B4-BE49-F238E27FC236}">
-                <a16:creationId xmlns:a16="http://schemas.microsoft.com/office/drawing/2014/main" xmlns="" id="{131DDC57-05D8-4A6C-BB8C-1BB0983451C6}"/>
-              </a:ext>
-            </a:extLst>
-          </p:cNvPr>
-          <p:cNvSpPr>
-            <a:spLocks noGrp="1"/>
-          </p:cNvSpPr>
-          <p:nvPr>
-            <p:ph type="title"/>
-          </p:nvPr>
-        </p:nvSpPr>
-        <p:spPr/>
-        <p:txBody>
-          <a:bodyPr>
-            <a:normAutofit/>
-          </a:bodyPr>
-          <a:lstStyle/>
-          <a:p>
-            <a:r>
-              <a:rPr lang="en-US" altLang="zh-TW" dirty="0" smtClean="0"/>
-              <a:t>Screenshot</a:t>
-            </a:r>
-            <a:endParaRPr lang="zh-TW" altLang="en-US" dirty="0"/>
-          </a:p>
-        </p:txBody>
-      </p:sp>
-      <p:sp>
-        <p:nvSpPr>
-          <p:cNvPr id="4" name="投影片編號版面配置區 3">
-            <a:extLst>
-              <a:ext uri="{FF2B5EF4-FFF2-40B4-BE49-F238E27FC236}">
-                <a16:creationId xmlns:a16="http://schemas.microsoft.com/office/drawing/2014/main" xmlns="" id="{B4C0996B-F2B4-410F-82F8-2B45C7794E21}"/>
-              </a:ext>
-            </a:extLst>
-          </p:cNvPr>
-          <p:cNvSpPr>
-            <a:spLocks noGrp="1"/>
-          </p:cNvSpPr>
-          <p:nvPr>
-            <p:ph type="sldNum" sz="quarter" idx="12"/>
-          </p:nvPr>
-        </p:nvSpPr>
-        <p:spPr/>
-        <p:txBody>
-          <a:bodyPr/>
-          <a:lstStyle/>
-          <a:p>
-            <a:fld id="{8EABE232-0F07-4D20-8124-36AAEDF61BD7}" type="slidenum">
-              <a:rPr lang="zh-TW" altLang="en-US" smtClean="0"/>
-              <a:t>4</a:t>
-            </a:fld>
-            <a:endParaRPr lang="zh-TW" altLang="en-US"/>
-          </a:p>
-        </p:txBody>
-      </p:sp>
-      <p:sp>
-        <p:nvSpPr>
-          <p:cNvPr id="6" name="文字版面配置區 5">
-            <a:extLst>
-              <a:ext uri="{FF2B5EF4-FFF2-40B4-BE49-F238E27FC236}">
-                <a16:creationId xmlns:a16="http://schemas.microsoft.com/office/drawing/2014/main" xmlns="" id="{9143C092-D645-4A12-9884-7D9F916B71A7}"/>
-              </a:ext>
-            </a:extLst>
-          </p:cNvPr>
-          <p:cNvSpPr>
-            <a:spLocks noGrp="1"/>
-          </p:cNvSpPr>
-          <p:nvPr>
-            <p:ph type="body" sz="quarter" idx="13"/>
-          </p:nvPr>
-        </p:nvSpPr>
-        <p:spPr/>
-        <p:txBody>
-          <a:bodyPr/>
-          <a:lstStyle/>
-          <a:p>
-            <a:r>
-              <a:rPr lang="en-US" altLang="zh-TW" dirty="0"/>
-              <a:t>Introduction</a:t>
-            </a:r>
-            <a:endParaRPr lang="zh-TW" altLang="en-US" dirty="0"/>
-          </a:p>
-        </p:txBody>
-      </p:sp>
-      <p:pic>
-        <p:nvPicPr>
-          <p:cNvPr id="8" name="圖片 7"/>
-          <p:cNvPicPr/>
-          <p:nvPr/>
-        </p:nvPicPr>
-        <p:blipFill>
-          <a:blip r:embed="rId2"/>
-          <a:stretch>
-            <a:fillRect/>
-          </a:stretch>
-        </p:blipFill>
-        <p:spPr>
-          <a:xfrm>
-            <a:off x="1301446" y="2005648"/>
-            <a:ext cx="9589108" cy="2858135"/>
-          </a:xfrm>
-          <a:prstGeom prst="rect">
-            <a:avLst/>
-          </a:prstGeom>
-        </p:spPr>
-      </p:pic>
-    </p:spTree>
-    <p:extLst>
-      <p:ext uri="{BB962C8B-B14F-4D97-AF65-F5344CB8AC3E}">
-        <p14:creationId xmlns:p14="http://schemas.microsoft.com/office/powerpoint/2010/main" val="3938618825"/>
-      </p:ext>
-    </p:extLst>
-  </p:cSld>
-  <p:clrMapOvr>
-    <a:masterClrMapping/>
-  </p:clrMapOvr>
-  <p:timing>
-    <p:tnLst>
-      <p:par>
-        <p:cTn id="1" dur="indefinite" restart="never" nodeType="tmRoot"/>
-      </p:par>
-    </p:tnLst>
-  </p:timing>
-</p:sld>
-</file>
-
-<file path=ppt/slides/slide5.xml><?xml version="1.0" encoding="utf-8"?>
-<p:sld xmlns:a="http://schemas.openxmlformats.org/drawingml/2006/main" xmlns:r="http://schemas.openxmlformats.org/officeDocument/2006/relationships" xmlns:p="http://schemas.openxmlformats.org/presentationml/2006/main">
-  <p:cSld>
-    <p:spTree>
-      <p:nvGrpSpPr>
-        <p:cNvPr id="1" name=""/>
-        <p:cNvGrpSpPr/>
-        <p:nvPr/>
-      </p:nvGrpSpPr>
-      <p:grpSpPr>
-        <a:xfrm>
-          <a:off x="0" y="0"/>
-          <a:ext cx="0" cy="0"/>
-          <a:chOff x="0" y="0"/>
-          <a:chExt cx="0" cy="0"/>
-        </a:xfrm>
-      </p:grpSpPr>
-      <p:sp>
-        <p:nvSpPr>
-          <p:cNvPr id="2" name="標題 1">
-            <a:extLst>
-              <a:ext uri="{FF2B5EF4-FFF2-40B4-BE49-F238E27FC236}">
-                <a16:creationId xmlns:a16="http://schemas.microsoft.com/office/drawing/2014/main" xmlns="" id="{131DDC57-05D8-4A6C-BB8C-1BB0983451C6}"/>
-              </a:ext>
-            </a:extLst>
-          </p:cNvPr>
-          <p:cNvSpPr>
-            <a:spLocks noGrp="1"/>
-          </p:cNvSpPr>
-          <p:nvPr>
-            <p:ph type="title"/>
-          </p:nvPr>
-        </p:nvSpPr>
-        <p:spPr/>
-        <p:txBody>
-          <a:bodyPr>
-            <a:normAutofit/>
-          </a:bodyPr>
-          <a:lstStyle/>
-          <a:p>
-            <a:r>
-              <a:rPr lang="en-US" altLang="zh-TW" dirty="0" smtClean="0"/>
-              <a:t>Screenshot</a:t>
-            </a:r>
-            <a:endParaRPr lang="zh-TW" altLang="en-US" dirty="0"/>
-          </a:p>
-        </p:txBody>
-      </p:sp>
-      <p:sp>
-        <p:nvSpPr>
-          <p:cNvPr id="4" name="投影片編號版面配置區 3">
-            <a:extLst>
-              <a:ext uri="{FF2B5EF4-FFF2-40B4-BE49-F238E27FC236}">
-                <a16:creationId xmlns:a16="http://schemas.microsoft.com/office/drawing/2014/main" xmlns="" id="{B4C0996B-F2B4-410F-82F8-2B45C7794E21}"/>
-              </a:ext>
-            </a:extLst>
-          </p:cNvPr>
-          <p:cNvSpPr>
-            <a:spLocks noGrp="1"/>
-          </p:cNvSpPr>
-          <p:nvPr>
-            <p:ph type="sldNum" sz="quarter" idx="12"/>
-          </p:nvPr>
-        </p:nvSpPr>
-        <p:spPr/>
-        <p:txBody>
-          <a:bodyPr/>
-          <a:lstStyle/>
-          <a:p>
-            <a:fld id="{8EABE232-0F07-4D20-8124-36AAEDF61BD7}" type="slidenum">
-              <a:rPr lang="zh-TW" altLang="en-US" smtClean="0"/>
-              <a:t>5</a:t>
-            </a:fld>
-            <a:endParaRPr lang="zh-TW" altLang="en-US"/>
-          </a:p>
-        </p:txBody>
-      </p:sp>
-      <p:sp>
-        <p:nvSpPr>
-          <p:cNvPr id="6" name="文字版面配置區 5">
-            <a:extLst>
-              <a:ext uri="{FF2B5EF4-FFF2-40B4-BE49-F238E27FC236}">
-                <a16:creationId xmlns:a16="http://schemas.microsoft.com/office/drawing/2014/main" xmlns="" id="{9143C092-D645-4A12-9884-7D9F916B71A7}"/>
-              </a:ext>
-            </a:extLst>
-          </p:cNvPr>
-          <p:cNvSpPr>
-            <a:spLocks noGrp="1"/>
-          </p:cNvSpPr>
-          <p:nvPr>
-            <p:ph type="body" sz="quarter" idx="13"/>
-          </p:nvPr>
-        </p:nvSpPr>
-        <p:spPr/>
-        <p:txBody>
-          <a:bodyPr/>
-          <a:lstStyle/>
-          <a:p>
-            <a:r>
-              <a:rPr lang="en-US" altLang="zh-TW" dirty="0"/>
-              <a:t>Introduction</a:t>
-            </a:r>
-            <a:endParaRPr lang="zh-TW" altLang="en-US" dirty="0"/>
-          </a:p>
-        </p:txBody>
-      </p:sp>
-      <p:pic>
-        <p:nvPicPr>
-          <p:cNvPr id="8" name="圖片 7"/>
-          <p:cNvPicPr/>
-          <p:nvPr/>
-        </p:nvPicPr>
-        <p:blipFill>
-          <a:blip r:embed="rId2"/>
-          <a:stretch>
-            <a:fillRect/>
-          </a:stretch>
-        </p:blipFill>
-        <p:spPr>
-          <a:xfrm>
-            <a:off x="444155" y="2678215"/>
-            <a:ext cx="5082885" cy="1515008"/>
-          </a:xfrm>
-          <a:prstGeom prst="rect">
-            <a:avLst/>
-          </a:prstGeom>
-        </p:spPr>
-      </p:pic>
-      <p:sp>
-        <p:nvSpPr>
-          <p:cNvPr id="7" name="圓角矩形 6"/>
-          <p:cNvSpPr/>
-          <p:nvPr/>
-        </p:nvSpPr>
-        <p:spPr>
-          <a:xfrm>
-            <a:off x="1861312" y="3339729"/>
-            <a:ext cx="1024128" cy="568960"/>
-          </a:xfrm>
-          <a:prstGeom prst="roundRect">
-            <a:avLst/>
-          </a:prstGeom>
-          <a:solidFill>
-            <a:srgbClr val="C00000">
-              <a:alpha val="39000"/>
-            </a:srgbClr>
-          </a:solidFill>
-          <a:ln>
-            <a:solidFill>
-              <a:schemeClr val="tx1"/>
-            </a:solidFill>
-          </a:ln>
-        </p:spPr>
-        <p:style>
-          <a:lnRef idx="2">
-            <a:schemeClr val="accent1">
-              <a:shade val="50000"/>
-            </a:schemeClr>
-          </a:lnRef>
-          <a:fillRef idx="1">
-            <a:schemeClr val="accent1"/>
-          </a:fillRef>
-          <a:effectRef idx="0">
-            <a:schemeClr val="accent1"/>
-          </a:effectRef>
-          <a:fontRef idx="minor">
-            <a:schemeClr val="lt1"/>
-          </a:fontRef>
-        </p:style>
-        <p:txBody>
-          <a:bodyPr rtlCol="0" anchor="ctr"/>
-          <a:lstStyle/>
-          <a:p>
-            <a:pPr algn="ctr"/>
-            <a:r>
-              <a:rPr lang="en-US" altLang="zh-TW" sz="2400" dirty="0" smtClean="0">
-                <a:solidFill>
-                  <a:schemeClr val="tx1"/>
-                </a:solidFill>
-              </a:rPr>
-              <a:t>Press</a:t>
-            </a:r>
-            <a:endParaRPr lang="zh-TW" altLang="en-US" sz="2400" dirty="0">
-              <a:solidFill>
-                <a:schemeClr val="tx1"/>
-              </a:solidFill>
-            </a:endParaRPr>
-          </a:p>
-        </p:txBody>
-      </p:sp>
-      <p:pic>
-        <p:nvPicPr>
-          <p:cNvPr id="9" name="圖片 8"/>
-          <p:cNvPicPr/>
-          <p:nvPr/>
-        </p:nvPicPr>
-        <p:blipFill>
-          <a:blip r:embed="rId3"/>
-          <a:stretch>
-            <a:fillRect/>
-          </a:stretch>
-        </p:blipFill>
-        <p:spPr>
-          <a:xfrm>
-            <a:off x="6096000" y="1410476"/>
-            <a:ext cx="5572760" cy="4427466"/>
-          </a:xfrm>
-          <a:prstGeom prst="rect">
-            <a:avLst/>
-          </a:prstGeom>
-        </p:spPr>
-      </p:pic>
-    </p:spTree>
-    <p:extLst>
-      <p:ext uri="{BB962C8B-B14F-4D97-AF65-F5344CB8AC3E}">
-        <p14:creationId xmlns:p14="http://schemas.microsoft.com/office/powerpoint/2010/main" val="1422350908"/>
-      </p:ext>
-    </p:extLst>
-  </p:cSld>
-  <p:clrMapOvr>
-    <a:masterClrMapping/>
-  </p:clrMapOvr>
-  <p:timing>
-    <p:tnLst>
-      <p:par>
-        <p:cTn id="1" dur="indefinite" restart="never" nodeType="tmRoot"/>
-      </p:par>
-    </p:tnLst>
-  </p:timing>
-</p:sld>
-</file>
-
-<file path=ppt/slides/slide6.xml><?xml version="1.0" encoding="utf-8"?>
-<p:sld xmlns:a="http://schemas.openxmlformats.org/drawingml/2006/main" xmlns:r="http://schemas.openxmlformats.org/officeDocument/2006/relationships" xmlns:p="http://schemas.openxmlformats.org/presentationml/2006/main">
-  <p:cSld>
-    <p:spTree>
-      <p:nvGrpSpPr>
-        <p:cNvPr id="1" name=""/>
-        <p:cNvGrpSpPr/>
-        <p:nvPr/>
-      </p:nvGrpSpPr>
-      <p:grpSpPr>
-        <a:xfrm>
-          <a:off x="0" y="0"/>
-          <a:ext cx="0" cy="0"/>
-          <a:chOff x="0" y="0"/>
-          <a:chExt cx="0" cy="0"/>
-        </a:xfrm>
-      </p:grpSpPr>
-      <p:sp>
-        <p:nvSpPr>
-          <p:cNvPr id="2" name="標題 1">
-            <a:extLst>
-              <a:ext uri="{FF2B5EF4-FFF2-40B4-BE49-F238E27FC236}">
-                <a16:creationId xmlns:a16="http://schemas.microsoft.com/office/drawing/2014/main" xmlns="" id="{131DDC57-05D8-4A6C-BB8C-1BB0983451C6}"/>
-              </a:ext>
-            </a:extLst>
-          </p:cNvPr>
-          <p:cNvSpPr>
-            <a:spLocks noGrp="1"/>
-          </p:cNvSpPr>
-          <p:nvPr>
-            <p:ph type="title"/>
-          </p:nvPr>
-        </p:nvSpPr>
-        <p:spPr/>
-        <p:txBody>
-          <a:bodyPr>
-            <a:normAutofit/>
-          </a:bodyPr>
-          <a:lstStyle/>
-          <a:p>
-            <a:r>
-              <a:rPr lang="en-US" altLang="zh-TW" dirty="0" smtClean="0"/>
-              <a:t>Screenshot</a:t>
-            </a:r>
-            <a:endParaRPr lang="zh-TW" altLang="en-US" dirty="0"/>
-          </a:p>
-        </p:txBody>
-      </p:sp>
-      <p:sp>
-        <p:nvSpPr>
-          <p:cNvPr id="4" name="投影片編號版面配置區 3">
-            <a:extLst>
-              <a:ext uri="{FF2B5EF4-FFF2-40B4-BE49-F238E27FC236}">
-                <a16:creationId xmlns:a16="http://schemas.microsoft.com/office/drawing/2014/main" xmlns="" id="{B4C0996B-F2B4-410F-82F8-2B45C7794E21}"/>
-              </a:ext>
-            </a:extLst>
-          </p:cNvPr>
-          <p:cNvSpPr>
-            <a:spLocks noGrp="1"/>
-          </p:cNvSpPr>
-          <p:nvPr>
-            <p:ph type="sldNum" sz="quarter" idx="12"/>
-          </p:nvPr>
-        </p:nvSpPr>
-        <p:spPr/>
-        <p:txBody>
-          <a:bodyPr/>
-          <a:lstStyle/>
-          <a:p>
-            <a:fld id="{8EABE232-0F07-4D20-8124-36AAEDF61BD7}" type="slidenum">
-              <a:rPr lang="zh-TW" altLang="en-US" smtClean="0"/>
-              <a:t>6</a:t>
-            </a:fld>
-            <a:endParaRPr lang="zh-TW" altLang="en-US"/>
-          </a:p>
-        </p:txBody>
-      </p:sp>
-      <p:sp>
-        <p:nvSpPr>
-          <p:cNvPr id="6" name="文字版面配置區 5">
-            <a:extLst>
-              <a:ext uri="{FF2B5EF4-FFF2-40B4-BE49-F238E27FC236}">
-                <a16:creationId xmlns:a16="http://schemas.microsoft.com/office/drawing/2014/main" xmlns="" id="{9143C092-D645-4A12-9884-7D9F916B71A7}"/>
-              </a:ext>
-            </a:extLst>
-          </p:cNvPr>
-          <p:cNvSpPr>
-            <a:spLocks noGrp="1"/>
-          </p:cNvSpPr>
-          <p:nvPr>
-            <p:ph type="body" sz="quarter" idx="13"/>
-          </p:nvPr>
-        </p:nvSpPr>
-        <p:spPr/>
-        <p:txBody>
-          <a:bodyPr/>
-          <a:lstStyle/>
-          <a:p>
-            <a:r>
-              <a:rPr lang="en-US" altLang="zh-TW" dirty="0"/>
-              <a:t>Introduction</a:t>
-            </a:r>
-            <a:endParaRPr lang="zh-TW" altLang="en-US" dirty="0"/>
-          </a:p>
-        </p:txBody>
-      </p:sp>
-      <p:pic>
-        <p:nvPicPr>
-          <p:cNvPr id="8" name="圖片 7"/>
-          <p:cNvPicPr/>
-          <p:nvPr/>
-        </p:nvPicPr>
-        <p:blipFill>
-          <a:blip r:embed="rId2"/>
-          <a:stretch>
-            <a:fillRect/>
-          </a:stretch>
-        </p:blipFill>
-        <p:spPr>
-          <a:xfrm>
-            <a:off x="444155" y="2678215"/>
-            <a:ext cx="5082885" cy="1515008"/>
-          </a:xfrm>
-          <a:prstGeom prst="rect">
-            <a:avLst/>
-          </a:prstGeom>
-        </p:spPr>
-      </p:pic>
-      <p:sp>
-        <p:nvSpPr>
-          <p:cNvPr id="7" name="圓角矩形 6"/>
-          <p:cNvSpPr/>
-          <p:nvPr/>
-        </p:nvSpPr>
-        <p:spPr>
-          <a:xfrm>
-            <a:off x="2867152" y="3339729"/>
-            <a:ext cx="1024128" cy="568960"/>
-          </a:xfrm>
-          <a:prstGeom prst="roundRect">
-            <a:avLst/>
-          </a:prstGeom>
-          <a:solidFill>
-            <a:srgbClr val="C00000">
-              <a:alpha val="39000"/>
-            </a:srgbClr>
-          </a:solidFill>
-          <a:ln>
-            <a:solidFill>
-              <a:schemeClr val="tx1"/>
-            </a:solidFill>
-          </a:ln>
-        </p:spPr>
-        <p:style>
-          <a:lnRef idx="2">
-            <a:schemeClr val="accent1">
-              <a:shade val="50000"/>
-            </a:schemeClr>
-          </a:lnRef>
-          <a:fillRef idx="1">
-            <a:schemeClr val="accent1"/>
-          </a:fillRef>
-          <a:effectRef idx="0">
-            <a:schemeClr val="accent1"/>
-          </a:effectRef>
-          <a:fontRef idx="minor">
-            <a:schemeClr val="lt1"/>
-          </a:fontRef>
-        </p:style>
-        <p:txBody>
-          <a:bodyPr rtlCol="0" anchor="ctr"/>
-          <a:lstStyle/>
-          <a:p>
-            <a:pPr algn="ctr"/>
-            <a:r>
-              <a:rPr lang="en-US" altLang="zh-TW" sz="2400" dirty="0" smtClean="0">
-                <a:solidFill>
-                  <a:schemeClr val="tx1"/>
-                </a:solidFill>
-              </a:rPr>
-              <a:t>Press</a:t>
-            </a:r>
-            <a:endParaRPr lang="zh-TW" altLang="en-US" sz="2400" dirty="0">
-              <a:solidFill>
-                <a:schemeClr val="tx1"/>
-              </a:solidFill>
-            </a:endParaRPr>
-          </a:p>
-        </p:txBody>
-      </p:sp>
-      <p:pic>
-        <p:nvPicPr>
-          <p:cNvPr id="10" name="圖片 9"/>
-          <p:cNvPicPr/>
-          <p:nvPr/>
-        </p:nvPicPr>
-        <p:blipFill>
-          <a:blip r:embed="rId3"/>
-          <a:stretch>
-            <a:fillRect/>
-          </a:stretch>
-        </p:blipFill>
-        <p:spPr>
-          <a:xfrm>
-            <a:off x="6126480" y="1014010"/>
-            <a:ext cx="5459095" cy="5014998"/>
-          </a:xfrm>
-          <a:prstGeom prst="rect">
-            <a:avLst/>
-          </a:prstGeom>
-        </p:spPr>
-      </p:pic>
-    </p:spTree>
-    <p:extLst>
-      <p:ext uri="{BB962C8B-B14F-4D97-AF65-F5344CB8AC3E}">
-        <p14:creationId xmlns:p14="http://schemas.microsoft.com/office/powerpoint/2010/main" val="244909102"/>
-      </p:ext>
-    </p:extLst>
-  </p:cSld>
-  <p:clrMapOvr>
-    <a:masterClrMapping/>
-  </p:clrMapOvr>
-  <p:timing>
-    <p:tnLst>
-      <p:par>
-        <p:cTn id="1" dur="indefinite" restart="never" nodeType="tmRoot"/>
-      </p:par>
-    </p:tnLst>
-  </p:timing>
-</p:sld>
-</file>
-
-<file path=ppt/slides/slide7.xml><?xml version="1.0" encoding="utf-8"?>
-<p:sld xmlns:a="http://schemas.openxmlformats.org/drawingml/2006/main" xmlns:r="http://schemas.openxmlformats.org/officeDocument/2006/relationships" xmlns:p="http://schemas.openxmlformats.org/presentationml/2006/main">
-  <p:cSld>
-    <p:spTree>
-      <p:nvGrpSpPr>
-        <p:cNvPr id="1" name=""/>
-        <p:cNvGrpSpPr/>
-        <p:nvPr/>
-      </p:nvGrpSpPr>
-      <p:grpSpPr>
-        <a:xfrm>
-          <a:off x="0" y="0"/>
-          <a:ext cx="0" cy="0"/>
-          <a:chOff x="0" y="0"/>
-          <a:chExt cx="0" cy="0"/>
-        </a:xfrm>
-      </p:grpSpPr>
-      <p:sp>
-        <p:nvSpPr>
-          <p:cNvPr id="2" name="標題 1">
-            <a:extLst>
-              <a:ext uri="{FF2B5EF4-FFF2-40B4-BE49-F238E27FC236}">
-                <a16:creationId xmlns:a16="http://schemas.microsoft.com/office/drawing/2014/main" xmlns="" id="{131DDC57-05D8-4A6C-BB8C-1BB0983451C6}"/>
-              </a:ext>
-            </a:extLst>
-          </p:cNvPr>
-          <p:cNvSpPr>
-            <a:spLocks noGrp="1"/>
-          </p:cNvSpPr>
-          <p:nvPr>
-            <p:ph type="title"/>
-          </p:nvPr>
-        </p:nvSpPr>
-        <p:spPr/>
-        <p:txBody>
-          <a:bodyPr>
-            <a:normAutofit/>
-          </a:bodyPr>
-          <a:lstStyle/>
-          <a:p>
-            <a:r>
-              <a:rPr lang="en-US" altLang="zh-TW" dirty="0" smtClean="0"/>
-              <a:t>Screenshot</a:t>
-            </a:r>
-            <a:endParaRPr lang="zh-TW" altLang="en-US" dirty="0"/>
-          </a:p>
-        </p:txBody>
-      </p:sp>
-      <p:sp>
-        <p:nvSpPr>
-          <p:cNvPr id="4" name="投影片編號版面配置區 3">
-            <a:extLst>
-              <a:ext uri="{FF2B5EF4-FFF2-40B4-BE49-F238E27FC236}">
-                <a16:creationId xmlns:a16="http://schemas.microsoft.com/office/drawing/2014/main" xmlns="" id="{B4C0996B-F2B4-410F-82F8-2B45C7794E21}"/>
-              </a:ext>
-            </a:extLst>
-          </p:cNvPr>
-          <p:cNvSpPr>
-            <a:spLocks noGrp="1"/>
-          </p:cNvSpPr>
-          <p:nvPr>
-            <p:ph type="sldNum" sz="quarter" idx="12"/>
-          </p:nvPr>
-        </p:nvSpPr>
-        <p:spPr/>
-        <p:txBody>
-          <a:bodyPr/>
-          <a:lstStyle/>
-          <a:p>
-            <a:fld id="{8EABE232-0F07-4D20-8124-36AAEDF61BD7}" type="slidenum">
-              <a:rPr lang="zh-TW" altLang="en-US" smtClean="0"/>
-              <a:t>7</a:t>
-            </a:fld>
-            <a:endParaRPr lang="zh-TW" altLang="en-US"/>
-          </a:p>
-        </p:txBody>
-      </p:sp>
-      <p:sp>
-        <p:nvSpPr>
-          <p:cNvPr id="6" name="文字版面配置區 5">
-            <a:extLst>
-              <a:ext uri="{FF2B5EF4-FFF2-40B4-BE49-F238E27FC236}">
-                <a16:creationId xmlns:a16="http://schemas.microsoft.com/office/drawing/2014/main" xmlns="" id="{9143C092-D645-4A12-9884-7D9F916B71A7}"/>
-              </a:ext>
-            </a:extLst>
-          </p:cNvPr>
-          <p:cNvSpPr>
-            <a:spLocks noGrp="1"/>
-          </p:cNvSpPr>
-          <p:nvPr>
-            <p:ph type="body" sz="quarter" idx="13"/>
-          </p:nvPr>
-        </p:nvSpPr>
-        <p:spPr/>
-        <p:txBody>
-          <a:bodyPr/>
-          <a:lstStyle/>
-          <a:p>
-            <a:r>
-              <a:rPr lang="en-US" altLang="zh-TW" dirty="0"/>
-              <a:t>Introduction</a:t>
-            </a:r>
-            <a:endParaRPr lang="zh-TW" altLang="en-US" dirty="0"/>
-          </a:p>
-        </p:txBody>
-      </p:sp>
-      <p:pic>
-        <p:nvPicPr>
-          <p:cNvPr id="8" name="圖片 7"/>
-          <p:cNvPicPr/>
-          <p:nvPr/>
-        </p:nvPicPr>
-        <p:blipFill>
-          <a:blip r:embed="rId2"/>
-          <a:stretch>
-            <a:fillRect/>
-          </a:stretch>
-        </p:blipFill>
-        <p:spPr>
-          <a:xfrm>
-            <a:off x="6167120" y="2375836"/>
-            <a:ext cx="5090160" cy="2760359"/>
-          </a:xfrm>
-          <a:prstGeom prst="rect">
-            <a:avLst/>
-          </a:prstGeom>
-        </p:spPr>
-      </p:pic>
-      <p:pic>
-        <p:nvPicPr>
-          <p:cNvPr id="10" name="圖片 9"/>
-          <p:cNvPicPr/>
-          <p:nvPr/>
-        </p:nvPicPr>
-        <p:blipFill>
-          <a:blip r:embed="rId3"/>
-          <a:stretch>
-            <a:fillRect/>
-          </a:stretch>
-        </p:blipFill>
-        <p:spPr>
-          <a:xfrm>
-            <a:off x="949960" y="1690688"/>
-            <a:ext cx="4722495" cy="4338320"/>
-          </a:xfrm>
-          <a:prstGeom prst="rect">
-            <a:avLst/>
-          </a:prstGeom>
-        </p:spPr>
-      </p:pic>
-      <p:sp>
-        <p:nvSpPr>
-          <p:cNvPr id="3" name="圓角矩形 2"/>
-          <p:cNvSpPr/>
-          <p:nvPr/>
-        </p:nvSpPr>
-        <p:spPr>
-          <a:xfrm>
-            <a:off x="4187952" y="2900683"/>
-            <a:ext cx="1024128" cy="568960"/>
-          </a:xfrm>
-          <a:prstGeom prst="roundRect">
-            <a:avLst/>
-          </a:prstGeom>
-          <a:solidFill>
-            <a:srgbClr val="C00000">
-              <a:alpha val="39000"/>
-            </a:srgbClr>
-          </a:solidFill>
-          <a:ln>
-            <a:solidFill>
-              <a:schemeClr val="tx1"/>
-            </a:solidFill>
-          </a:ln>
-        </p:spPr>
-        <p:style>
-          <a:lnRef idx="2">
-            <a:schemeClr val="accent1">
-              <a:shade val="50000"/>
-            </a:schemeClr>
-          </a:lnRef>
-          <a:fillRef idx="1">
-            <a:schemeClr val="accent1"/>
-          </a:fillRef>
-          <a:effectRef idx="0">
-            <a:schemeClr val="accent1"/>
-          </a:effectRef>
-          <a:fontRef idx="minor">
-            <a:schemeClr val="lt1"/>
-          </a:fontRef>
-        </p:style>
-        <p:txBody>
-          <a:bodyPr rtlCol="0" anchor="ctr"/>
-          <a:lstStyle/>
-          <a:p>
-            <a:pPr algn="ctr"/>
-            <a:r>
-              <a:rPr lang="en-US" altLang="zh-TW" sz="2400" dirty="0" smtClean="0">
-                <a:solidFill>
-                  <a:schemeClr val="tx1"/>
-                </a:solidFill>
-              </a:rPr>
-              <a:t>Press</a:t>
-            </a:r>
-            <a:endParaRPr lang="zh-TW" altLang="en-US" sz="2400" dirty="0">
-              <a:solidFill>
-                <a:schemeClr val="tx1"/>
-              </a:solidFill>
-            </a:endParaRPr>
-          </a:p>
-        </p:txBody>
-      </p:sp>
-    </p:spTree>
-    <p:extLst>
-      <p:ext uri="{BB962C8B-B14F-4D97-AF65-F5344CB8AC3E}">
-        <p14:creationId xmlns:p14="http://schemas.microsoft.com/office/powerpoint/2010/main" val="2615103405"/>
-      </p:ext>
-    </p:extLst>
-  </p:cSld>
-  <p:clrMapOvr>
-    <a:masterClrMapping/>
-  </p:clrMapOvr>
-  <p:timing>
-    <p:tnLst>
-      <p:par>
-        <p:cTn id="1" dur="indefinite" restart="never" nodeType="tmRoot"/>
-      </p:par>
-    </p:tnLst>
-  </p:timing>
-</p:sld>
-</file>
-
-<file path=ppt/slides/slide8.xml><?xml version="1.0" encoding="utf-8"?>
-<p:sld xmlns:a="http://schemas.openxmlformats.org/drawingml/2006/main" xmlns:r="http://schemas.openxmlformats.org/officeDocument/2006/relationships" xmlns:p="http://schemas.openxmlformats.org/presentationml/2006/main">
-  <p:cSld>
-    <p:spTree>
-      <p:nvGrpSpPr>
-        <p:cNvPr id="1" name=""/>
-        <p:cNvGrpSpPr/>
-        <p:nvPr/>
-      </p:nvGrpSpPr>
-      <p:grpSpPr>
-        <a:xfrm>
-          <a:off x="0" y="0"/>
-          <a:ext cx="0" cy="0"/>
-          <a:chOff x="0" y="0"/>
-          <a:chExt cx="0" cy="0"/>
-        </a:xfrm>
-      </p:grpSpPr>
-      <p:sp>
-        <p:nvSpPr>
-          <p:cNvPr id="2" name="標題 1">
-            <a:extLst>
-              <a:ext uri="{FF2B5EF4-FFF2-40B4-BE49-F238E27FC236}">
-                <a16:creationId xmlns:a16="http://schemas.microsoft.com/office/drawing/2014/main" xmlns="" id="{9F8C9F65-C4E2-46C4-BCF7-A94ED1FEB60C}"/>
-              </a:ext>
-            </a:extLst>
-          </p:cNvPr>
-          <p:cNvSpPr>
-            <a:spLocks noGrp="1"/>
-          </p:cNvSpPr>
-          <p:nvPr>
-            <p:ph type="title"/>
-          </p:nvPr>
-        </p:nvSpPr>
-        <p:spPr/>
-        <p:txBody>
-          <a:bodyPr/>
-          <a:lstStyle/>
-          <a:p>
-            <a:r>
-              <a:rPr lang="en-US" altLang="zh-TW" dirty="0" smtClean="0"/>
-              <a:t>Problem</a:t>
-            </a:r>
-            <a:endParaRPr lang="zh-TW" altLang="en-US" dirty="0"/>
-          </a:p>
-        </p:txBody>
-      </p:sp>
-      <p:sp>
-        <p:nvSpPr>
-          <p:cNvPr id="3" name="投影片編號版面配置區 2">
-            <a:extLst>
-              <a:ext uri="{FF2B5EF4-FFF2-40B4-BE49-F238E27FC236}">
-                <a16:creationId xmlns:a16="http://schemas.microsoft.com/office/drawing/2014/main" xmlns="" id="{2E6C1CB4-4587-4293-98FA-0C5F7A405DC7}"/>
-              </a:ext>
-            </a:extLst>
-          </p:cNvPr>
-          <p:cNvSpPr>
-            <a:spLocks noGrp="1"/>
-          </p:cNvSpPr>
-          <p:nvPr>
-            <p:ph type="sldNum" sz="quarter" idx="12"/>
-          </p:nvPr>
-        </p:nvSpPr>
-        <p:spPr/>
-        <p:txBody>
-          <a:bodyPr/>
-          <a:lstStyle/>
-          <a:p>
-            <a:fld id="{8EABE232-0F07-4D20-8124-36AAEDF61BD7}" type="slidenum">
-              <a:rPr lang="zh-TW" altLang="en-US" smtClean="0"/>
-              <a:t>8</a:t>
-            </a:fld>
-            <a:endParaRPr lang="zh-TW" altLang="en-US"/>
-          </a:p>
-        </p:txBody>
-      </p:sp>
-      <p:sp>
-        <p:nvSpPr>
-          <p:cNvPr id="4" name="文字版面配置區 3">
-            <a:extLst>
-              <a:ext uri="{FF2B5EF4-FFF2-40B4-BE49-F238E27FC236}">
-                <a16:creationId xmlns:a16="http://schemas.microsoft.com/office/drawing/2014/main" xmlns="" id="{C11D78B0-AEE6-44B7-AA09-A6E17092CF2E}"/>
-              </a:ext>
-            </a:extLst>
-          </p:cNvPr>
-          <p:cNvSpPr>
-            <a:spLocks noGrp="1"/>
-          </p:cNvSpPr>
-          <p:nvPr>
-            <p:ph type="body" sz="quarter" idx="13"/>
-          </p:nvPr>
-        </p:nvSpPr>
-        <p:spPr/>
-        <p:txBody>
-          <a:bodyPr/>
-          <a:lstStyle/>
-          <a:p>
-            <a:r>
-              <a:rPr lang="en-US" altLang="zh-TW" dirty="0"/>
-              <a:t>Introduction</a:t>
-            </a:r>
-            <a:endParaRPr lang="zh-TW" altLang="en-US" dirty="0"/>
-          </a:p>
-        </p:txBody>
-      </p:sp>
-      <p:sp>
-        <p:nvSpPr>
-          <p:cNvPr id="5" name="內容版面配置區 2">
-            <a:extLst>
-              <a:ext uri="{FF2B5EF4-FFF2-40B4-BE49-F238E27FC236}">
-                <a16:creationId xmlns:a16="http://schemas.microsoft.com/office/drawing/2014/main" xmlns="" id="{A6ED73C9-1522-4749-998D-7E4666C2D418}"/>
-              </a:ext>
-            </a:extLst>
-          </p:cNvPr>
-          <p:cNvSpPr txBox="1">
-            <a:spLocks/>
-          </p:cNvSpPr>
-          <p:nvPr/>
-        </p:nvSpPr>
-        <p:spPr>
-          <a:xfrm>
-            <a:off x="838200" y="1825625"/>
-            <a:ext cx="10515600" cy="4351338"/>
-          </a:xfrm>
-          <a:prstGeom prst="rect">
-            <a:avLst/>
-          </a:prstGeom>
-        </p:spPr>
-        <p:txBody>
-          <a:bodyPr/>
-          <a:lstStyle>
-            <a:lvl1pPr marL="228600" indent="-228600" algn="l" defTabSz="914400" rtl="0" eaLnBrk="1" latinLnBrk="0" hangingPunct="1">
-              <a:lnSpc>
-                <a:spcPct val="90000"/>
-              </a:lnSpc>
-              <a:spcBef>
-                <a:spcPts val="1000"/>
-              </a:spcBef>
-              <a:buFont typeface="Arial" panose="020B0604020202020204" pitchFamily="34" charset="0"/>
-              <a:buChar char="•"/>
-              <a:defRPr sz="2800" kern="1200">
-                <a:solidFill>
-                  <a:schemeClr val="tx1"/>
-                </a:solidFill>
-                <a:latin typeface="+mn-lt"/>
-                <a:ea typeface="+mn-ea"/>
-                <a:cs typeface="+mn-cs"/>
-              </a:defRPr>
-            </a:lvl1pPr>
-            <a:lvl2pPr marL="685800" indent="-228600" algn="l" defTabSz="914400" rtl="0" eaLnBrk="1" latinLnBrk="0" hangingPunct="1">
-              <a:lnSpc>
-                <a:spcPct val="90000"/>
-              </a:lnSpc>
-              <a:spcBef>
-                <a:spcPts val="500"/>
-              </a:spcBef>
-              <a:buFont typeface="Arial" panose="020B0604020202020204" pitchFamily="34" charset="0"/>
-              <a:buChar char="•"/>
-              <a:defRPr sz="2400" kern="1200">
-                <a:solidFill>
-                  <a:schemeClr val="tx1"/>
-                </a:solidFill>
-                <a:latin typeface="+mn-lt"/>
-                <a:ea typeface="+mn-ea"/>
-                <a:cs typeface="+mn-cs"/>
-              </a:defRPr>
-            </a:lvl2pPr>
-            <a:lvl3pPr marL="1143000" indent="-228600" algn="l" defTabSz="914400" rtl="0" eaLnBrk="1" latinLnBrk="0" hangingPunct="1">
-              <a:lnSpc>
-                <a:spcPct val="90000"/>
-              </a:lnSpc>
-              <a:spcBef>
-                <a:spcPts val="500"/>
-              </a:spcBef>
-              <a:buFont typeface="Arial" panose="020B0604020202020204" pitchFamily="34" charset="0"/>
-              <a:buChar char="•"/>
-              <a:defRPr sz="2000" kern="1200">
-                <a:solidFill>
-                  <a:schemeClr val="tx1"/>
-                </a:solidFill>
-                <a:latin typeface="+mn-lt"/>
-                <a:ea typeface="+mn-ea"/>
-                <a:cs typeface="+mn-cs"/>
-              </a:defRPr>
-            </a:lvl3pPr>
-            <a:lvl4pPr marL="1600200" indent="-228600" algn="l" defTabSz="914400" rtl="0" eaLnBrk="1" latinLnBrk="0" hangingPunct="1">
-              <a:lnSpc>
-                <a:spcPct val="90000"/>
-              </a:lnSpc>
-              <a:spcBef>
-                <a:spcPts val="500"/>
-              </a:spcBef>
-              <a:buFont typeface="Arial" panose="020B0604020202020204" pitchFamily="34" charset="0"/>
-              <a:buChar char="•"/>
-              <a:defRPr sz="1800" kern="1200">
-                <a:solidFill>
-                  <a:schemeClr val="tx1"/>
-                </a:solidFill>
-                <a:latin typeface="+mn-lt"/>
-                <a:ea typeface="+mn-ea"/>
-                <a:cs typeface="+mn-cs"/>
-              </a:defRPr>
-            </a:lvl4pPr>
-            <a:lvl5pPr marL="2057400" indent="-228600" algn="l" defTabSz="914400" rtl="0" eaLnBrk="1" latinLnBrk="0" hangingPunct="1">
-              <a:lnSpc>
-                <a:spcPct val="90000"/>
-              </a:lnSpc>
-              <a:spcBef>
-                <a:spcPts val="500"/>
-              </a:spcBef>
-              <a:buFont typeface="Arial" panose="020B0604020202020204" pitchFamily="34" charset="0"/>
-              <a:buChar char="•"/>
-              <a:defRPr sz="1800" kern="1200">
-                <a:solidFill>
-                  <a:schemeClr val="tx1"/>
-                </a:solidFill>
-                <a:latin typeface="+mn-lt"/>
-                <a:ea typeface="+mn-ea"/>
-                <a:cs typeface="+mn-cs"/>
-              </a:defRPr>
-            </a:lvl5pPr>
-            <a:lvl6pPr marL="2514600" indent="-228600" algn="l" defTabSz="914400" rtl="0" eaLnBrk="1" latinLnBrk="0" hangingPunct="1">
-              <a:lnSpc>
-                <a:spcPct val="90000"/>
-              </a:lnSpc>
-              <a:spcBef>
-                <a:spcPts val="500"/>
-              </a:spcBef>
-              <a:buFont typeface="Arial" panose="020B0604020202020204" pitchFamily="34" charset="0"/>
-              <a:buChar char="•"/>
-              <a:defRPr sz="1800" kern="1200">
-                <a:solidFill>
-                  <a:schemeClr val="tx1"/>
-                </a:solidFill>
-                <a:latin typeface="+mn-lt"/>
-                <a:ea typeface="+mn-ea"/>
-                <a:cs typeface="+mn-cs"/>
-              </a:defRPr>
-            </a:lvl6pPr>
-            <a:lvl7pPr marL="2971800" indent="-228600" algn="l" defTabSz="914400" rtl="0" eaLnBrk="1" latinLnBrk="0" hangingPunct="1">
-              <a:lnSpc>
-                <a:spcPct val="90000"/>
-              </a:lnSpc>
-              <a:spcBef>
-                <a:spcPts val="500"/>
-              </a:spcBef>
-              <a:buFont typeface="Arial" panose="020B0604020202020204" pitchFamily="34" charset="0"/>
-              <a:buChar char="•"/>
-              <a:defRPr sz="1800" kern="1200">
-                <a:solidFill>
-                  <a:schemeClr val="tx1"/>
-                </a:solidFill>
-                <a:latin typeface="+mn-lt"/>
-                <a:ea typeface="+mn-ea"/>
-                <a:cs typeface="+mn-cs"/>
-              </a:defRPr>
-            </a:lvl7pPr>
-            <a:lvl8pPr marL="3429000" indent="-228600" algn="l" defTabSz="914400" rtl="0" eaLnBrk="1" latinLnBrk="0" hangingPunct="1">
-              <a:lnSpc>
-                <a:spcPct val="90000"/>
-              </a:lnSpc>
-              <a:spcBef>
-                <a:spcPts val="500"/>
-              </a:spcBef>
-              <a:buFont typeface="Arial" panose="020B0604020202020204" pitchFamily="34" charset="0"/>
-              <a:buChar char="•"/>
-              <a:defRPr sz="1800" kern="1200">
-                <a:solidFill>
-                  <a:schemeClr val="tx1"/>
-                </a:solidFill>
-                <a:latin typeface="+mn-lt"/>
-                <a:ea typeface="+mn-ea"/>
-                <a:cs typeface="+mn-cs"/>
-              </a:defRPr>
-            </a:lvl8pPr>
-            <a:lvl9pPr marL="3886200" indent="-228600" algn="l" defTabSz="914400" rtl="0" eaLnBrk="1" latinLnBrk="0" hangingPunct="1">
-              <a:lnSpc>
-                <a:spcPct val="90000"/>
-              </a:lnSpc>
-              <a:spcBef>
-                <a:spcPts val="500"/>
-              </a:spcBef>
-              <a:buFont typeface="Arial" panose="020B0604020202020204" pitchFamily="34" charset="0"/>
-              <a:buChar char="•"/>
-              <a:defRPr sz="1800" kern="1200">
-                <a:solidFill>
-                  <a:schemeClr val="tx1"/>
-                </a:solidFill>
-                <a:latin typeface="+mn-lt"/>
-                <a:ea typeface="+mn-ea"/>
-                <a:cs typeface="+mn-cs"/>
-              </a:defRPr>
-            </a:lvl9pPr>
-          </a:lstStyle>
-          <a:p>
-            <a:r>
-              <a:rPr lang="en-US" altLang="zh-TW" dirty="0" smtClean="0">
-                <a:latin typeface="Abadi Extra Light" panose="020B0204020104020204" pitchFamily="34" charset="0"/>
-              </a:rPr>
-              <a:t>Inconsistent naming policy</a:t>
-            </a:r>
-            <a:endParaRPr lang="en-US" altLang="zh-TW" dirty="0">
-              <a:latin typeface="Abadi Extra Light" panose="020B0204020104020204" pitchFamily="34" charset="0"/>
-            </a:endParaRPr>
-          </a:p>
-          <a:p>
-            <a:r>
-              <a:rPr lang="en-US" altLang="zh-TW" dirty="0" smtClean="0">
-                <a:latin typeface="Abadi Extra Light" panose="020B0204020104020204" pitchFamily="34" charset="0"/>
-              </a:rPr>
-              <a:t>Ambiguous comments</a:t>
-            </a:r>
-            <a:endParaRPr lang="en-US" altLang="zh-TW" dirty="0">
-              <a:latin typeface="Abadi Extra Light" panose="020B0204020104020204" pitchFamily="34" charset="0"/>
-            </a:endParaRPr>
-          </a:p>
-          <a:p>
-            <a:r>
-              <a:rPr lang="en-US" altLang="zh-TW" dirty="0" smtClean="0">
-                <a:latin typeface="Abadi Extra Light" panose="020B0204020104020204" pitchFamily="34" charset="0"/>
-              </a:rPr>
-              <a:t>Duplicate code</a:t>
-            </a:r>
-          </a:p>
-          <a:p>
-            <a:r>
-              <a:rPr lang="en-US" altLang="zh-TW" dirty="0" smtClean="0">
-                <a:latin typeface="Abadi Extra Light" panose="020B0204020104020204" pitchFamily="34" charset="0"/>
-              </a:rPr>
-              <a:t>Few large classes rather than many small classes</a:t>
-            </a:r>
-          </a:p>
-          <a:p>
-            <a:endParaRPr lang="en-US" altLang="zh-TW" dirty="0">
-              <a:latin typeface="Abadi Extra Light" panose="020B0204020104020204" pitchFamily="34" charset="0"/>
-            </a:endParaRPr>
-          </a:p>
-          <a:p>
-            <a:endParaRPr lang="zh-TW" altLang="en-US" dirty="0">
-              <a:latin typeface="Abadi Extra Light" panose="020B0204020104020204" pitchFamily="34" charset="0"/>
-            </a:endParaRPr>
-          </a:p>
-        </p:txBody>
-      </p:sp>
-    </p:spTree>
-    <p:extLst>
-      <p:ext uri="{BB962C8B-B14F-4D97-AF65-F5344CB8AC3E}">
-        <p14:creationId xmlns:p14="http://schemas.microsoft.com/office/powerpoint/2010/main" val="1837907727"/>
-      </p:ext>
-    </p:extLst>
-  </p:cSld>
-  <p:clrMapOvr>
-    <a:masterClrMapping/>
-  </p:clrMapOvr>
-  <p:timing>
-    <p:tnLst>
-      <p:par>
-        <p:cTn id="1" dur="indefinite" restart="never" nodeType="tmRoot"/>
-      </p:par>
-    </p:tnLst>
-  </p:timing>
-</p:sld>
-</file>
-
-<file path=ppt/slides/slide9.xml><?xml version="1.0" encoding="utf-8"?>
-<p:sld xmlns:a="http://schemas.openxmlformats.org/drawingml/2006/main" xmlns:r="http://schemas.openxmlformats.org/officeDocument/2006/relationships" xmlns:p="http://schemas.openxmlformats.org/presentationml/2006/main">
-  <p:cSld>
-    <p:spTree>
-      <p:nvGrpSpPr>
-        <p:cNvPr id="1" name=""/>
-        <p:cNvGrpSpPr/>
-        <p:nvPr/>
-      </p:nvGrpSpPr>
-      <p:grpSpPr>
-        <a:xfrm>
-          <a:off x="0" y="0"/>
-          <a:ext cx="0" cy="0"/>
-          <a:chOff x="0" y="0"/>
-          <a:chExt cx="0" cy="0"/>
-        </a:xfrm>
-      </p:grpSpPr>
-      <p:sp>
-        <p:nvSpPr>
-          <p:cNvPr id="2" name="標題 1">
-            <a:extLst>
-              <a:ext uri="{FF2B5EF4-FFF2-40B4-BE49-F238E27FC236}">
-                <a16:creationId xmlns:a16="http://schemas.microsoft.com/office/drawing/2014/main" xmlns="" id="{9F8C9F65-C4E2-46C4-BCF7-A94ED1FEB60C}"/>
-              </a:ext>
-            </a:extLst>
-          </p:cNvPr>
-          <p:cNvSpPr>
-            <a:spLocks noGrp="1"/>
-          </p:cNvSpPr>
-          <p:nvPr>
-            <p:ph type="title"/>
-          </p:nvPr>
-        </p:nvSpPr>
-        <p:spPr/>
-        <p:txBody>
-          <a:bodyPr/>
-          <a:lstStyle/>
-          <a:p>
-            <a:r>
-              <a:rPr lang="en-US" altLang="zh-TW" dirty="0" smtClean="0"/>
-              <a:t>Problem</a:t>
-            </a:r>
-            <a:endParaRPr lang="zh-TW" altLang="en-US" dirty="0"/>
-          </a:p>
-        </p:txBody>
-      </p:sp>
-      <p:sp>
-        <p:nvSpPr>
-          <p:cNvPr id="3" name="投影片編號版面配置區 2">
-            <a:extLst>
-              <a:ext uri="{FF2B5EF4-FFF2-40B4-BE49-F238E27FC236}">
-                <a16:creationId xmlns:a16="http://schemas.microsoft.com/office/drawing/2014/main" xmlns="" id="{2E6C1CB4-4587-4293-98FA-0C5F7A405DC7}"/>
-              </a:ext>
-            </a:extLst>
-          </p:cNvPr>
-          <p:cNvSpPr>
-            <a:spLocks noGrp="1"/>
-          </p:cNvSpPr>
-          <p:nvPr>
-            <p:ph type="sldNum" sz="quarter" idx="12"/>
-          </p:nvPr>
-        </p:nvSpPr>
-        <p:spPr/>
-        <p:txBody>
-          <a:bodyPr/>
-          <a:lstStyle/>
-          <a:p>
-            <a:fld id="{8EABE232-0F07-4D20-8124-36AAEDF61BD7}" type="slidenum">
-              <a:rPr lang="zh-TW" altLang="en-US" smtClean="0"/>
-              <a:t>9</a:t>
-            </a:fld>
-            <a:endParaRPr lang="zh-TW" altLang="en-US"/>
-          </a:p>
-        </p:txBody>
-      </p:sp>
-      <p:sp>
-        <p:nvSpPr>
-          <p:cNvPr id="4" name="文字版面配置區 3">
-            <a:extLst>
-              <a:ext uri="{FF2B5EF4-FFF2-40B4-BE49-F238E27FC236}">
-                <a16:creationId xmlns:a16="http://schemas.microsoft.com/office/drawing/2014/main" xmlns="" id="{C11D78B0-AEE6-44B7-AA09-A6E17092CF2E}"/>
-              </a:ext>
-            </a:extLst>
-          </p:cNvPr>
-          <p:cNvSpPr>
-            <a:spLocks noGrp="1"/>
-          </p:cNvSpPr>
-          <p:nvPr>
-            <p:ph type="body" sz="quarter" idx="13"/>
-          </p:nvPr>
-        </p:nvSpPr>
-        <p:spPr/>
-        <p:txBody>
-          <a:bodyPr/>
-          <a:lstStyle/>
-          <a:p>
-            <a:r>
-              <a:rPr lang="en-US" altLang="zh-TW" dirty="0"/>
-              <a:t>Introduction</a:t>
-            </a:r>
-            <a:endParaRPr lang="zh-TW" altLang="en-US" dirty="0"/>
-          </a:p>
-        </p:txBody>
-      </p:sp>
-      <p:sp>
-        <p:nvSpPr>
-          <p:cNvPr id="5" name="內容版面配置區 2">
-            <a:extLst>
-              <a:ext uri="{FF2B5EF4-FFF2-40B4-BE49-F238E27FC236}">
-                <a16:creationId xmlns:a16="http://schemas.microsoft.com/office/drawing/2014/main" xmlns="" id="{A6ED73C9-1522-4749-998D-7E4666C2D418}"/>
-              </a:ext>
-            </a:extLst>
-          </p:cNvPr>
-          <p:cNvSpPr txBox="1">
-            <a:spLocks/>
-          </p:cNvSpPr>
-          <p:nvPr/>
-        </p:nvSpPr>
-        <p:spPr>
-          <a:xfrm>
-            <a:off x="838200" y="1825625"/>
-            <a:ext cx="10515600" cy="4351338"/>
-          </a:xfrm>
-          <a:prstGeom prst="rect">
-            <a:avLst/>
-          </a:prstGeom>
-        </p:spPr>
-        <p:txBody>
-          <a:bodyPr/>
-          <a:lstStyle>
-            <a:lvl1pPr marL="228600" indent="-228600" algn="l" defTabSz="914400" rtl="0" eaLnBrk="1" latinLnBrk="0" hangingPunct="1">
-              <a:lnSpc>
-                <a:spcPct val="90000"/>
-              </a:lnSpc>
-              <a:spcBef>
-                <a:spcPts val="1000"/>
-              </a:spcBef>
-              <a:buFont typeface="Arial" panose="020B0604020202020204" pitchFamily="34" charset="0"/>
-              <a:buChar char="•"/>
-              <a:defRPr sz="2800" kern="1200">
-                <a:solidFill>
-                  <a:schemeClr val="tx1"/>
-                </a:solidFill>
-                <a:latin typeface="+mn-lt"/>
-                <a:ea typeface="+mn-ea"/>
-                <a:cs typeface="+mn-cs"/>
-              </a:defRPr>
-            </a:lvl1pPr>
-            <a:lvl2pPr marL="685800" indent="-228600" algn="l" defTabSz="914400" rtl="0" eaLnBrk="1" latinLnBrk="0" hangingPunct="1">
-              <a:lnSpc>
-                <a:spcPct val="90000"/>
-              </a:lnSpc>
-              <a:spcBef>
-                <a:spcPts val="500"/>
-              </a:spcBef>
-              <a:buFont typeface="Arial" panose="020B0604020202020204" pitchFamily="34" charset="0"/>
-              <a:buChar char="•"/>
-              <a:defRPr sz="2400" kern="1200">
-                <a:solidFill>
-                  <a:schemeClr val="tx1"/>
-                </a:solidFill>
-                <a:latin typeface="+mn-lt"/>
-                <a:ea typeface="+mn-ea"/>
-                <a:cs typeface="+mn-cs"/>
-              </a:defRPr>
-            </a:lvl2pPr>
-            <a:lvl3pPr marL="1143000" indent="-228600" algn="l" defTabSz="914400" rtl="0" eaLnBrk="1" latinLnBrk="0" hangingPunct="1">
-              <a:lnSpc>
-                <a:spcPct val="90000"/>
-              </a:lnSpc>
-              <a:spcBef>
-                <a:spcPts val="500"/>
-              </a:spcBef>
-              <a:buFont typeface="Arial" panose="020B0604020202020204" pitchFamily="34" charset="0"/>
-              <a:buChar char="•"/>
-              <a:defRPr sz="2000" kern="1200">
-                <a:solidFill>
-                  <a:schemeClr val="tx1"/>
-                </a:solidFill>
-                <a:latin typeface="+mn-lt"/>
-                <a:ea typeface="+mn-ea"/>
-                <a:cs typeface="+mn-cs"/>
-              </a:defRPr>
-            </a:lvl3pPr>
-            <a:lvl4pPr marL="1600200" indent="-228600" algn="l" defTabSz="914400" rtl="0" eaLnBrk="1" latinLnBrk="0" hangingPunct="1">
-              <a:lnSpc>
-                <a:spcPct val="90000"/>
-              </a:lnSpc>
-              <a:spcBef>
-                <a:spcPts val="500"/>
-              </a:spcBef>
-              <a:buFont typeface="Arial" panose="020B0604020202020204" pitchFamily="34" charset="0"/>
-              <a:buChar char="•"/>
-              <a:defRPr sz="1800" kern="1200">
-                <a:solidFill>
-                  <a:schemeClr val="tx1"/>
-                </a:solidFill>
-                <a:latin typeface="+mn-lt"/>
-                <a:ea typeface="+mn-ea"/>
-                <a:cs typeface="+mn-cs"/>
-              </a:defRPr>
-            </a:lvl4pPr>
-            <a:lvl5pPr marL="2057400" indent="-228600" algn="l" defTabSz="914400" rtl="0" eaLnBrk="1" latinLnBrk="0" hangingPunct="1">
-              <a:lnSpc>
-                <a:spcPct val="90000"/>
-              </a:lnSpc>
-              <a:spcBef>
-                <a:spcPts val="500"/>
-              </a:spcBef>
-              <a:buFont typeface="Arial" panose="020B0604020202020204" pitchFamily="34" charset="0"/>
-              <a:buChar char="•"/>
-              <a:defRPr sz="1800" kern="1200">
-                <a:solidFill>
-                  <a:schemeClr val="tx1"/>
-                </a:solidFill>
-                <a:latin typeface="+mn-lt"/>
-                <a:ea typeface="+mn-ea"/>
-                <a:cs typeface="+mn-cs"/>
-              </a:defRPr>
-            </a:lvl5pPr>
-            <a:lvl6pPr marL="2514600" indent="-228600" algn="l" defTabSz="914400" rtl="0" eaLnBrk="1" latinLnBrk="0" hangingPunct="1">
-              <a:lnSpc>
-                <a:spcPct val="90000"/>
-              </a:lnSpc>
-              <a:spcBef>
-                <a:spcPts val="500"/>
-              </a:spcBef>
-              <a:buFont typeface="Arial" panose="020B0604020202020204" pitchFamily="34" charset="0"/>
-              <a:buChar char="•"/>
-              <a:defRPr sz="1800" kern="1200">
-                <a:solidFill>
-                  <a:schemeClr val="tx1"/>
-                </a:solidFill>
-                <a:latin typeface="+mn-lt"/>
-                <a:ea typeface="+mn-ea"/>
-                <a:cs typeface="+mn-cs"/>
-              </a:defRPr>
-            </a:lvl6pPr>
-            <a:lvl7pPr marL="2971800" indent="-228600" algn="l" defTabSz="914400" rtl="0" eaLnBrk="1" latinLnBrk="0" hangingPunct="1">
-              <a:lnSpc>
-                <a:spcPct val="90000"/>
-              </a:lnSpc>
-              <a:spcBef>
-                <a:spcPts val="500"/>
-              </a:spcBef>
-              <a:buFont typeface="Arial" panose="020B0604020202020204" pitchFamily="34" charset="0"/>
-              <a:buChar char="•"/>
-              <a:defRPr sz="1800" kern="1200">
-                <a:solidFill>
-                  <a:schemeClr val="tx1"/>
-                </a:solidFill>
-                <a:latin typeface="+mn-lt"/>
-                <a:ea typeface="+mn-ea"/>
-                <a:cs typeface="+mn-cs"/>
-              </a:defRPr>
-            </a:lvl7pPr>
-            <a:lvl8pPr marL="3429000" indent="-228600" algn="l" defTabSz="914400" rtl="0" eaLnBrk="1" latinLnBrk="0" hangingPunct="1">
-              <a:lnSpc>
-                <a:spcPct val="90000"/>
-              </a:lnSpc>
-              <a:spcBef>
-                <a:spcPts val="500"/>
-              </a:spcBef>
-              <a:buFont typeface="Arial" panose="020B0604020202020204" pitchFamily="34" charset="0"/>
-              <a:buChar char="•"/>
-              <a:defRPr sz="1800" kern="1200">
-                <a:solidFill>
-                  <a:schemeClr val="tx1"/>
-                </a:solidFill>
-                <a:latin typeface="+mn-lt"/>
-                <a:ea typeface="+mn-ea"/>
-                <a:cs typeface="+mn-cs"/>
-              </a:defRPr>
-            </a:lvl8pPr>
-            <a:lvl9pPr marL="3886200" indent="-228600" algn="l" defTabSz="914400" rtl="0" eaLnBrk="1" latinLnBrk="0" hangingPunct="1">
-              <a:lnSpc>
-                <a:spcPct val="90000"/>
-              </a:lnSpc>
-              <a:spcBef>
-                <a:spcPts val="500"/>
-              </a:spcBef>
-              <a:buFont typeface="Arial" panose="020B0604020202020204" pitchFamily="34" charset="0"/>
-              <a:buChar char="•"/>
-              <a:defRPr sz="1800" kern="1200">
-                <a:solidFill>
-                  <a:schemeClr val="tx1"/>
-                </a:solidFill>
-                <a:latin typeface="+mn-lt"/>
-                <a:ea typeface="+mn-ea"/>
-                <a:cs typeface="+mn-cs"/>
-              </a:defRPr>
-            </a:lvl9pPr>
-          </a:lstStyle>
-          <a:p>
-            <a:r>
-              <a:rPr lang="en-US" altLang="zh-TW" dirty="0" smtClean="0">
-                <a:latin typeface="Abadi Extra Light" panose="020B0204020104020204" pitchFamily="34" charset="0"/>
-              </a:rPr>
-              <a:t>Inconsistent naming policy: google python style</a:t>
-            </a:r>
-            <a:endParaRPr lang="en-US" altLang="zh-TW" dirty="0">
-              <a:latin typeface="Abadi Extra Light" panose="020B0204020104020204" pitchFamily="34" charset="0"/>
-            </a:endParaRPr>
-          </a:p>
-          <a:p>
-            <a:r>
-              <a:rPr lang="en-US" altLang="zh-TW" dirty="0" smtClean="0">
-                <a:latin typeface="Abadi Extra Light" panose="020B0204020104020204" pitchFamily="34" charset="0"/>
-              </a:rPr>
-              <a:t>Ambiguous comments</a:t>
-            </a:r>
-            <a:endParaRPr lang="en-US" altLang="zh-TW" dirty="0">
-              <a:latin typeface="Abadi Extra Light" panose="020B0204020104020204" pitchFamily="34" charset="0"/>
-            </a:endParaRPr>
-          </a:p>
-          <a:p>
-            <a:r>
-              <a:rPr lang="en-US" altLang="zh-TW" dirty="0" smtClean="0">
-                <a:latin typeface="Abadi Extra Light" panose="020B0204020104020204" pitchFamily="34" charset="0"/>
-              </a:rPr>
-              <a:t>Duplicate code</a:t>
-            </a:r>
-          </a:p>
-          <a:p>
-            <a:r>
-              <a:rPr lang="en-US" altLang="zh-TW" dirty="0" smtClean="0">
-                <a:latin typeface="Abadi Extra Light" panose="020B0204020104020204" pitchFamily="34" charset="0"/>
-              </a:rPr>
-              <a:t>Few large classes rather than many small classes</a:t>
-            </a:r>
-          </a:p>
-          <a:p>
-            <a:endParaRPr lang="en-US" altLang="zh-TW" dirty="0">
-              <a:latin typeface="Abadi Extra Light" panose="020B0204020104020204" pitchFamily="34" charset="0"/>
-            </a:endParaRPr>
-          </a:p>
-          <a:p>
-            <a:endParaRPr lang="zh-TW" altLang="en-US" dirty="0">
-              <a:latin typeface="Abadi Extra Light" panose="020B0204020104020204" pitchFamily="34" charset="0"/>
-            </a:endParaRPr>
-          </a:p>
-        </p:txBody>
-      </p:sp>
-    </p:spTree>
-    <p:extLst>
-      <p:ext uri="{BB962C8B-B14F-4D97-AF65-F5344CB8AC3E}">
-        <p14:creationId xmlns:p14="http://schemas.microsoft.com/office/powerpoint/2010/main" val="2527488775"/>
       </p:ext>
     </p:extLst>
   </p:cSld>
